--- a/02_02ConditionalsCS152.pptx
+++ b/02_02ConditionalsCS152.pptx
@@ -5,20 +5,21 @@
     <p:sldMasterId id="2147483685" r:id="rId4"/>
   </p:sldMasterIdLst>
   <p:notesMasterIdLst>
-    <p:notesMasterId r:id="rId16"/>
+    <p:notesMasterId r:id="rId17"/>
   </p:notesMasterIdLst>
   <p:sldIdLst>
     <p:sldId id="256" r:id="rId5"/>
     <p:sldId id="268" r:id="rId6"/>
     <p:sldId id="286" r:id="rId7"/>
-    <p:sldId id="304" r:id="rId8"/>
-    <p:sldId id="261" r:id="rId9"/>
-    <p:sldId id="277" r:id="rId10"/>
-    <p:sldId id="305" r:id="rId11"/>
-    <p:sldId id="306" r:id="rId12"/>
-    <p:sldId id="262" r:id="rId13"/>
-    <p:sldId id="263" r:id="rId14"/>
-    <p:sldId id="278" r:id="rId15"/>
+    <p:sldId id="307" r:id="rId8"/>
+    <p:sldId id="304" r:id="rId9"/>
+    <p:sldId id="261" r:id="rId10"/>
+    <p:sldId id="277" r:id="rId11"/>
+    <p:sldId id="305" r:id="rId12"/>
+    <p:sldId id="306" r:id="rId13"/>
+    <p:sldId id="262" r:id="rId14"/>
+    <p:sldId id="263" r:id="rId15"/>
+    <p:sldId id="278" r:id="rId16"/>
   </p:sldIdLst>
   <p:sldSz cx="9144000" cy="5143500" type="screen16x9"/>
   <p:notesSz cx="6858000" cy="9144000"/>
@@ -270,334 +271,83 @@
 </p:presentation>
 </file>
 
-<file path=ppt/revisionInfo.xml><?xml version="1.0" encoding="utf-8"?>
-<p1510:revInfo xmlns:a="http://schemas.openxmlformats.org/drawingml/2006/main" xmlns:r="http://schemas.openxmlformats.org/officeDocument/2006/relationships" xmlns:p1510="http://schemas.microsoft.com/office/powerpoint/2015/10/main">
-  <p1510:revLst>
-    <p1510:client id="{4CA3776E-06AD-4A9A-A1C9-CC1C3037BAA5}" v="154" dt="2022-08-13T01:21:21.966"/>
-  </p1510:revLst>
-</p1510:revInfo>
-</file>
-
 <file path=ppt/changesInfos/changesInfo1.xml><?xml version="1.0" encoding="utf-8"?>
 <pc:chgInfo xmlns:a="http://schemas.openxmlformats.org/drawingml/2006/main" xmlns:r="http://schemas.openxmlformats.org/officeDocument/2006/relationships" xmlns:ac="http://schemas.microsoft.com/office/drawing/2013/main/command" xmlns:pc="http://schemas.microsoft.com/office/powerpoint/2013/main/command">
   <pc:docChgLst>
-    <pc:chgData name="Moraes,Marcia" userId="c9c67e8a-58e2-4733-9a1c-5d44fec4775b" providerId="ADAL" clId="{4CA3776E-06AD-4A9A-A1C9-CC1C3037BAA5}"/>
-    <pc:docChg chg="undo custSel addSld delSld modSld delMainMaster">
-      <pc:chgData name="Moraes,Marcia" userId="c9c67e8a-58e2-4733-9a1c-5d44fec4775b" providerId="ADAL" clId="{4CA3776E-06AD-4A9A-A1C9-CC1C3037BAA5}" dt="2022-08-13T01:28:31.886" v="682" actId="14100"/>
+    <pc:chgData name="Marcia Moraes" userId="c9c67e8a-58e2-4733-9a1c-5d44fec4775b" providerId="ADAL" clId="{422DB548-A3AC-45DE-BA8F-503D91CD8030}"/>
+    <pc:docChg chg="undo custSel addSld modSld">
+      <pc:chgData name="Marcia Moraes" userId="c9c67e8a-58e2-4733-9a1c-5d44fec4775b" providerId="ADAL" clId="{422DB548-A3AC-45DE-BA8F-503D91CD8030}" dt="2024-06-26T00:12:48.327" v="6685" actId="20577"/>
       <pc:docMkLst>
         <pc:docMk/>
       </pc:docMkLst>
-      <pc:sldChg chg="modSp mod">
-        <pc:chgData name="Moraes,Marcia" userId="c9c67e8a-58e2-4733-9a1c-5d44fec4775b" providerId="ADAL" clId="{4CA3776E-06AD-4A9A-A1C9-CC1C3037BAA5}" dt="2022-08-13T00:41:35.132" v="311" actId="20577"/>
-        <pc:sldMkLst>
-          <pc:docMk/>
-          <pc:sldMk cId="0" sldId="256"/>
-        </pc:sldMkLst>
-        <pc:spChg chg="mod">
-          <ac:chgData name="Moraes,Marcia" userId="c9c67e8a-58e2-4733-9a1c-5d44fec4775b" providerId="ADAL" clId="{4CA3776E-06AD-4A9A-A1C9-CC1C3037BAA5}" dt="2022-08-13T00:41:35.132" v="311" actId="20577"/>
-          <ac:spMkLst>
-            <pc:docMk/>
-            <pc:sldMk cId="0" sldId="256"/>
-            <ac:spMk id="185" creationId="{00000000-0000-0000-0000-000000000000}"/>
-          </ac:spMkLst>
-        </pc:spChg>
-      </pc:sldChg>
-      <pc:sldChg chg="del">
-        <pc:chgData name="Moraes,Marcia" userId="c9c67e8a-58e2-4733-9a1c-5d44fec4775b" providerId="ADAL" clId="{4CA3776E-06AD-4A9A-A1C9-CC1C3037BAA5}" dt="2022-08-13T00:21:16.072" v="125" actId="47"/>
-        <pc:sldMkLst>
-          <pc:docMk/>
-          <pc:sldMk cId="0" sldId="260"/>
-        </pc:sldMkLst>
-      </pc:sldChg>
-      <pc:sldChg chg="modSp add mod">
-        <pc:chgData name="Moraes,Marcia" userId="c9c67e8a-58e2-4733-9a1c-5d44fec4775b" providerId="ADAL" clId="{4CA3776E-06AD-4A9A-A1C9-CC1C3037BAA5}" dt="2022-08-13T00:19:49.446" v="122" actId="14100"/>
+      <pc:sldChg chg="modNotesTx">
+        <pc:chgData name="Marcia Moraes" userId="c9c67e8a-58e2-4733-9a1c-5d44fec4775b" providerId="ADAL" clId="{422DB548-A3AC-45DE-BA8F-503D91CD8030}" dt="2024-06-25T23:00:02.922" v="3201" actId="20577"/>
         <pc:sldMkLst>
           <pc:docMk/>
           <pc:sldMk cId="0" sldId="261"/>
         </pc:sldMkLst>
-        <pc:spChg chg="mod">
-          <ac:chgData name="Moraes,Marcia" userId="c9c67e8a-58e2-4733-9a1c-5d44fec4775b" providerId="ADAL" clId="{4CA3776E-06AD-4A9A-A1C9-CC1C3037BAA5}" dt="2022-08-13T00:19:49.446" v="122" actId="14100"/>
-          <ac:spMkLst>
-            <pc:docMk/>
-            <pc:sldMk cId="0" sldId="261"/>
-            <ac:spMk id="4" creationId="{7C4C47FD-88CE-5747-98F4-F64160C19745}"/>
-          </ac:spMkLst>
-        </pc:spChg>
-        <pc:spChg chg="mod">
-          <ac:chgData name="Moraes,Marcia" userId="c9c67e8a-58e2-4733-9a1c-5d44fec4775b" providerId="ADAL" clId="{4CA3776E-06AD-4A9A-A1C9-CC1C3037BAA5}" dt="2022-08-13T00:19:37.054" v="120" actId="1076"/>
-          <ac:spMkLst>
-            <pc:docMk/>
-            <pc:sldMk cId="0" sldId="261"/>
-            <ac:spMk id="7" creationId="{938D3371-A41B-CD40-8F79-67D37BD283B7}"/>
-          </ac:spMkLst>
-        </pc:spChg>
-        <pc:spChg chg="mod">
-          <ac:chgData name="Moraes,Marcia" userId="c9c67e8a-58e2-4733-9a1c-5d44fec4775b" providerId="ADAL" clId="{4CA3776E-06AD-4A9A-A1C9-CC1C3037BAA5}" dt="2022-08-13T00:19:31.018" v="119" actId="1076"/>
-          <ac:spMkLst>
-            <pc:docMk/>
-            <pc:sldMk cId="0" sldId="261"/>
-            <ac:spMk id="8" creationId="{6B365E38-A6C6-8C46-AAC5-A8A262A7B127}"/>
-          </ac:spMkLst>
-        </pc:spChg>
-        <pc:spChg chg="mod">
-          <ac:chgData name="Moraes,Marcia" userId="c9c67e8a-58e2-4733-9a1c-5d44fec4775b" providerId="ADAL" clId="{4CA3776E-06AD-4A9A-A1C9-CC1C3037BAA5}" dt="2022-08-13T00:19:13.016" v="114" actId="1076"/>
-          <ac:spMkLst>
-            <pc:docMk/>
-            <pc:sldMk cId="0" sldId="261"/>
-            <ac:spMk id="227" creationId="{00000000-0000-0000-0000-000000000000}"/>
-          </ac:spMkLst>
-        </pc:spChg>
-        <pc:spChg chg="mod">
-          <ac:chgData name="Moraes,Marcia" userId="c9c67e8a-58e2-4733-9a1c-5d44fec4775b" providerId="ADAL" clId="{4CA3776E-06AD-4A9A-A1C9-CC1C3037BAA5}" dt="2022-08-13T00:19:20.894" v="116" actId="1076"/>
-          <ac:spMkLst>
-            <pc:docMk/>
-            <pc:sldMk cId="0" sldId="261"/>
-            <ac:spMk id="231" creationId="{00000000-0000-0000-0000-000000000000}"/>
-          </ac:spMkLst>
-        </pc:spChg>
-        <pc:spChg chg="mod">
-          <ac:chgData name="Moraes,Marcia" userId="c9c67e8a-58e2-4733-9a1c-5d44fec4775b" providerId="ADAL" clId="{4CA3776E-06AD-4A9A-A1C9-CC1C3037BAA5}" dt="2022-08-13T00:19:17.466" v="115" actId="1076"/>
-          <ac:spMkLst>
-            <pc:docMk/>
-            <pc:sldMk cId="0" sldId="261"/>
-            <ac:spMk id="232" creationId="{00000000-0000-0000-0000-000000000000}"/>
-          </ac:spMkLst>
-        </pc:spChg>
       </pc:sldChg>
-      <pc:sldChg chg="addSp delSp modSp add mod delAnim modAnim">
-        <pc:chgData name="Moraes,Marcia" userId="c9c67e8a-58e2-4733-9a1c-5d44fec4775b" providerId="ADAL" clId="{4CA3776E-06AD-4A9A-A1C9-CC1C3037BAA5}" dt="2022-08-13T01:21:21.966" v="678" actId="20577"/>
+      <pc:sldChg chg="modSp modNotesTx">
+        <pc:chgData name="Marcia Moraes" userId="c9c67e8a-58e2-4733-9a1c-5d44fec4775b" providerId="ADAL" clId="{422DB548-A3AC-45DE-BA8F-503D91CD8030}" dt="2024-06-25T23:56:10.050" v="6081" actId="20577"/>
         <pc:sldMkLst>
           <pc:docMk/>
           <pc:sldMk cId="1426773562" sldId="262"/>
         </pc:sldMkLst>
         <pc:spChg chg="mod">
-          <ac:chgData name="Moraes,Marcia" userId="c9c67e8a-58e2-4733-9a1c-5d44fec4775b" providerId="ADAL" clId="{4CA3776E-06AD-4A9A-A1C9-CC1C3037BAA5}" dt="2022-08-13T01:21:21.966" v="678" actId="20577"/>
+          <ac:chgData name="Marcia Moraes" userId="c9c67e8a-58e2-4733-9a1c-5d44fec4775b" providerId="ADAL" clId="{422DB548-A3AC-45DE-BA8F-503D91CD8030}" dt="2024-06-25T23:56:10.050" v="6081" actId="20577"/>
           <ac:spMkLst>
             <pc:docMk/>
             <pc:sldMk cId="1426773562" sldId="262"/>
             <ac:spMk id="2" creationId="{9F025B83-0F1C-3A45-9135-939C71D92995}"/>
           </ac:spMkLst>
         </pc:spChg>
-        <pc:spChg chg="mod">
-          <ac:chgData name="Moraes,Marcia" userId="c9c67e8a-58e2-4733-9a1c-5d44fec4775b" providerId="ADAL" clId="{4CA3776E-06AD-4A9A-A1C9-CC1C3037BAA5}" dt="2022-08-13T01:12:57.662" v="560" actId="21"/>
-          <ac:spMkLst>
-            <pc:docMk/>
-            <pc:sldMk cId="1426773562" sldId="262"/>
-            <ac:spMk id="4" creationId="{99A0D7FE-ADAA-344D-A4B2-36253BAAD5C4}"/>
-          </ac:spMkLst>
-        </pc:spChg>
-        <pc:spChg chg="add mod">
-          <ac:chgData name="Moraes,Marcia" userId="c9c67e8a-58e2-4733-9a1c-5d44fec4775b" providerId="ADAL" clId="{4CA3776E-06AD-4A9A-A1C9-CC1C3037BAA5}" dt="2022-08-13T01:12:07.313" v="547" actId="1076"/>
-          <ac:spMkLst>
-            <pc:docMk/>
-            <pc:sldMk cId="1426773562" sldId="262"/>
-            <ac:spMk id="5" creationId="{A5C63283-1D3E-8AF8-1EB6-0A02FB76BB91}"/>
-          </ac:spMkLst>
-        </pc:spChg>
-        <pc:spChg chg="del mod">
-          <ac:chgData name="Moraes,Marcia" userId="c9c67e8a-58e2-4733-9a1c-5d44fec4775b" providerId="ADAL" clId="{4CA3776E-06AD-4A9A-A1C9-CC1C3037BAA5}" dt="2022-08-13T01:11:27.112" v="539" actId="478"/>
-          <ac:spMkLst>
-            <pc:docMk/>
-            <pc:sldMk cId="1426773562" sldId="262"/>
-            <ac:spMk id="6" creationId="{D2AA6DCC-DFDA-1C4A-847A-62C676240875}"/>
-          </ac:spMkLst>
-        </pc:spChg>
-        <pc:spChg chg="del">
-          <ac:chgData name="Moraes,Marcia" userId="c9c67e8a-58e2-4733-9a1c-5d44fec4775b" providerId="ADAL" clId="{4CA3776E-06AD-4A9A-A1C9-CC1C3037BAA5}" dt="2022-08-13T01:11:46.902" v="544" actId="478"/>
-          <ac:spMkLst>
-            <pc:docMk/>
-            <pc:sldMk cId="1426773562" sldId="262"/>
-            <ac:spMk id="7" creationId="{890F02C8-49E9-ED46-87E7-C46957EECD05}"/>
-          </ac:spMkLst>
-        </pc:spChg>
-        <pc:spChg chg="add mod">
-          <ac:chgData name="Moraes,Marcia" userId="c9c67e8a-58e2-4733-9a1c-5d44fec4775b" providerId="ADAL" clId="{4CA3776E-06AD-4A9A-A1C9-CC1C3037BAA5}" dt="2022-08-13T01:12:23.105" v="552" actId="1076"/>
-          <ac:spMkLst>
-            <pc:docMk/>
-            <pc:sldMk cId="1426773562" sldId="262"/>
-            <ac:spMk id="9" creationId="{B38C01D6-9A28-E479-A275-AD779E96BD1D}"/>
-          </ac:spMkLst>
-        </pc:spChg>
-        <pc:spChg chg="add mod">
-          <ac:chgData name="Moraes,Marcia" userId="c9c67e8a-58e2-4733-9a1c-5d44fec4775b" providerId="ADAL" clId="{4CA3776E-06AD-4A9A-A1C9-CC1C3037BAA5}" dt="2022-08-13T01:12:53.063" v="559" actId="6549"/>
-          <ac:spMkLst>
-            <pc:docMk/>
-            <pc:sldMk cId="1426773562" sldId="262"/>
-            <ac:spMk id="11" creationId="{1BB66D34-B997-5B25-E8A7-6D5D5DDB226A}"/>
-          </ac:spMkLst>
-        </pc:spChg>
-        <pc:spChg chg="add mod">
-          <ac:chgData name="Moraes,Marcia" userId="c9c67e8a-58e2-4733-9a1c-5d44fec4775b" providerId="ADAL" clId="{4CA3776E-06AD-4A9A-A1C9-CC1C3037BAA5}" dt="2022-08-13T01:13:04.835" v="562" actId="1076"/>
-          <ac:spMkLst>
-            <pc:docMk/>
-            <pc:sldMk cId="1426773562" sldId="262"/>
-            <ac:spMk id="13" creationId="{E9E74E44-72BB-31B2-28A5-E602725EFEC0}"/>
-          </ac:spMkLst>
-        </pc:spChg>
-        <pc:spChg chg="add mod">
-          <ac:chgData name="Moraes,Marcia" userId="c9c67e8a-58e2-4733-9a1c-5d44fec4775b" providerId="ADAL" clId="{4CA3776E-06AD-4A9A-A1C9-CC1C3037BAA5}" dt="2022-08-13T01:13:55.200" v="593" actId="20577"/>
-          <ac:spMkLst>
-            <pc:docMk/>
-            <pc:sldMk cId="1426773562" sldId="262"/>
-            <ac:spMk id="14" creationId="{6B254190-7270-17F6-63DE-419920E26B24}"/>
-          </ac:spMkLst>
-        </pc:spChg>
       </pc:sldChg>
-      <pc:sldChg chg="del">
-        <pc:chgData name="Moraes,Marcia" userId="c9c67e8a-58e2-4733-9a1c-5d44fec4775b" providerId="ADAL" clId="{4CA3776E-06AD-4A9A-A1C9-CC1C3037BAA5}" dt="2022-08-13T00:21:16.932" v="126" actId="47"/>
-        <pc:sldMkLst>
-          <pc:docMk/>
-          <pc:sldMk cId="4063998483" sldId="262"/>
-        </pc:sldMkLst>
-      </pc:sldChg>
-      <pc:sldChg chg="addSp delSp modSp add mod addAnim delAnim modAnim">
-        <pc:chgData name="Moraes,Marcia" userId="c9c67e8a-58e2-4733-9a1c-5d44fec4775b" providerId="ADAL" clId="{4CA3776E-06AD-4A9A-A1C9-CC1C3037BAA5}" dt="2022-08-13T01:21:11.914" v="662" actId="20577"/>
+      <pc:sldChg chg="modSp modNotesTx">
+        <pc:chgData name="Marcia Moraes" userId="c9c67e8a-58e2-4733-9a1c-5d44fec4775b" providerId="ADAL" clId="{422DB548-A3AC-45DE-BA8F-503D91CD8030}" dt="2024-06-25T23:55:49.395" v="6068" actId="20577"/>
         <pc:sldMkLst>
           <pc:docMk/>
           <pc:sldMk cId="0" sldId="263"/>
         </pc:sldMkLst>
         <pc:spChg chg="mod">
-          <ac:chgData name="Moraes,Marcia" userId="c9c67e8a-58e2-4733-9a1c-5d44fec4775b" providerId="ADAL" clId="{4CA3776E-06AD-4A9A-A1C9-CC1C3037BAA5}" dt="2022-08-13T01:21:11.914" v="662" actId="20577"/>
+          <ac:chgData name="Marcia Moraes" userId="c9c67e8a-58e2-4733-9a1c-5d44fec4775b" providerId="ADAL" clId="{422DB548-A3AC-45DE-BA8F-503D91CD8030}" dt="2024-06-25T23:53:45.103" v="5702" actId="6549"/>
           <ac:spMkLst>
             <pc:docMk/>
             <pc:sldMk cId="0" sldId="263"/>
             <ac:spMk id="3" creationId="{517ECBBE-97C5-6B43-A73A-9690596ABA9D}"/>
           </ac:spMkLst>
         </pc:spChg>
-        <pc:spChg chg="mod">
-          <ac:chgData name="Moraes,Marcia" userId="c9c67e8a-58e2-4733-9a1c-5d44fec4775b" providerId="ADAL" clId="{4CA3776E-06AD-4A9A-A1C9-CC1C3037BAA5}" dt="2022-08-13T01:15:11.494" v="617" actId="255"/>
-          <ac:spMkLst>
-            <pc:docMk/>
-            <pc:sldMk cId="0" sldId="263"/>
-            <ac:spMk id="246" creationId="{00000000-0000-0000-0000-000000000000}"/>
-          </ac:spMkLst>
-        </pc:spChg>
-        <pc:spChg chg="mod">
-          <ac:chgData name="Moraes,Marcia" userId="c9c67e8a-58e2-4733-9a1c-5d44fec4775b" providerId="ADAL" clId="{4CA3776E-06AD-4A9A-A1C9-CC1C3037BAA5}" dt="2022-08-13T01:15:27.111" v="620" actId="255"/>
-          <ac:spMkLst>
-            <pc:docMk/>
-            <pc:sldMk cId="0" sldId="263"/>
-            <ac:spMk id="247" creationId="{00000000-0000-0000-0000-000000000000}"/>
-          </ac:spMkLst>
-        </pc:spChg>
-        <pc:spChg chg="mod">
-          <ac:chgData name="Moraes,Marcia" userId="c9c67e8a-58e2-4733-9a1c-5d44fec4775b" providerId="ADAL" clId="{4CA3776E-06AD-4A9A-A1C9-CC1C3037BAA5}" dt="2022-08-13T01:16:16.001" v="628" actId="255"/>
-          <ac:spMkLst>
-            <pc:docMk/>
-            <pc:sldMk cId="0" sldId="263"/>
-            <ac:spMk id="248" creationId="{00000000-0000-0000-0000-000000000000}"/>
-          </ac:spMkLst>
-        </pc:spChg>
-        <pc:spChg chg="mod">
-          <ac:chgData name="Moraes,Marcia" userId="c9c67e8a-58e2-4733-9a1c-5d44fec4775b" providerId="ADAL" clId="{4CA3776E-06AD-4A9A-A1C9-CC1C3037BAA5}" dt="2022-08-13T01:15:37.453" v="621" actId="255"/>
-          <ac:spMkLst>
-            <pc:docMk/>
-            <pc:sldMk cId="0" sldId="263"/>
-            <ac:spMk id="250" creationId="{00000000-0000-0000-0000-000000000000}"/>
-          </ac:spMkLst>
-        </pc:spChg>
-        <pc:spChg chg="mod">
-          <ac:chgData name="Moraes,Marcia" userId="c9c67e8a-58e2-4733-9a1c-5d44fec4775b" providerId="ADAL" clId="{4CA3776E-06AD-4A9A-A1C9-CC1C3037BAA5}" dt="2022-08-13T01:16:12.904" v="627" actId="255"/>
-          <ac:spMkLst>
-            <pc:docMk/>
-            <pc:sldMk cId="0" sldId="263"/>
-            <ac:spMk id="251" creationId="{00000000-0000-0000-0000-000000000000}"/>
-          </ac:spMkLst>
-        </pc:spChg>
-        <pc:spChg chg="mod">
-          <ac:chgData name="Moraes,Marcia" userId="c9c67e8a-58e2-4733-9a1c-5d44fec4775b" providerId="ADAL" clId="{4CA3776E-06AD-4A9A-A1C9-CC1C3037BAA5}" dt="2022-08-13T01:15:42.372" v="622" actId="255"/>
-          <ac:spMkLst>
-            <pc:docMk/>
-            <pc:sldMk cId="0" sldId="263"/>
-            <ac:spMk id="253" creationId="{00000000-0000-0000-0000-000000000000}"/>
-          </ac:spMkLst>
-        </pc:spChg>
-        <pc:picChg chg="add del">
-          <ac:chgData name="Moraes,Marcia" userId="c9c67e8a-58e2-4733-9a1c-5d44fec4775b" providerId="ADAL" clId="{4CA3776E-06AD-4A9A-A1C9-CC1C3037BAA5}" dt="2022-08-13T01:17:37.333" v="630" actId="478"/>
-          <ac:picMkLst>
-            <pc:docMk/>
-            <pc:sldMk cId="0" sldId="263"/>
-            <ac:picMk id="254" creationId="{00000000-0000-0000-0000-000000000000}"/>
-          </ac:picMkLst>
-        </pc:picChg>
       </pc:sldChg>
-      <pc:sldChg chg="del">
-        <pc:chgData name="Moraes,Marcia" userId="c9c67e8a-58e2-4733-9a1c-5d44fec4775b" providerId="ADAL" clId="{4CA3776E-06AD-4A9A-A1C9-CC1C3037BAA5}" dt="2022-08-13T00:21:19.547" v="128" actId="47"/>
-        <pc:sldMkLst>
-          <pc:docMk/>
-          <pc:sldMk cId="783670119" sldId="264"/>
-        </pc:sldMkLst>
-      </pc:sldChg>
-      <pc:sldChg chg="addSp delSp modSp mod">
-        <pc:chgData name="Moraes,Marcia" userId="c9c67e8a-58e2-4733-9a1c-5d44fec4775b" providerId="ADAL" clId="{4CA3776E-06AD-4A9A-A1C9-CC1C3037BAA5}" dt="2022-08-13T00:08:38.961" v="89" actId="478"/>
+      <pc:sldChg chg="modSp">
+        <pc:chgData name="Marcia Moraes" userId="c9c67e8a-58e2-4733-9a1c-5d44fec4775b" providerId="ADAL" clId="{422DB548-A3AC-45DE-BA8F-503D91CD8030}" dt="2024-06-26T00:12:48.327" v="6685" actId="20577"/>
         <pc:sldMkLst>
           <pc:docMk/>
           <pc:sldMk cId="2954226462" sldId="268"/>
         </pc:sldMkLst>
-        <pc:spChg chg="add del">
-          <ac:chgData name="Moraes,Marcia" userId="c9c67e8a-58e2-4733-9a1c-5d44fec4775b" providerId="ADAL" clId="{4CA3776E-06AD-4A9A-A1C9-CC1C3037BAA5}" dt="2022-08-13T00:08:26.888" v="86" actId="22"/>
-          <ac:spMkLst>
-            <pc:docMk/>
-            <pc:sldMk cId="2954226462" sldId="268"/>
-            <ac:spMk id="4" creationId="{06630FF5-899F-96AE-F627-FCDE09D0F169}"/>
-          </ac:spMkLst>
-        </pc:spChg>
         <pc:spChg chg="mod">
-          <ac:chgData name="Moraes,Marcia" userId="c9c67e8a-58e2-4733-9a1c-5d44fec4775b" providerId="ADAL" clId="{4CA3776E-06AD-4A9A-A1C9-CC1C3037BAA5}" dt="2022-08-12T23:50:08.235" v="81" actId="5793"/>
+          <ac:chgData name="Marcia Moraes" userId="c9c67e8a-58e2-4733-9a1c-5d44fec4775b" providerId="ADAL" clId="{422DB548-A3AC-45DE-BA8F-503D91CD8030}" dt="2024-06-26T00:12:48.327" v="6685" actId="20577"/>
           <ac:spMkLst>
             <pc:docMk/>
             <pc:sldMk cId="2954226462" sldId="268"/>
             <ac:spMk id="7" creationId="{F1F79DD2-1F3F-234C-A44A-3A87D436D29A}"/>
           </ac:spMkLst>
         </pc:spChg>
-        <pc:spChg chg="add del mod">
-          <ac:chgData name="Moraes,Marcia" userId="c9c67e8a-58e2-4733-9a1c-5d44fec4775b" providerId="ADAL" clId="{4CA3776E-06AD-4A9A-A1C9-CC1C3037BAA5}" dt="2022-08-13T00:08:38.961" v="89" actId="478"/>
-          <ac:spMkLst>
-            <pc:docMk/>
-            <pc:sldMk cId="2954226462" sldId="268"/>
-            <ac:spMk id="8" creationId="{5C3AC1AD-7030-6724-615F-0C0C5CFEDCCA}"/>
-          </ac:spMkLst>
-        </pc:spChg>
-        <pc:picChg chg="add mod">
-          <ac:chgData name="Moraes,Marcia" userId="c9c67e8a-58e2-4733-9a1c-5d44fec4775b" providerId="ADAL" clId="{4CA3776E-06AD-4A9A-A1C9-CC1C3037BAA5}" dt="2022-08-13T00:07:50.116" v="84" actId="1076"/>
-          <ac:picMkLst>
-            <pc:docMk/>
-            <pc:sldMk cId="2954226462" sldId="268"/>
-            <ac:picMk id="2" creationId="{C1535D4E-EA48-4096-0426-1215838DA251}"/>
-          </ac:picMkLst>
-        </pc:picChg>
-        <pc:picChg chg="del">
-          <ac:chgData name="Moraes,Marcia" userId="c9c67e8a-58e2-4733-9a1c-5d44fec4775b" providerId="ADAL" clId="{4CA3776E-06AD-4A9A-A1C9-CC1C3037BAA5}" dt="2022-08-13T00:07:44.818" v="82" actId="478"/>
-          <ac:picMkLst>
-            <pc:docMk/>
-            <pc:sldMk cId="2954226462" sldId="268"/>
-            <ac:picMk id="1026" creationId="{438DB6CA-8E97-871F-192E-2A6E388A4690}"/>
-          </ac:picMkLst>
-        </pc:picChg>
       </pc:sldChg>
-      <pc:sldChg chg="del">
-        <pc:chgData name="Moraes,Marcia" userId="c9c67e8a-58e2-4733-9a1c-5d44fec4775b" providerId="ADAL" clId="{4CA3776E-06AD-4A9A-A1C9-CC1C3037BAA5}" dt="2022-08-13T00:21:20.441" v="129" actId="47"/>
-        <pc:sldMkLst>
-          <pc:docMk/>
-          <pc:sldMk cId="109925682" sldId="277"/>
-        </pc:sldMkLst>
-      </pc:sldChg>
-      <pc:sldChg chg="modSp add mod">
-        <pc:chgData name="Moraes,Marcia" userId="c9c67e8a-58e2-4733-9a1c-5d44fec4775b" providerId="ADAL" clId="{4CA3776E-06AD-4A9A-A1C9-CC1C3037BAA5}" dt="2022-08-13T01:28:31.886" v="682" actId="14100"/>
+      <pc:sldChg chg="modSp modNotesTx">
+        <pc:chgData name="Marcia Moraes" userId="c9c67e8a-58e2-4733-9a1c-5d44fec4775b" providerId="ADAL" clId="{422DB548-A3AC-45DE-BA8F-503D91CD8030}" dt="2024-06-25T23:03:14.223" v="3538" actId="20577"/>
         <pc:sldMkLst>
           <pc:docMk/>
           <pc:sldMk cId="3797561380" sldId="277"/>
         </pc:sldMkLst>
         <pc:spChg chg="mod">
-          <ac:chgData name="Moraes,Marcia" userId="c9c67e8a-58e2-4733-9a1c-5d44fec4775b" providerId="ADAL" clId="{4CA3776E-06AD-4A9A-A1C9-CC1C3037BAA5}" dt="2022-08-13T00:23:17.408" v="133" actId="255"/>
+          <ac:chgData name="Marcia Moraes" userId="c9c67e8a-58e2-4733-9a1c-5d44fec4775b" providerId="ADAL" clId="{422DB548-A3AC-45DE-BA8F-503D91CD8030}" dt="2024-06-25T23:00:54.485" v="3217" actId="20577"/>
           <ac:spMkLst>
             <pc:docMk/>
             <pc:sldMk cId="3797561380" sldId="277"/>
-            <ac:spMk id="3" creationId="{E9359C9E-81BD-C144-8D15-63C7EB0113B3}"/>
+            <ac:spMk id="2" creationId="{84C0EF4A-2C3E-194F-B62B-FF48FC1462D9}"/>
           </ac:spMkLst>
         </pc:spChg>
         <pc:spChg chg="mod">
-          <ac:chgData name="Moraes,Marcia" userId="c9c67e8a-58e2-4733-9a1c-5d44fec4775b" providerId="ADAL" clId="{4CA3776E-06AD-4A9A-A1C9-CC1C3037BAA5}" dt="2022-08-13T01:28:31.886" v="682" actId="14100"/>
+          <ac:chgData name="Marcia Moraes" userId="c9c67e8a-58e2-4733-9a1c-5d44fec4775b" providerId="ADAL" clId="{422DB548-A3AC-45DE-BA8F-503D91CD8030}" dt="2024-06-25T23:01:48.899" v="3323" actId="20577"/>
           <ac:spMkLst>
             <pc:docMk/>
             <pc:sldMk cId="3797561380" sldId="277"/>
@@ -605,387 +355,96 @@
           </ac:spMkLst>
         </pc:spChg>
       </pc:sldChg>
-      <pc:sldChg chg="modSp add mod">
-        <pc:chgData name="Moraes,Marcia" userId="c9c67e8a-58e2-4733-9a1c-5d44fec4775b" providerId="ADAL" clId="{4CA3776E-06AD-4A9A-A1C9-CC1C3037BAA5}" dt="2022-08-13T01:27:02.055" v="681" actId="1076"/>
+      <pc:sldChg chg="modSp modNotesTx">
+        <pc:chgData name="Marcia Moraes" userId="c9c67e8a-58e2-4733-9a1c-5d44fec4775b" providerId="ADAL" clId="{422DB548-A3AC-45DE-BA8F-503D91CD8030}" dt="2024-06-26T00:05:03.368" v="6678" actId="313"/>
         <pc:sldMkLst>
           <pc:docMk/>
           <pc:sldMk cId="1912763063" sldId="278"/>
         </pc:sldMkLst>
         <pc:spChg chg="mod">
-          <ac:chgData name="Moraes,Marcia" userId="c9c67e8a-58e2-4733-9a1c-5d44fec4775b" providerId="ADAL" clId="{4CA3776E-06AD-4A9A-A1C9-CC1C3037BAA5}" dt="2022-08-13T01:27:02.055" v="681" actId="1076"/>
+          <ac:chgData name="Marcia Moraes" userId="c9c67e8a-58e2-4733-9a1c-5d44fec4775b" providerId="ADAL" clId="{422DB548-A3AC-45DE-BA8F-503D91CD8030}" dt="2024-06-25T23:56:00.360" v="6074" actId="20577"/>
           <ac:spMkLst>
             <pc:docMk/>
             <pc:sldMk cId="1912763063" sldId="278"/>
-            <ac:spMk id="5" creationId="{B8E27C30-8DFC-D246-AB2C-48410D2B6BC1}"/>
+            <ac:spMk id="2" creationId="{AD2374C8-5F3E-6C48-8DBD-B75C5876969D}"/>
           </ac:spMkLst>
         </pc:spChg>
       </pc:sldChg>
-      <pc:sldChg chg="addSp modSp mod">
-        <pc:chgData name="Moraes,Marcia" userId="c9c67e8a-58e2-4733-9a1c-5d44fec4775b" providerId="ADAL" clId="{4CA3776E-06AD-4A9A-A1C9-CC1C3037BAA5}" dt="2022-08-13T00:51:26.555" v="472" actId="255"/>
+      <pc:sldChg chg="modNotesTx">
+        <pc:chgData name="Marcia Moraes" userId="c9c67e8a-58e2-4733-9a1c-5d44fec4775b" providerId="ADAL" clId="{422DB548-A3AC-45DE-BA8F-503D91CD8030}" dt="2024-06-25T22:38:11.629" v="440" actId="20577"/>
         <pc:sldMkLst>
           <pc:docMk/>
           <pc:sldMk cId="0" sldId="286"/>
         </pc:sldMkLst>
-        <pc:spChg chg="add mod">
-          <ac:chgData name="Moraes,Marcia" userId="c9c67e8a-58e2-4733-9a1c-5d44fec4775b" providerId="ADAL" clId="{4CA3776E-06AD-4A9A-A1C9-CC1C3037BAA5}" dt="2022-08-13T00:51:26.555" v="472" actId="255"/>
-          <ac:spMkLst>
-            <pc:docMk/>
-            <pc:sldMk cId="0" sldId="286"/>
-            <ac:spMk id="3" creationId="{2CCE0028-C232-D079-44BA-37C465B31CC1}"/>
-          </ac:spMkLst>
-        </pc:spChg>
-        <pc:spChg chg="mod">
-          <ac:chgData name="Moraes,Marcia" userId="c9c67e8a-58e2-4733-9a1c-5d44fec4775b" providerId="ADAL" clId="{4CA3776E-06AD-4A9A-A1C9-CC1C3037BAA5}" dt="2022-08-13T00:50:59.765" v="471" actId="1076"/>
-          <ac:spMkLst>
-            <pc:docMk/>
-            <pc:sldMk cId="0" sldId="286"/>
-            <ac:spMk id="6" creationId="{BBA84413-A189-4E45-8BC1-0BAF8D04460A}"/>
-          </ac:spMkLst>
-        </pc:spChg>
-        <pc:spChg chg="mod">
-          <ac:chgData name="Moraes,Marcia" userId="c9c67e8a-58e2-4733-9a1c-5d44fec4775b" providerId="ADAL" clId="{4CA3776E-06AD-4A9A-A1C9-CC1C3037BAA5}" dt="2022-08-13T00:50:47.371" v="423" actId="1076"/>
-          <ac:spMkLst>
-            <pc:docMk/>
-            <pc:sldMk cId="0" sldId="286"/>
-            <ac:spMk id="192" creationId="{00000000-0000-0000-0000-000000000000}"/>
-          </ac:spMkLst>
-        </pc:spChg>
       </pc:sldChg>
-      <pc:sldChg chg="del">
-        <pc:chgData name="Moraes,Marcia" userId="c9c67e8a-58e2-4733-9a1c-5d44fec4775b" providerId="ADAL" clId="{4CA3776E-06AD-4A9A-A1C9-CC1C3037BAA5}" dt="2022-08-13T00:21:15.065" v="124" actId="47"/>
-        <pc:sldMkLst>
-          <pc:docMk/>
-          <pc:sldMk cId="1153038980" sldId="288"/>
-        </pc:sldMkLst>
-      </pc:sldChg>
-      <pc:sldChg chg="del">
-        <pc:chgData name="Moraes,Marcia" userId="c9c67e8a-58e2-4733-9a1c-5d44fec4775b" providerId="ADAL" clId="{4CA3776E-06AD-4A9A-A1C9-CC1C3037BAA5}" dt="2022-08-13T00:21:13.479" v="123" actId="47"/>
-        <pc:sldMkLst>
-          <pc:docMk/>
-          <pc:sldMk cId="1516065815" sldId="300"/>
-        </pc:sldMkLst>
-      </pc:sldChg>
-      <pc:sldChg chg="del">
-        <pc:chgData name="Moraes,Marcia" userId="c9c67e8a-58e2-4733-9a1c-5d44fec4775b" providerId="ADAL" clId="{4CA3776E-06AD-4A9A-A1C9-CC1C3037BAA5}" dt="2022-08-13T00:21:17.961" v="127" actId="47"/>
-        <pc:sldMkLst>
-          <pc:docMk/>
-          <pc:sldMk cId="248355381" sldId="301"/>
-        </pc:sldMkLst>
-      </pc:sldChg>
-      <pc:sldChg chg="del">
-        <pc:chgData name="Moraes,Marcia" userId="c9c67e8a-58e2-4733-9a1c-5d44fec4775b" providerId="ADAL" clId="{4CA3776E-06AD-4A9A-A1C9-CC1C3037BAA5}" dt="2022-08-13T00:21:21.404" v="130" actId="47"/>
-        <pc:sldMkLst>
-          <pc:docMk/>
-          <pc:sldMk cId="1374678047" sldId="302"/>
-        </pc:sldMkLst>
-      </pc:sldChg>
-      <pc:sldChg chg="del">
-        <pc:chgData name="Moraes,Marcia" userId="c9c67e8a-58e2-4733-9a1c-5d44fec4775b" providerId="ADAL" clId="{4CA3776E-06AD-4A9A-A1C9-CC1C3037BAA5}" dt="2022-08-13T00:21:22.356" v="131" actId="47"/>
-        <pc:sldMkLst>
-          <pc:docMk/>
-          <pc:sldMk cId="2341990793" sldId="303"/>
-        </pc:sldMkLst>
-      </pc:sldChg>
-      <pc:sldChg chg="modSp add mod">
-        <pc:chgData name="Moraes,Marcia" userId="c9c67e8a-58e2-4733-9a1c-5d44fec4775b" providerId="ADAL" clId="{4CA3776E-06AD-4A9A-A1C9-CC1C3037BAA5}" dt="2022-08-13T00:16:56.705" v="102" actId="1076"/>
+      <pc:sldChg chg="modNotesTx">
+        <pc:chgData name="Marcia Moraes" userId="c9c67e8a-58e2-4733-9a1c-5d44fec4775b" providerId="ADAL" clId="{422DB548-A3AC-45DE-BA8F-503D91CD8030}" dt="2024-06-25T22:50:08.220" v="1736" actId="20577"/>
         <pc:sldMkLst>
           <pc:docMk/>
           <pc:sldMk cId="0" sldId="304"/>
         </pc:sldMkLst>
-        <pc:spChg chg="mod">
-          <ac:chgData name="Moraes,Marcia" userId="c9c67e8a-58e2-4733-9a1c-5d44fec4775b" providerId="ADAL" clId="{4CA3776E-06AD-4A9A-A1C9-CC1C3037BAA5}" dt="2022-08-13T00:16:56.705" v="102" actId="1076"/>
-          <ac:spMkLst>
-            <pc:docMk/>
-            <pc:sldMk cId="0" sldId="304"/>
-            <ac:spMk id="221" creationId="{00000000-0000-0000-0000-000000000000}"/>
-          </ac:spMkLst>
-        </pc:spChg>
-        <pc:spChg chg="mod">
-          <ac:chgData name="Moraes,Marcia" userId="c9c67e8a-58e2-4733-9a1c-5d44fec4775b" providerId="ADAL" clId="{4CA3776E-06AD-4A9A-A1C9-CC1C3037BAA5}" dt="2022-08-13T00:16:52.191" v="101" actId="1076"/>
-          <ac:spMkLst>
-            <pc:docMk/>
-            <pc:sldMk cId="0" sldId="304"/>
-            <ac:spMk id="222" creationId="{00000000-0000-0000-0000-000000000000}"/>
-          </ac:spMkLst>
-        </pc:spChg>
       </pc:sldChg>
-      <pc:sldChg chg="addSp modSp add mod modAnim">
-        <pc:chgData name="Moraes,Marcia" userId="c9c67e8a-58e2-4733-9a1c-5d44fec4775b" providerId="ADAL" clId="{4CA3776E-06AD-4A9A-A1C9-CC1C3037BAA5}" dt="2022-08-13T01:08:37.365" v="516" actId="108"/>
+      <pc:sldChg chg="modSp modNotesTx">
+        <pc:chgData name="Marcia Moraes" userId="c9c67e8a-58e2-4733-9a1c-5d44fec4775b" providerId="ADAL" clId="{422DB548-A3AC-45DE-BA8F-503D91CD8030}" dt="2024-06-25T23:11:26.962" v="4457" actId="20577"/>
         <pc:sldMkLst>
           <pc:docMk/>
           <pc:sldMk cId="1686460947" sldId="305"/>
         </pc:sldMkLst>
         <pc:spChg chg="mod">
-          <ac:chgData name="Moraes,Marcia" userId="c9c67e8a-58e2-4733-9a1c-5d44fec4775b" providerId="ADAL" clId="{4CA3776E-06AD-4A9A-A1C9-CC1C3037BAA5}" dt="2022-08-13T00:38:13.446" v="171" actId="1076"/>
+          <ac:chgData name="Marcia Moraes" userId="c9c67e8a-58e2-4733-9a1c-5d44fec4775b" providerId="ADAL" clId="{422DB548-A3AC-45DE-BA8F-503D91CD8030}" dt="2024-06-25T23:11:26.962" v="4457" actId="20577"/>
           <ac:spMkLst>
             <pc:docMk/>
             <pc:sldMk cId="1686460947" sldId="305"/>
             <ac:spMk id="2" creationId="{84C0EF4A-2C3E-194F-B62B-FF48FC1462D9}"/>
           </ac:spMkLst>
         </pc:spChg>
-        <pc:spChg chg="mod">
-          <ac:chgData name="Moraes,Marcia" userId="c9c67e8a-58e2-4733-9a1c-5d44fec4775b" providerId="ADAL" clId="{4CA3776E-06AD-4A9A-A1C9-CC1C3037BAA5}" dt="2022-08-13T01:07:15.369" v="493" actId="1076"/>
-          <ac:spMkLst>
-            <pc:docMk/>
-            <pc:sldMk cId="1686460947" sldId="305"/>
-            <ac:spMk id="3" creationId="{E9359C9E-81BD-C144-8D15-63C7EB0113B3}"/>
-          </ac:spMkLst>
-        </pc:spChg>
-        <pc:spChg chg="add mod">
-          <ac:chgData name="Moraes,Marcia" userId="c9c67e8a-58e2-4733-9a1c-5d44fec4775b" providerId="ADAL" clId="{4CA3776E-06AD-4A9A-A1C9-CC1C3037BAA5}" dt="2022-08-13T00:52:39.618" v="473" actId="255"/>
-          <ac:spMkLst>
-            <pc:docMk/>
-            <pc:sldMk cId="1686460947" sldId="305"/>
-            <ac:spMk id="4" creationId="{E69C9ED6-B345-8EBC-966C-B3F6EC5AF1D6}"/>
-          </ac:spMkLst>
-        </pc:spChg>
-        <pc:spChg chg="mod">
-          <ac:chgData name="Moraes,Marcia" userId="c9c67e8a-58e2-4733-9a1c-5d44fec4775b" providerId="ADAL" clId="{4CA3776E-06AD-4A9A-A1C9-CC1C3037BAA5}" dt="2022-08-13T01:08:37.365" v="516" actId="108"/>
-          <ac:spMkLst>
-            <pc:docMk/>
-            <pc:sldMk cId="1686460947" sldId="305"/>
-            <ac:spMk id="5" creationId="{35412793-F400-5C42-AC21-77E51CD11ED8}"/>
-          </ac:spMkLst>
-        </pc:spChg>
       </pc:sldChg>
-      <pc:sldChg chg="delSp modSp add mod">
-        <pc:chgData name="Moraes,Marcia" userId="c9c67e8a-58e2-4733-9a1c-5d44fec4775b" providerId="ADAL" clId="{4CA3776E-06AD-4A9A-A1C9-CC1C3037BAA5}" dt="2022-08-13T01:10:16.505" v="536" actId="108"/>
+      <pc:sldChg chg="modSp modNotesTx">
+        <pc:chgData name="Marcia Moraes" userId="c9c67e8a-58e2-4733-9a1c-5d44fec4775b" providerId="ADAL" clId="{422DB548-A3AC-45DE-BA8F-503D91CD8030}" dt="2024-06-25T23:50:45.005" v="5568" actId="20577"/>
         <pc:sldMkLst>
           <pc:docMk/>
           <pc:sldMk cId="2302542266" sldId="306"/>
         </pc:sldMkLst>
-        <pc:spChg chg="del mod">
-          <ac:chgData name="Moraes,Marcia" userId="c9c67e8a-58e2-4733-9a1c-5d44fec4775b" providerId="ADAL" clId="{4CA3776E-06AD-4A9A-A1C9-CC1C3037BAA5}" dt="2022-08-13T01:08:48.224" v="517" actId="478"/>
+        <pc:spChg chg="mod">
+          <ac:chgData name="Marcia Moraes" userId="c9c67e8a-58e2-4733-9a1c-5d44fec4775b" providerId="ADAL" clId="{422DB548-A3AC-45DE-BA8F-503D91CD8030}" dt="2024-06-25T23:11:32.564" v="4467" actId="20577"/>
           <ac:spMkLst>
             <pc:docMk/>
             <pc:sldMk cId="2302542266" sldId="306"/>
-            <ac:spMk id="3" creationId="{E9359C9E-81BD-C144-8D15-63C7EB0113B3}"/>
+            <ac:spMk id="2" creationId="{84C0EF4A-2C3E-194F-B62B-FF48FC1462D9}"/>
+          </ac:spMkLst>
+        </pc:spChg>
+      </pc:sldChg>
+      <pc:sldChg chg="modSp add modNotesTx">
+        <pc:chgData name="Marcia Moraes" userId="c9c67e8a-58e2-4733-9a1c-5d44fec4775b" providerId="ADAL" clId="{422DB548-A3AC-45DE-BA8F-503D91CD8030}" dt="2024-06-25T22:47:27.729" v="1259" actId="20577"/>
+        <pc:sldMkLst>
+          <pc:docMk/>
+          <pc:sldMk cId="44574330" sldId="307"/>
+        </pc:sldMkLst>
+        <pc:spChg chg="mod">
+          <ac:chgData name="Marcia Moraes" userId="c9c67e8a-58e2-4733-9a1c-5d44fec4775b" providerId="ADAL" clId="{422DB548-A3AC-45DE-BA8F-503D91CD8030}" dt="2024-06-25T22:43:47.168" v="610" actId="1076"/>
+          <ac:spMkLst>
+            <pc:docMk/>
+            <pc:sldMk cId="44574330" sldId="307"/>
+            <ac:spMk id="3" creationId="{2CCE0028-C232-D079-44BA-37C465B31CC1}"/>
           </ac:spMkLst>
         </pc:spChg>
         <pc:spChg chg="mod">
-          <ac:chgData name="Moraes,Marcia" userId="c9c67e8a-58e2-4733-9a1c-5d44fec4775b" providerId="ADAL" clId="{4CA3776E-06AD-4A9A-A1C9-CC1C3037BAA5}" dt="2022-08-13T00:57:58.124" v="480" actId="20577"/>
+          <ac:chgData name="Marcia Moraes" userId="c9c67e8a-58e2-4733-9a1c-5d44fec4775b" providerId="ADAL" clId="{422DB548-A3AC-45DE-BA8F-503D91CD8030}" dt="2024-06-25T22:43:43.157" v="609" actId="14100"/>
           <ac:spMkLst>
             <pc:docMk/>
-            <pc:sldMk cId="2302542266" sldId="306"/>
-            <ac:spMk id="4" creationId="{E69C9ED6-B345-8EBC-966C-B3F6EC5AF1D6}"/>
+            <pc:sldMk cId="44574330" sldId="307"/>
+            <ac:spMk id="6" creationId="{BBA84413-A189-4E45-8BC1-0BAF8D04460A}"/>
           </ac:spMkLst>
         </pc:spChg>
         <pc:spChg chg="mod">
-          <ac:chgData name="Moraes,Marcia" userId="c9c67e8a-58e2-4733-9a1c-5d44fec4775b" providerId="ADAL" clId="{4CA3776E-06AD-4A9A-A1C9-CC1C3037BAA5}" dt="2022-08-13T01:10:16.505" v="536" actId="108"/>
+          <ac:chgData name="Marcia Moraes" userId="c9c67e8a-58e2-4733-9a1c-5d44fec4775b" providerId="ADAL" clId="{422DB548-A3AC-45DE-BA8F-503D91CD8030}" dt="2024-06-25T22:41:18.811" v="452" actId="20577"/>
           <ac:spMkLst>
             <pc:docMk/>
-            <pc:sldMk cId="2302542266" sldId="306"/>
-            <ac:spMk id="5" creationId="{35412793-F400-5C42-AC21-77E51CD11ED8}"/>
+            <pc:sldMk cId="44574330" sldId="307"/>
+            <ac:spMk id="192" creationId="{00000000-0000-0000-0000-000000000000}"/>
           </ac:spMkLst>
         </pc:spChg>
       </pc:sldChg>
-      <pc:sldMasterChg chg="del delSldLayout">
-        <pc:chgData name="Moraes,Marcia" userId="c9c67e8a-58e2-4733-9a1c-5d44fec4775b" providerId="ADAL" clId="{4CA3776E-06AD-4A9A-A1C9-CC1C3037BAA5}" dt="2022-08-13T00:21:22.356" v="131" actId="47"/>
-        <pc:sldMasterMkLst>
-          <pc:docMk/>
-          <pc:sldMasterMk cId="425421381" sldId="2147483686"/>
-        </pc:sldMasterMkLst>
-        <pc:sldLayoutChg chg="del">
-          <pc:chgData name="Moraes,Marcia" userId="c9c67e8a-58e2-4733-9a1c-5d44fec4775b" providerId="ADAL" clId="{4CA3776E-06AD-4A9A-A1C9-CC1C3037BAA5}" dt="2022-08-13T00:21:22.356" v="131" actId="47"/>
-          <pc:sldLayoutMkLst>
-            <pc:docMk/>
-            <pc:sldMasterMk cId="425421381" sldId="2147483686"/>
-            <pc:sldLayoutMk cId="2164837747" sldId="2147483687"/>
-          </pc:sldLayoutMkLst>
-        </pc:sldLayoutChg>
-        <pc:sldLayoutChg chg="del">
-          <pc:chgData name="Moraes,Marcia" userId="c9c67e8a-58e2-4733-9a1c-5d44fec4775b" providerId="ADAL" clId="{4CA3776E-06AD-4A9A-A1C9-CC1C3037BAA5}" dt="2022-08-13T00:21:22.356" v="131" actId="47"/>
-          <pc:sldLayoutMkLst>
-            <pc:docMk/>
-            <pc:sldMasterMk cId="425421381" sldId="2147483686"/>
-            <pc:sldLayoutMk cId="334242996" sldId="2147483688"/>
-          </pc:sldLayoutMkLst>
-        </pc:sldLayoutChg>
-        <pc:sldLayoutChg chg="del">
-          <pc:chgData name="Moraes,Marcia" userId="c9c67e8a-58e2-4733-9a1c-5d44fec4775b" providerId="ADAL" clId="{4CA3776E-06AD-4A9A-A1C9-CC1C3037BAA5}" dt="2022-08-13T00:21:22.356" v="131" actId="47"/>
-          <pc:sldLayoutMkLst>
-            <pc:docMk/>
-            <pc:sldMasterMk cId="425421381" sldId="2147483686"/>
-            <pc:sldLayoutMk cId="4030745338" sldId="2147483689"/>
-          </pc:sldLayoutMkLst>
-        </pc:sldLayoutChg>
-        <pc:sldLayoutChg chg="del">
-          <pc:chgData name="Moraes,Marcia" userId="c9c67e8a-58e2-4733-9a1c-5d44fec4775b" providerId="ADAL" clId="{4CA3776E-06AD-4A9A-A1C9-CC1C3037BAA5}" dt="2022-08-13T00:21:22.356" v="131" actId="47"/>
-          <pc:sldLayoutMkLst>
-            <pc:docMk/>
-            <pc:sldMasterMk cId="425421381" sldId="2147483686"/>
-            <pc:sldLayoutMk cId="616868977" sldId="2147483690"/>
-          </pc:sldLayoutMkLst>
-        </pc:sldLayoutChg>
-        <pc:sldLayoutChg chg="del">
-          <pc:chgData name="Moraes,Marcia" userId="c9c67e8a-58e2-4733-9a1c-5d44fec4775b" providerId="ADAL" clId="{4CA3776E-06AD-4A9A-A1C9-CC1C3037BAA5}" dt="2022-08-13T00:21:22.356" v="131" actId="47"/>
-          <pc:sldLayoutMkLst>
-            <pc:docMk/>
-            <pc:sldMasterMk cId="425421381" sldId="2147483686"/>
-            <pc:sldLayoutMk cId="794096994" sldId="2147483691"/>
-          </pc:sldLayoutMkLst>
-        </pc:sldLayoutChg>
-        <pc:sldLayoutChg chg="del">
-          <pc:chgData name="Moraes,Marcia" userId="c9c67e8a-58e2-4733-9a1c-5d44fec4775b" providerId="ADAL" clId="{4CA3776E-06AD-4A9A-A1C9-CC1C3037BAA5}" dt="2022-08-13T00:21:22.356" v="131" actId="47"/>
-          <pc:sldLayoutMkLst>
-            <pc:docMk/>
-            <pc:sldMasterMk cId="425421381" sldId="2147483686"/>
-            <pc:sldLayoutMk cId="647450979" sldId="2147483692"/>
-          </pc:sldLayoutMkLst>
-        </pc:sldLayoutChg>
-        <pc:sldLayoutChg chg="del">
-          <pc:chgData name="Moraes,Marcia" userId="c9c67e8a-58e2-4733-9a1c-5d44fec4775b" providerId="ADAL" clId="{4CA3776E-06AD-4A9A-A1C9-CC1C3037BAA5}" dt="2022-08-13T00:21:22.356" v="131" actId="47"/>
-          <pc:sldLayoutMkLst>
-            <pc:docMk/>
-            <pc:sldMasterMk cId="425421381" sldId="2147483686"/>
-            <pc:sldLayoutMk cId="4240856932" sldId="2147483693"/>
-          </pc:sldLayoutMkLst>
-        </pc:sldLayoutChg>
-        <pc:sldLayoutChg chg="del">
-          <pc:chgData name="Moraes,Marcia" userId="c9c67e8a-58e2-4733-9a1c-5d44fec4775b" providerId="ADAL" clId="{4CA3776E-06AD-4A9A-A1C9-CC1C3037BAA5}" dt="2022-08-13T00:21:22.356" v="131" actId="47"/>
-          <pc:sldLayoutMkLst>
-            <pc:docMk/>
-            <pc:sldMasterMk cId="425421381" sldId="2147483686"/>
-            <pc:sldLayoutMk cId="1063876951" sldId="2147483694"/>
-          </pc:sldLayoutMkLst>
-        </pc:sldLayoutChg>
-        <pc:sldLayoutChg chg="del">
-          <pc:chgData name="Moraes,Marcia" userId="c9c67e8a-58e2-4733-9a1c-5d44fec4775b" providerId="ADAL" clId="{4CA3776E-06AD-4A9A-A1C9-CC1C3037BAA5}" dt="2022-08-13T00:21:22.356" v="131" actId="47"/>
-          <pc:sldLayoutMkLst>
-            <pc:docMk/>
-            <pc:sldMasterMk cId="425421381" sldId="2147483686"/>
-            <pc:sldLayoutMk cId="1966103696" sldId="2147483695"/>
-          </pc:sldLayoutMkLst>
-        </pc:sldLayoutChg>
-        <pc:sldLayoutChg chg="del">
-          <pc:chgData name="Moraes,Marcia" userId="c9c67e8a-58e2-4733-9a1c-5d44fec4775b" providerId="ADAL" clId="{4CA3776E-06AD-4A9A-A1C9-CC1C3037BAA5}" dt="2022-08-13T00:21:22.356" v="131" actId="47"/>
-          <pc:sldLayoutMkLst>
-            <pc:docMk/>
-            <pc:sldMasterMk cId="425421381" sldId="2147483686"/>
-            <pc:sldLayoutMk cId="499513076" sldId="2147483696"/>
-          </pc:sldLayoutMkLst>
-        </pc:sldLayoutChg>
-        <pc:sldLayoutChg chg="del">
-          <pc:chgData name="Moraes,Marcia" userId="c9c67e8a-58e2-4733-9a1c-5d44fec4775b" providerId="ADAL" clId="{4CA3776E-06AD-4A9A-A1C9-CC1C3037BAA5}" dt="2022-08-13T00:21:22.356" v="131" actId="47"/>
-          <pc:sldLayoutMkLst>
-            <pc:docMk/>
-            <pc:sldMasterMk cId="425421381" sldId="2147483686"/>
-            <pc:sldLayoutMk cId="1606347184" sldId="2147483697"/>
-          </pc:sldLayoutMkLst>
-        </pc:sldLayoutChg>
-        <pc:sldLayoutChg chg="del">
-          <pc:chgData name="Moraes,Marcia" userId="c9c67e8a-58e2-4733-9a1c-5d44fec4775b" providerId="ADAL" clId="{4CA3776E-06AD-4A9A-A1C9-CC1C3037BAA5}" dt="2022-08-13T00:21:22.356" v="131" actId="47"/>
-          <pc:sldLayoutMkLst>
-            <pc:docMk/>
-            <pc:sldMasterMk cId="425421381" sldId="2147483686"/>
-            <pc:sldLayoutMk cId="1438327883" sldId="2147483698"/>
-          </pc:sldLayoutMkLst>
-        </pc:sldLayoutChg>
-        <pc:sldLayoutChg chg="del">
-          <pc:chgData name="Moraes,Marcia" userId="c9c67e8a-58e2-4733-9a1c-5d44fec4775b" providerId="ADAL" clId="{4CA3776E-06AD-4A9A-A1C9-CC1C3037BAA5}" dt="2022-08-13T00:21:22.356" v="131" actId="47"/>
-          <pc:sldLayoutMkLst>
-            <pc:docMk/>
-            <pc:sldMasterMk cId="425421381" sldId="2147483686"/>
-            <pc:sldLayoutMk cId="992655165" sldId="2147483699"/>
-          </pc:sldLayoutMkLst>
-        </pc:sldLayoutChg>
-        <pc:sldLayoutChg chg="del">
-          <pc:chgData name="Moraes,Marcia" userId="c9c67e8a-58e2-4733-9a1c-5d44fec4775b" providerId="ADAL" clId="{4CA3776E-06AD-4A9A-A1C9-CC1C3037BAA5}" dt="2022-08-13T00:21:22.356" v="131" actId="47"/>
-          <pc:sldLayoutMkLst>
-            <pc:docMk/>
-            <pc:sldMasterMk cId="425421381" sldId="2147483686"/>
-            <pc:sldLayoutMk cId="992460104" sldId="2147483700"/>
-          </pc:sldLayoutMkLst>
-        </pc:sldLayoutChg>
-        <pc:sldLayoutChg chg="del">
-          <pc:chgData name="Moraes,Marcia" userId="c9c67e8a-58e2-4733-9a1c-5d44fec4775b" providerId="ADAL" clId="{4CA3776E-06AD-4A9A-A1C9-CC1C3037BAA5}" dt="2022-08-13T00:21:22.356" v="131" actId="47"/>
-          <pc:sldLayoutMkLst>
-            <pc:docMk/>
-            <pc:sldMasterMk cId="425421381" sldId="2147483686"/>
-            <pc:sldLayoutMk cId="1271054060" sldId="2147483701"/>
-          </pc:sldLayoutMkLst>
-        </pc:sldLayoutChg>
-        <pc:sldLayoutChg chg="del">
-          <pc:chgData name="Moraes,Marcia" userId="c9c67e8a-58e2-4733-9a1c-5d44fec4775b" providerId="ADAL" clId="{4CA3776E-06AD-4A9A-A1C9-CC1C3037BAA5}" dt="2022-08-13T00:21:22.356" v="131" actId="47"/>
-          <pc:sldLayoutMkLst>
-            <pc:docMk/>
-            <pc:sldMasterMk cId="425421381" sldId="2147483686"/>
-            <pc:sldLayoutMk cId="2182680665" sldId="2147483702"/>
-          </pc:sldLayoutMkLst>
-        </pc:sldLayoutChg>
-        <pc:sldLayoutChg chg="del">
-          <pc:chgData name="Moraes,Marcia" userId="c9c67e8a-58e2-4733-9a1c-5d44fec4775b" providerId="ADAL" clId="{4CA3776E-06AD-4A9A-A1C9-CC1C3037BAA5}" dt="2022-08-13T00:21:22.356" v="131" actId="47"/>
-          <pc:sldLayoutMkLst>
-            <pc:docMk/>
-            <pc:sldMasterMk cId="425421381" sldId="2147483686"/>
-            <pc:sldLayoutMk cId="2520247092" sldId="2147483703"/>
-          </pc:sldLayoutMkLst>
-        </pc:sldLayoutChg>
-        <pc:sldLayoutChg chg="del">
-          <pc:chgData name="Moraes,Marcia" userId="c9c67e8a-58e2-4733-9a1c-5d44fec4775b" providerId="ADAL" clId="{4CA3776E-06AD-4A9A-A1C9-CC1C3037BAA5}" dt="2022-08-13T00:21:22.356" v="131" actId="47"/>
-          <pc:sldLayoutMkLst>
-            <pc:docMk/>
-            <pc:sldMasterMk cId="425421381" sldId="2147483686"/>
-            <pc:sldLayoutMk cId="4051506619" sldId="2147483704"/>
-          </pc:sldLayoutMkLst>
-        </pc:sldLayoutChg>
-        <pc:sldLayoutChg chg="del">
-          <pc:chgData name="Moraes,Marcia" userId="c9c67e8a-58e2-4733-9a1c-5d44fec4775b" providerId="ADAL" clId="{4CA3776E-06AD-4A9A-A1C9-CC1C3037BAA5}" dt="2022-08-13T00:21:22.356" v="131" actId="47"/>
-          <pc:sldLayoutMkLst>
-            <pc:docMk/>
-            <pc:sldMasterMk cId="425421381" sldId="2147483686"/>
-            <pc:sldLayoutMk cId="2847829922" sldId="2147483705"/>
-          </pc:sldLayoutMkLst>
-        </pc:sldLayoutChg>
-        <pc:sldLayoutChg chg="del">
-          <pc:chgData name="Moraes,Marcia" userId="c9c67e8a-58e2-4733-9a1c-5d44fec4775b" providerId="ADAL" clId="{4CA3776E-06AD-4A9A-A1C9-CC1C3037BAA5}" dt="2022-08-13T00:21:22.356" v="131" actId="47"/>
-          <pc:sldLayoutMkLst>
-            <pc:docMk/>
-            <pc:sldMasterMk cId="425421381" sldId="2147483686"/>
-            <pc:sldLayoutMk cId="234514839" sldId="2147483706"/>
-          </pc:sldLayoutMkLst>
-        </pc:sldLayoutChg>
-        <pc:sldLayoutChg chg="del">
-          <pc:chgData name="Moraes,Marcia" userId="c9c67e8a-58e2-4733-9a1c-5d44fec4775b" providerId="ADAL" clId="{4CA3776E-06AD-4A9A-A1C9-CC1C3037BAA5}" dt="2022-08-13T00:21:22.356" v="131" actId="47"/>
-          <pc:sldLayoutMkLst>
-            <pc:docMk/>
-            <pc:sldMasterMk cId="425421381" sldId="2147483686"/>
-            <pc:sldLayoutMk cId="3117875191" sldId="2147483707"/>
-          </pc:sldLayoutMkLst>
-        </pc:sldLayoutChg>
-        <pc:sldLayoutChg chg="del">
-          <pc:chgData name="Moraes,Marcia" userId="c9c67e8a-58e2-4733-9a1c-5d44fec4775b" providerId="ADAL" clId="{4CA3776E-06AD-4A9A-A1C9-CC1C3037BAA5}" dt="2022-08-13T00:21:22.356" v="131" actId="47"/>
-          <pc:sldLayoutMkLst>
-            <pc:docMk/>
-            <pc:sldMasterMk cId="425421381" sldId="2147483686"/>
-            <pc:sldLayoutMk cId="1978098675" sldId="2147483708"/>
-          </pc:sldLayoutMkLst>
-        </pc:sldLayoutChg>
-        <pc:sldLayoutChg chg="del">
-          <pc:chgData name="Moraes,Marcia" userId="c9c67e8a-58e2-4733-9a1c-5d44fec4775b" providerId="ADAL" clId="{4CA3776E-06AD-4A9A-A1C9-CC1C3037BAA5}" dt="2022-08-13T00:21:22.356" v="131" actId="47"/>
-          <pc:sldLayoutMkLst>
-            <pc:docMk/>
-            <pc:sldMasterMk cId="425421381" sldId="2147483686"/>
-            <pc:sldLayoutMk cId="2064667745" sldId="2147483709"/>
-          </pc:sldLayoutMkLst>
-        </pc:sldLayoutChg>
-        <pc:sldLayoutChg chg="del">
-          <pc:chgData name="Moraes,Marcia" userId="c9c67e8a-58e2-4733-9a1c-5d44fec4775b" providerId="ADAL" clId="{4CA3776E-06AD-4A9A-A1C9-CC1C3037BAA5}" dt="2022-08-13T00:21:22.356" v="131" actId="47"/>
-          <pc:sldLayoutMkLst>
-            <pc:docMk/>
-            <pc:sldMasterMk cId="425421381" sldId="2147483686"/>
-            <pc:sldLayoutMk cId="135096028" sldId="2147483710"/>
-          </pc:sldLayoutMkLst>
-        </pc:sldLayoutChg>
-        <pc:sldLayoutChg chg="del">
-          <pc:chgData name="Moraes,Marcia" userId="c9c67e8a-58e2-4733-9a1c-5d44fec4775b" providerId="ADAL" clId="{4CA3776E-06AD-4A9A-A1C9-CC1C3037BAA5}" dt="2022-08-13T00:21:22.356" v="131" actId="47"/>
-          <pc:sldLayoutMkLst>
-            <pc:docMk/>
-            <pc:sldMasterMk cId="425421381" sldId="2147483686"/>
-            <pc:sldLayoutMk cId="662505537" sldId="2147483711"/>
-          </pc:sldLayoutMkLst>
-        </pc:sldLayoutChg>
-      </pc:sldMasterChg>
     </pc:docChg>
   </pc:docChgLst>
 </pc:chgInfo>
@@ -1536,6 +995,224 @@
 </p:notes>
 </file>
 
+<file path=ppt/notesSlides/notesSlide10.xml><?xml version="1.0" encoding="utf-8"?>
+<p:notes xmlns:a="http://schemas.openxmlformats.org/drawingml/2006/main" xmlns:r="http://schemas.openxmlformats.org/officeDocument/2006/relationships" xmlns:p="http://schemas.openxmlformats.org/presentationml/2006/main" showMasterSp="0" showMasterPhAnim="0">
+  <p:cSld>
+    <p:spTree>
+      <p:nvGrpSpPr>
+        <p:cNvPr id="1" name="Shape 241"/>
+        <p:cNvGrpSpPr/>
+        <p:nvPr/>
+      </p:nvGrpSpPr>
+      <p:grpSpPr>
+        <a:xfrm>
+          <a:off x="0" y="0"/>
+          <a:ext cx="0" cy="0"/>
+          <a:chOff x="0" y="0"/>
+          <a:chExt cx="0" cy="0"/>
+        </a:xfrm>
+      </p:grpSpPr>
+      <p:sp>
+        <p:nvSpPr>
+          <p:cNvPr id="242" name="Google Shape;242;g7d32104fe3_0_160:notes"/>
+          <p:cNvSpPr>
+            <a:spLocks noGrp="1" noRot="1" noChangeAspect="1"/>
+          </p:cNvSpPr>
+          <p:nvPr>
+            <p:ph type="sldImg" idx="2"/>
+          </p:nvPr>
+        </p:nvSpPr>
+        <p:spPr>
+          <a:xfrm>
+            <a:off x="381000" y="685800"/>
+            <a:ext cx="6096000" cy="3429000"/>
+          </a:xfrm>
+          <a:custGeom>
+            <a:avLst/>
+            <a:gdLst/>
+            <a:ahLst/>
+            <a:cxnLst/>
+            <a:rect l="l" t="t" r="r" b="b"/>
+            <a:pathLst>
+              <a:path w="120000" h="120000" extrusionOk="0">
+                <a:moveTo>
+                  <a:pt x="0" y="0"/>
+                </a:moveTo>
+                <a:lnTo>
+                  <a:pt x="120000" y="0"/>
+                </a:lnTo>
+                <a:lnTo>
+                  <a:pt x="120000" y="120000"/>
+                </a:lnTo>
+                <a:lnTo>
+                  <a:pt x="0" y="120000"/>
+                </a:lnTo>
+                <a:close/>
+              </a:path>
+            </a:pathLst>
+          </a:custGeom>
+        </p:spPr>
+      </p:sp>
+      <p:sp>
+        <p:nvSpPr>
+          <p:cNvPr id="243" name="Google Shape;243;g7d32104fe3_0_160:notes"/>
+          <p:cNvSpPr txBox="1">
+            <a:spLocks noGrp="1"/>
+          </p:cNvSpPr>
+          <p:nvPr>
+            <p:ph type="body" idx="1"/>
+          </p:nvPr>
+        </p:nvSpPr>
+        <p:spPr>
+          <a:xfrm>
+            <a:off x="685800" y="4343400"/>
+            <a:ext cx="5486400" cy="4114800"/>
+          </a:xfrm>
+          <a:prstGeom prst="rect">
+            <a:avLst/>
+          </a:prstGeom>
+        </p:spPr>
+        <p:txBody>
+          <a:bodyPr spcFirstLastPara="1" wrap="square" lIns="91425" tIns="91425" rIns="91425" bIns="91425" anchor="t" anchorCtr="0">
+            <a:noAutofit/>
+          </a:bodyPr>
+          <a:lstStyle/>
+          <a:p>
+            <a:pPr marL="0" lvl="0" indent="0" algn="l" rtl="0">
+              <a:spcBef>
+                <a:spcPts val="0"/>
+              </a:spcBef>
+              <a:spcAft>
+                <a:spcPts val="0"/>
+              </a:spcAft>
+              <a:buNone/>
+            </a:pPr>
+            <a:r>
+              <a:rPr lang="en-US" dirty="0"/>
+              <a:t>A good way is to draw a flow chart of your conditional statements, you need to have in mind that each condition can have a true and a false option. In this example our code would be something like this:</a:t>
+            </a:r>
+          </a:p>
+          <a:p>
+            <a:pPr marL="0" lvl="0" indent="0" algn="l" rtl="0">
+              <a:spcBef>
+                <a:spcPts val="0"/>
+              </a:spcBef>
+              <a:spcAft>
+                <a:spcPts val="0"/>
+              </a:spcAft>
+              <a:buNone/>
+            </a:pPr>
+            <a:r>
+              <a:rPr lang="en-US" dirty="0"/>
+              <a:t>If </a:t>
+            </a:r>
+            <a:r>
+              <a:rPr lang="en-US" dirty="0" err="1"/>
+              <a:t>pyppyCounter</a:t>
+            </a:r>
+            <a:r>
+              <a:rPr lang="en-US" dirty="0"/>
+              <a:t> greater than 100 print Scream – So many puppies, else print Sad panda, need more puppies.</a:t>
+            </a:r>
+            <a:endParaRPr dirty="0"/>
+          </a:p>
+        </p:txBody>
+      </p:sp>
+    </p:spTree>
+  </p:cSld>
+  <p:clrMapOvr>
+    <a:masterClrMapping/>
+  </p:clrMapOvr>
+</p:notes>
+</file>
+
+<file path=ppt/notesSlides/notesSlide11.xml><?xml version="1.0" encoding="utf-8"?>
+<p:notes xmlns:a="http://schemas.openxmlformats.org/drawingml/2006/main" xmlns:r="http://schemas.openxmlformats.org/officeDocument/2006/relationships" xmlns:p="http://schemas.openxmlformats.org/presentationml/2006/main">
+  <p:cSld>
+    <p:spTree>
+      <p:nvGrpSpPr>
+        <p:cNvPr id="1" name=""/>
+        <p:cNvGrpSpPr/>
+        <p:nvPr/>
+      </p:nvGrpSpPr>
+      <p:grpSpPr>
+        <a:xfrm>
+          <a:off x="0" y="0"/>
+          <a:ext cx="0" cy="0"/>
+          <a:chOff x="0" y="0"/>
+          <a:chExt cx="0" cy="0"/>
+        </a:xfrm>
+      </p:grpSpPr>
+      <p:sp>
+        <p:nvSpPr>
+          <p:cNvPr id="2" name="Slide Image Placeholder 1"/>
+          <p:cNvSpPr>
+            <a:spLocks noGrp="1" noRot="1" noChangeAspect="1"/>
+          </p:cNvSpPr>
+          <p:nvPr>
+            <p:ph type="sldImg"/>
+          </p:nvPr>
+        </p:nvSpPr>
+        <p:spPr>
+          <a:xfrm>
+            <a:off x="381000" y="685800"/>
+            <a:ext cx="6096000" cy="3429000"/>
+          </a:xfrm>
+        </p:spPr>
+      </p:sp>
+      <p:sp>
+        <p:nvSpPr>
+          <p:cNvPr id="3" name="Notes Placeholder 2"/>
+          <p:cNvSpPr>
+            <a:spLocks noGrp="1"/>
+          </p:cNvSpPr>
+          <p:nvPr>
+            <p:ph type="body" idx="1"/>
+          </p:nvPr>
+        </p:nvSpPr>
+        <p:spPr/>
+        <p:txBody>
+          <a:bodyPr/>
+          <a:lstStyle/>
+          <a:p>
+            <a:r>
+              <a:rPr lang="en-US" dirty="0"/>
+              <a:t>Use the divide-conquer-glue approach to think about this problem and how to solve it.</a:t>
+            </a:r>
+          </a:p>
+          <a:p>
+            <a:r>
+              <a:rPr lang="en-US" dirty="0"/>
+              <a:t>There are different ways to solve this problem. Since the last test says that you will print Not OK for everything else you put besides of USA or EURO that may be an indication that you should start testing the region before the age.</a:t>
+            </a:r>
+          </a:p>
+          <a:p>
+            <a:r>
+              <a:rPr lang="en-US" dirty="0"/>
+              <a:t>Use the Python Tutor editor to code and test your code.</a:t>
+            </a:r>
+          </a:p>
+          <a:p>
+            <a:pPr marL="158750" indent="0">
+              <a:buNone/>
+            </a:pPr>
+            <a:endParaRPr lang="en-US" dirty="0"/>
+          </a:p>
+        </p:txBody>
+      </p:sp>
+    </p:spTree>
+    <p:extLst>
+      <p:ext uri="{BB962C8B-B14F-4D97-AF65-F5344CB8AC3E}">
+        <p14:creationId xmlns:p14="http://schemas.microsoft.com/office/powerpoint/2010/main" val="1699052052"/>
+      </p:ext>
+    </p:extLst>
+  </p:cSld>
+  <p:clrMapOvr>
+    <a:masterClrMapping/>
+  </p:clrMapOvr>
+</p:notes>
+</file>
+
 <file path=ppt/notesSlides/notesSlide2.xml><?xml version="1.0" encoding="utf-8"?>
 <p:notes xmlns:a="http://schemas.openxmlformats.org/drawingml/2006/main" xmlns:r="http://schemas.openxmlformats.org/officeDocument/2006/relationships" xmlns:p="http://schemas.openxmlformats.org/presentationml/2006/main" showMasterSp="0" showMasterPhAnim="0">
   <p:cSld>
@@ -1628,6 +1305,10 @@
               </a:spcAft>
               <a:buNone/>
             </a:pPr>
+            <a:r>
+              <a:rPr lang="en-US" dirty="0"/>
+              <a:t>Lets start our lecture with a recall activity. Remember all functions start with the def reserved keyword and everything that is between parenthesis after the function name is the list of parameters that the function needs. Considering that, please pause the video to answer these questions.</a:t>
+            </a:r>
             <a:endParaRPr dirty="0"/>
           </a:p>
         </p:txBody>
@@ -1641,6 +1322,207 @@
 </file>
 
 <file path=ppt/notesSlides/notesSlide3.xml><?xml version="1.0" encoding="utf-8"?>
+<p:notes xmlns:a="http://schemas.openxmlformats.org/drawingml/2006/main" xmlns:r="http://schemas.openxmlformats.org/officeDocument/2006/relationships" xmlns:p="http://schemas.openxmlformats.org/presentationml/2006/main" showMasterSp="0" showMasterPhAnim="0">
+  <p:cSld>
+    <p:spTree>
+      <p:nvGrpSpPr>
+        <p:cNvPr id="1" name="Shape 188"/>
+        <p:cNvGrpSpPr/>
+        <p:nvPr/>
+      </p:nvGrpSpPr>
+      <p:grpSpPr>
+        <a:xfrm>
+          <a:off x="0" y="0"/>
+          <a:ext cx="0" cy="0"/>
+          <a:chOff x="0" y="0"/>
+          <a:chExt cx="0" cy="0"/>
+        </a:xfrm>
+      </p:grpSpPr>
+      <p:sp>
+        <p:nvSpPr>
+          <p:cNvPr id="189" name="Google Shape;189;g6dcb7c009e_0_297:notes"/>
+          <p:cNvSpPr>
+            <a:spLocks noGrp="1" noRot="1" noChangeAspect="1"/>
+          </p:cNvSpPr>
+          <p:nvPr>
+            <p:ph type="sldImg" idx="2"/>
+          </p:nvPr>
+        </p:nvSpPr>
+        <p:spPr>
+          <a:xfrm>
+            <a:off x="381000" y="685800"/>
+            <a:ext cx="6096000" cy="3429000"/>
+          </a:xfrm>
+          <a:custGeom>
+            <a:avLst/>
+            <a:gdLst/>
+            <a:ahLst/>
+            <a:cxnLst/>
+            <a:rect l="l" t="t" r="r" b="b"/>
+            <a:pathLst>
+              <a:path w="120000" h="120000" extrusionOk="0">
+                <a:moveTo>
+                  <a:pt x="0" y="0"/>
+                </a:moveTo>
+                <a:lnTo>
+                  <a:pt x="120000" y="0"/>
+                </a:lnTo>
+                <a:lnTo>
+                  <a:pt x="120000" y="120000"/>
+                </a:lnTo>
+                <a:lnTo>
+                  <a:pt x="0" y="120000"/>
+                </a:lnTo>
+                <a:close/>
+              </a:path>
+            </a:pathLst>
+          </a:custGeom>
+        </p:spPr>
+      </p:sp>
+      <p:sp>
+        <p:nvSpPr>
+          <p:cNvPr id="190" name="Google Shape;190;g6dcb7c009e_0_297:notes"/>
+          <p:cNvSpPr txBox="1">
+            <a:spLocks noGrp="1"/>
+          </p:cNvSpPr>
+          <p:nvPr>
+            <p:ph type="body" idx="1"/>
+          </p:nvPr>
+        </p:nvSpPr>
+        <p:spPr>
+          <a:xfrm>
+            <a:off x="685800" y="4343400"/>
+            <a:ext cx="5486400" cy="4114800"/>
+          </a:xfrm>
+          <a:prstGeom prst="rect">
+            <a:avLst/>
+          </a:prstGeom>
+        </p:spPr>
+        <p:txBody>
+          <a:bodyPr spcFirstLastPara="1" wrap="square" lIns="91425" tIns="91425" rIns="91425" bIns="91425" anchor="t" anchorCtr="0">
+            <a:noAutofit/>
+          </a:bodyPr>
+          <a:lstStyle/>
+          <a:p>
+            <a:pPr marL="0" lvl="0" indent="0" algn="l" rtl="0">
+              <a:spcBef>
+                <a:spcPts val="0"/>
+              </a:spcBef>
+              <a:spcAft>
+                <a:spcPts val="0"/>
+              </a:spcAft>
+              <a:buNone/>
+            </a:pPr>
+            <a:r>
+              <a:rPr lang="en-US" dirty="0"/>
+              <a:t>We have 2 functions in this program. </a:t>
+            </a:r>
+          </a:p>
+          <a:p>
+            <a:pPr marL="0" lvl="0" indent="0" algn="l" rtl="0">
+              <a:spcBef>
+                <a:spcPts val="0"/>
+              </a:spcBef>
+              <a:spcAft>
+                <a:spcPts val="0"/>
+              </a:spcAft>
+              <a:buNone/>
+            </a:pPr>
+            <a:r>
+              <a:rPr lang="en-US" dirty="0" err="1"/>
+              <a:t>Name_last_name</a:t>
+            </a:r>
+            <a:r>
+              <a:rPr lang="en-US" dirty="0"/>
+              <a:t> function has two parameters which are name and </a:t>
+            </a:r>
+            <a:r>
+              <a:rPr lang="en-US" dirty="0" err="1"/>
+              <a:t>last_name</a:t>
+            </a:r>
+            <a:r>
+              <a:rPr lang="en-US" dirty="0"/>
+              <a:t>.</a:t>
+            </a:r>
+          </a:p>
+          <a:p>
+            <a:pPr marL="0" lvl="0" indent="0" algn="l" rtl="0">
+              <a:spcBef>
+                <a:spcPts val="0"/>
+              </a:spcBef>
+              <a:spcAft>
+                <a:spcPts val="0"/>
+              </a:spcAft>
+              <a:buNone/>
+            </a:pPr>
+            <a:r>
+              <a:rPr lang="en-US" dirty="0" err="1"/>
+              <a:t>Greetingss</a:t>
+            </a:r>
+            <a:r>
+              <a:rPr lang="en-US" dirty="0"/>
+              <a:t> function has three parameters which are, msg, name, and </a:t>
+            </a:r>
+            <a:r>
+              <a:rPr lang="en-US" dirty="0" err="1"/>
+              <a:t>last_name</a:t>
+            </a:r>
+            <a:r>
+              <a:rPr lang="en-US" dirty="0"/>
+              <a:t>.</a:t>
+            </a:r>
+          </a:p>
+          <a:p>
+            <a:pPr marL="0" lvl="0" indent="0" algn="l" rtl="0">
+              <a:spcBef>
+                <a:spcPts val="0"/>
+              </a:spcBef>
+              <a:spcAft>
+                <a:spcPts val="0"/>
+              </a:spcAft>
+              <a:buNone/>
+            </a:pPr>
+            <a:r>
+              <a:rPr lang="en-US" dirty="0"/>
+              <a:t>Since greetings function does not have a return, we call the function just by its name and send the list of parameters in the correct order.</a:t>
+            </a:r>
+          </a:p>
+          <a:p>
+            <a:pPr marL="0" lvl="0" indent="0" algn="l" rtl="0">
+              <a:spcBef>
+                <a:spcPts val="0"/>
+              </a:spcBef>
+              <a:spcAft>
+                <a:spcPts val="0"/>
+              </a:spcAft>
+              <a:buNone/>
+            </a:pPr>
+            <a:r>
+              <a:rPr lang="en-US" dirty="0" err="1"/>
+              <a:t>Name_last_name</a:t>
+            </a:r>
+            <a:r>
+              <a:rPr lang="en-US" dirty="0"/>
+              <a:t> function do have a return, and its return is being concatenated in the string that is going to be printed out as the parameter for the print function.</a:t>
+            </a:r>
+            <a:endParaRPr dirty="0"/>
+          </a:p>
+        </p:txBody>
+      </p:sp>
+    </p:spTree>
+    <p:extLst>
+      <p:ext uri="{BB962C8B-B14F-4D97-AF65-F5344CB8AC3E}">
+        <p14:creationId xmlns:p14="http://schemas.microsoft.com/office/powerpoint/2010/main" val="1448747157"/>
+      </p:ext>
+    </p:extLst>
+  </p:cSld>
+  <p:clrMapOvr>
+    <a:masterClrMapping/>
+  </p:clrMapOvr>
+</p:notes>
+</file>
+
+<file path=ppt/notesSlides/notesSlide4.xml><?xml version="1.0" encoding="utf-8"?>
 <p:notes xmlns:a="http://schemas.openxmlformats.org/drawingml/2006/main" xmlns:r="http://schemas.openxmlformats.org/officeDocument/2006/relationships" xmlns:p="http://schemas.openxmlformats.org/presentationml/2006/main" showMasterSp="0" showMasterPhAnim="0">
   <p:cSld>
     <p:spTree>
@@ -1732,6 +1614,55 @@
               </a:spcAft>
               <a:buNone/>
             </a:pPr>
+            <a:r>
+              <a:rPr lang="en-US" dirty="0"/>
+              <a:t>Today we will learn about basic conditional statements.</a:t>
+            </a:r>
+          </a:p>
+          <a:p>
+            <a:pPr marL="0" lvl="0" indent="0" algn="l" rtl="0">
+              <a:spcBef>
+                <a:spcPts val="0"/>
+              </a:spcBef>
+              <a:spcAft>
+                <a:spcPts val="0"/>
+              </a:spcAft>
+              <a:buNone/>
+            </a:pPr>
+            <a:r>
+              <a:rPr lang="en-US" dirty="0"/>
+              <a:t>Conditional statements involved a condition that can be evaluated to true or false, also called a Boolean.</a:t>
+            </a:r>
+          </a:p>
+          <a:p>
+            <a:pPr marL="0" lvl="0" indent="0" algn="l" rtl="0">
+              <a:spcBef>
+                <a:spcPts val="0"/>
+              </a:spcBef>
+              <a:spcAft>
+                <a:spcPts val="0"/>
+              </a:spcAft>
+              <a:buNone/>
+            </a:pPr>
+            <a:r>
+              <a:rPr lang="en-US" dirty="0"/>
+              <a:t>This type of statement is essential in all programming languages and we used all the time when we are testing and comparing things.</a:t>
+            </a:r>
+          </a:p>
+          <a:p>
+            <a:pPr marL="0" lvl="0" indent="0" algn="l" rtl="0">
+              <a:spcBef>
+                <a:spcPts val="0"/>
+              </a:spcBef>
+              <a:spcAft>
+                <a:spcPts val="0"/>
+              </a:spcAft>
+              <a:buNone/>
+            </a:pPr>
+            <a:r>
+              <a:rPr lang="en-US" dirty="0"/>
+              <a:t>The common logic operators are equals, less than, great than, less than or equal, greater than or equal, and not equal.</a:t>
+            </a:r>
             <a:endParaRPr dirty="0"/>
           </a:p>
         </p:txBody>
@@ -1744,7 +1675,7 @@
 </p:notes>
 </file>
 
-<file path=ppt/notesSlides/notesSlide4.xml><?xml version="1.0" encoding="utf-8"?>
+<file path=ppt/notesSlides/notesSlide5.xml><?xml version="1.0" encoding="utf-8"?>
 <p:notes xmlns:a="http://schemas.openxmlformats.org/drawingml/2006/main" xmlns:r="http://schemas.openxmlformats.org/officeDocument/2006/relationships" xmlns:p="http://schemas.openxmlformats.org/presentationml/2006/main" showMasterSp="0" showMasterPhAnim="0">
   <p:cSld>
     <p:spTree>
@@ -1836,6 +1767,63 @@
               </a:spcAft>
               <a:buNone/>
             </a:pPr>
+            <a:r>
+              <a:rPr lang="en-US" dirty="0"/>
+              <a:t>A conditional statement is also know as an if statement. We can have if without else and if with else kind of statements.</a:t>
+            </a:r>
+          </a:p>
+          <a:p>
+            <a:pPr marL="0" lvl="0" indent="0" algn="l" rtl="0">
+              <a:spcBef>
+                <a:spcPts val="0"/>
+              </a:spcBef>
+              <a:spcAft>
+                <a:spcPts val="0"/>
+              </a:spcAft>
+              <a:buNone/>
+            </a:pPr>
+            <a:r>
+              <a:rPr lang="en-US" dirty="0"/>
+              <a:t>Lets go over the if without else first. In our example we have a function named </a:t>
+            </a:r>
+            <a:r>
+              <a:rPr lang="en-US" dirty="0" err="1"/>
+              <a:t>get_happy</a:t>
+            </a:r>
+            <a:r>
+              <a:rPr lang="en-US" dirty="0"/>
+              <a:t> that has one parameter. At the beginning of that function, a variable happy is being initialized with False (this is a Boolean type of variable). Then we have out conditional if statement. If the values in puppies variable is greater than equal to 100 the happy variable will be updated to receive a True value. After that the happy variable is returned. In this case we only change the happy value if the condition is true.</a:t>
+            </a:r>
+          </a:p>
+          <a:p>
+            <a:pPr marL="0" lvl="0" indent="0" algn="l" rtl="0">
+              <a:spcBef>
+                <a:spcPts val="0"/>
+              </a:spcBef>
+              <a:spcAft>
+                <a:spcPts val="0"/>
+              </a:spcAft>
+              <a:buNone/>
+            </a:pPr>
+            <a:r>
+              <a:rPr lang="en-US" dirty="0"/>
+              <a:t>In our example of if with else we have the get_happy2 function which receives one parameter. If the value of the puppies parameter is greater than equal 100 the happy value is initialized with True, if the condition is false, the instruction in the else is executed meaning that the variable happy will be initialized with False. After that the variable happy is returned.</a:t>
+            </a:r>
+          </a:p>
+          <a:p>
+            <a:pPr marL="0" lvl="0" indent="0" algn="l" rtl="0">
+              <a:spcBef>
+                <a:spcPts val="0"/>
+              </a:spcBef>
+              <a:spcAft>
+                <a:spcPts val="0"/>
+              </a:spcAft>
+              <a:buNone/>
+            </a:pPr>
+            <a:r>
+              <a:rPr lang="en-US" dirty="0"/>
+              <a:t>Since conditions are logic operations, you can return the result of them, which is the case in the last example in function get_happy3, the condition puppies greater than equal will be evaluated and its result is going to be returned by the function. </a:t>
+            </a:r>
             <a:endParaRPr dirty="0"/>
           </a:p>
         </p:txBody>
@@ -1848,12 +1836,12 @@
 </p:notes>
 </file>
 
-<file path=ppt/notesSlides/notesSlide5.xml><?xml version="1.0" encoding="utf-8"?>
-<p:notes xmlns:a="http://schemas.openxmlformats.org/drawingml/2006/main" xmlns:r="http://schemas.openxmlformats.org/officeDocument/2006/relationships" xmlns:p="http://schemas.openxmlformats.org/presentationml/2006/main" showMasterSp="0" showMasterPhAnim="0">
+<file path=ppt/notesSlides/notesSlide6.xml><?xml version="1.0" encoding="utf-8"?>
+<p:notes xmlns:a="http://schemas.openxmlformats.org/drawingml/2006/main" xmlns:r="http://schemas.openxmlformats.org/officeDocument/2006/relationships" xmlns:p="http://schemas.openxmlformats.org/presentationml/2006/main">
   <p:cSld>
     <p:spTree>
       <p:nvGrpSpPr>
-        <p:cNvPr id="1" name="Shape 241"/>
+        <p:cNvPr id="1" name=""/>
         <p:cNvGrpSpPr/>
         <p:nvPr/>
       </p:nvGrpSpPr>
@@ -1867,12 +1855,12 @@
       </p:grpSpPr>
       <p:sp>
         <p:nvSpPr>
-          <p:cNvPr id="242" name="Google Shape;242;g7d32104fe3_0_160:notes"/>
+          <p:cNvPr id="2" name="Slide Image Placeholder 1"/>
           <p:cNvSpPr>
             <a:spLocks noGrp="1" noRot="1" noChangeAspect="1"/>
           </p:cNvSpPr>
           <p:nvPr>
-            <p:ph type="sldImg" idx="2"/>
+            <p:ph type="sldImg"/>
           </p:nvPr>
         </p:nvSpPr>
         <p:spPr>
@@ -1880,71 +1868,347 @@
             <a:off x="381000" y="685800"/>
             <a:ext cx="6096000" cy="3429000"/>
           </a:xfrm>
-          <a:custGeom>
-            <a:avLst/>
-            <a:gdLst/>
-            <a:ahLst/>
-            <a:cxnLst/>
-            <a:rect l="l" t="t" r="r" b="b"/>
-            <a:pathLst>
-              <a:path w="120000" h="120000" extrusionOk="0">
-                <a:moveTo>
-                  <a:pt x="0" y="0"/>
-                </a:moveTo>
-                <a:lnTo>
-                  <a:pt x="120000" y="0"/>
-                </a:lnTo>
-                <a:lnTo>
-                  <a:pt x="120000" y="120000"/>
-                </a:lnTo>
-                <a:lnTo>
-                  <a:pt x="0" y="120000"/>
-                </a:lnTo>
-                <a:close/>
-              </a:path>
-            </a:pathLst>
-          </a:custGeom>
         </p:spPr>
       </p:sp>
       <p:sp>
         <p:nvSpPr>
-          <p:cNvPr id="243" name="Google Shape;243;g7d32104fe3_0_160:notes"/>
-          <p:cNvSpPr txBox="1">
+          <p:cNvPr id="3" name="Notes Placeholder 2"/>
+          <p:cNvSpPr>
             <a:spLocks noGrp="1"/>
           </p:cNvSpPr>
           <p:nvPr>
             <p:ph type="body" idx="1"/>
           </p:nvPr>
         </p:nvSpPr>
-        <p:spPr>
-          <a:xfrm>
-            <a:off x="685800" y="4343400"/>
-            <a:ext cx="5486400" cy="4114800"/>
-          </a:xfrm>
-          <a:prstGeom prst="rect">
-            <a:avLst/>
-          </a:prstGeom>
-        </p:spPr>
+        <p:spPr/>
         <p:txBody>
-          <a:bodyPr spcFirstLastPara="1" wrap="square" lIns="91425" tIns="91425" rIns="91425" bIns="91425" anchor="t" anchorCtr="0">
-            <a:noAutofit/>
-          </a:bodyPr>
+          <a:bodyPr/>
           <a:lstStyle/>
           <a:p>
-            <a:pPr marL="0" lvl="0" indent="0" algn="l" rtl="0">
-              <a:spcBef>
-                <a:spcPts val="0"/>
-              </a:spcBef>
-              <a:spcAft>
-                <a:spcPts val="0"/>
-              </a:spcAft>
-              <a:buNone/>
-            </a:pPr>
-            <a:endParaRPr dirty="0"/>
+            <a:r>
+              <a:rPr lang="en-US" dirty="0"/>
+              <a:t>Add an coding to correctly return True of False considering the presented function calls.</a:t>
+            </a:r>
+          </a:p>
+          <a:p>
+            <a:r>
+              <a:rPr lang="en-US" dirty="0"/>
+              <a:t>Check your answer later on with the solution provided on Canvas.</a:t>
+            </a:r>
           </a:p>
         </p:txBody>
       </p:sp>
     </p:spTree>
+    <p:extLst>
+      <p:ext uri="{BB962C8B-B14F-4D97-AF65-F5344CB8AC3E}">
+        <p14:creationId xmlns:p14="http://schemas.microsoft.com/office/powerpoint/2010/main" val="3628254348"/>
+      </p:ext>
+    </p:extLst>
+  </p:cSld>
+  <p:clrMapOvr>
+    <a:masterClrMapping/>
+  </p:clrMapOvr>
+</p:notes>
+</file>
+
+<file path=ppt/notesSlides/notesSlide7.xml><?xml version="1.0" encoding="utf-8"?>
+<p:notes xmlns:a="http://schemas.openxmlformats.org/drawingml/2006/main" xmlns:r="http://schemas.openxmlformats.org/officeDocument/2006/relationships" xmlns:p="http://schemas.openxmlformats.org/presentationml/2006/main">
+  <p:cSld>
+    <p:spTree>
+      <p:nvGrpSpPr>
+        <p:cNvPr id="1" name=""/>
+        <p:cNvGrpSpPr/>
+        <p:nvPr/>
+      </p:nvGrpSpPr>
+      <p:grpSpPr>
+        <a:xfrm>
+          <a:off x="0" y="0"/>
+          <a:ext cx="0" cy="0"/>
+          <a:chOff x="0" y="0"/>
+          <a:chExt cx="0" cy="0"/>
+        </a:xfrm>
+      </p:grpSpPr>
+      <p:sp>
+        <p:nvSpPr>
+          <p:cNvPr id="2" name="Slide Image Placeholder 1"/>
+          <p:cNvSpPr>
+            <a:spLocks noGrp="1" noRot="1" noChangeAspect="1"/>
+          </p:cNvSpPr>
+          <p:nvPr>
+            <p:ph type="sldImg"/>
+          </p:nvPr>
+        </p:nvSpPr>
+        <p:spPr>
+          <a:xfrm>
+            <a:off x="381000" y="685800"/>
+            <a:ext cx="6096000" cy="3429000"/>
+          </a:xfrm>
+        </p:spPr>
+      </p:sp>
+      <p:sp>
+        <p:nvSpPr>
+          <p:cNvPr id="3" name="Notes Placeholder 2"/>
+          <p:cNvSpPr>
+            <a:spLocks noGrp="1"/>
+          </p:cNvSpPr>
+          <p:nvPr>
+            <p:ph type="body" idx="1"/>
+          </p:nvPr>
+        </p:nvSpPr>
+        <p:spPr/>
+        <p:txBody>
+          <a:bodyPr/>
+          <a:lstStyle/>
+          <a:p>
+            <a:r>
+              <a:rPr lang="en-US" dirty="0" err="1"/>
+              <a:t>Elsif</a:t>
+            </a:r>
+            <a:r>
+              <a:rPr lang="en-US" dirty="0"/>
+              <a:t> is a conditional statement used for chaining if statements, meaning that if one condition is true the others can’t be true and don’t need to be tested.</a:t>
+            </a:r>
+          </a:p>
+          <a:p>
+            <a:r>
+              <a:rPr lang="en-US" dirty="0"/>
+              <a:t>Lets analyze de following code.</a:t>
+            </a:r>
+          </a:p>
+          <a:p>
+            <a:r>
+              <a:rPr lang="en-US" dirty="0"/>
+              <a:t>Our </a:t>
+            </a:r>
+            <a:r>
+              <a:rPr lang="en-US" dirty="0" err="1"/>
+              <a:t>verify_number</a:t>
+            </a:r>
+            <a:r>
+              <a:rPr lang="en-US" dirty="0"/>
+              <a:t> function receives a parameter named number. Inside of that function we have three separated if statements. If the number is positive you print the message Positive number followed by the value of the variable number.</a:t>
+            </a:r>
+          </a:p>
+          <a:p>
+            <a:r>
+              <a:rPr lang="en-US" dirty="0"/>
+              <a:t>If number is negative we print the message Negative number followed by the value of the variable number.</a:t>
+            </a:r>
+          </a:p>
+          <a:p>
+            <a:r>
+              <a:rPr lang="en-US" dirty="0"/>
+              <a:t>If number is equal to zero, we print the message Number 0.</a:t>
+            </a:r>
+          </a:p>
+          <a:p>
+            <a:r>
+              <a:rPr lang="en-US" dirty="0"/>
+              <a:t>Since we have three independent if statements, each call will run all these if statements, even if they already printed the correct message.</a:t>
+            </a:r>
+          </a:p>
+        </p:txBody>
+      </p:sp>
+    </p:spTree>
+    <p:extLst>
+      <p:ext uri="{BB962C8B-B14F-4D97-AF65-F5344CB8AC3E}">
+        <p14:creationId xmlns:p14="http://schemas.microsoft.com/office/powerpoint/2010/main" val="644527666"/>
+      </p:ext>
+    </p:extLst>
+  </p:cSld>
+  <p:clrMapOvr>
+    <a:masterClrMapping/>
+  </p:clrMapOvr>
+</p:notes>
+</file>
+
+<file path=ppt/notesSlides/notesSlide8.xml><?xml version="1.0" encoding="utf-8"?>
+<p:notes xmlns:a="http://schemas.openxmlformats.org/drawingml/2006/main" xmlns:r="http://schemas.openxmlformats.org/officeDocument/2006/relationships" xmlns:p="http://schemas.openxmlformats.org/presentationml/2006/main">
+  <p:cSld>
+    <p:spTree>
+      <p:nvGrpSpPr>
+        <p:cNvPr id="1" name=""/>
+        <p:cNvGrpSpPr/>
+        <p:nvPr/>
+      </p:nvGrpSpPr>
+      <p:grpSpPr>
+        <a:xfrm>
+          <a:off x="0" y="0"/>
+          <a:ext cx="0" cy="0"/>
+          <a:chOff x="0" y="0"/>
+          <a:chExt cx="0" cy="0"/>
+        </a:xfrm>
+      </p:grpSpPr>
+      <p:sp>
+        <p:nvSpPr>
+          <p:cNvPr id="2" name="Slide Image Placeholder 1"/>
+          <p:cNvSpPr>
+            <a:spLocks noGrp="1" noRot="1" noChangeAspect="1"/>
+          </p:cNvSpPr>
+          <p:nvPr>
+            <p:ph type="sldImg"/>
+          </p:nvPr>
+        </p:nvSpPr>
+        <p:spPr>
+          <a:xfrm>
+            <a:off x="381000" y="685800"/>
+            <a:ext cx="6096000" cy="3429000"/>
+          </a:xfrm>
+        </p:spPr>
+      </p:sp>
+      <p:sp>
+        <p:nvSpPr>
+          <p:cNvPr id="3" name="Notes Placeholder 2"/>
+          <p:cNvSpPr>
+            <a:spLocks noGrp="1"/>
+          </p:cNvSpPr>
+          <p:nvPr>
+            <p:ph type="body" idx="1"/>
+          </p:nvPr>
+        </p:nvSpPr>
+        <p:spPr/>
+        <p:txBody>
+          <a:bodyPr/>
+          <a:lstStyle/>
+          <a:p>
+            <a:r>
+              <a:rPr lang="en-US" dirty="0"/>
+              <a:t>We can use </a:t>
+            </a:r>
+            <a:r>
+              <a:rPr lang="en-US" dirty="0" err="1"/>
+              <a:t>Elif</a:t>
+            </a:r>
+            <a:r>
+              <a:rPr lang="en-US" dirty="0"/>
+              <a:t> when we have conditions that are mutually excluded, meaning that if one is true the others can’t be true and don’t need to be tested.</a:t>
+            </a:r>
+          </a:p>
+          <a:p>
+            <a:r>
+              <a:rPr lang="en-US" dirty="0"/>
+              <a:t>That is the case for our example.</a:t>
+            </a:r>
+          </a:p>
+          <a:p>
+            <a:r>
+              <a:rPr lang="en-US" dirty="0"/>
+              <a:t>In this new version of our </a:t>
+            </a:r>
+            <a:r>
+              <a:rPr lang="en-US" dirty="0" err="1"/>
+              <a:t>verify_number</a:t>
+            </a:r>
+            <a:r>
+              <a:rPr lang="en-US" dirty="0"/>
+              <a:t> function, if number is greater than zero we print the Positive number message and end the function. We did not test the other options. We only move to the second testing if the first one was False. </a:t>
+            </a:r>
+          </a:p>
+          <a:p>
+            <a:r>
+              <a:rPr lang="en-US" dirty="0"/>
+              <a:t>So if number is not greater than zero we go to the next test </a:t>
+            </a:r>
+            <a:r>
+              <a:rPr lang="en-US" dirty="0" err="1"/>
+              <a:t>elif</a:t>
+            </a:r>
+            <a:r>
+              <a:rPr lang="en-US" dirty="0"/>
+              <a:t> number is less than zero. If that second condition is true, we print the negative number message and end the function. If the number is neither greater nor less than zero it can only be zero, so we don’t need another </a:t>
+            </a:r>
+            <a:r>
+              <a:rPr lang="en-US" dirty="0" err="1"/>
+              <a:t>elif</a:t>
+            </a:r>
+            <a:r>
+              <a:rPr lang="en-US" dirty="0"/>
+              <a:t> to test this. We just have and else and the output that number is zero.</a:t>
+            </a:r>
+          </a:p>
+          <a:p>
+            <a:r>
+              <a:rPr lang="en-US" dirty="0"/>
+              <a:t>In the best case we will only test one condition and in the worst case we only test two conditions.</a:t>
+            </a:r>
+          </a:p>
+        </p:txBody>
+      </p:sp>
+    </p:spTree>
+    <p:extLst>
+      <p:ext uri="{BB962C8B-B14F-4D97-AF65-F5344CB8AC3E}">
+        <p14:creationId xmlns:p14="http://schemas.microsoft.com/office/powerpoint/2010/main" val="2964373392"/>
+      </p:ext>
+    </p:extLst>
+  </p:cSld>
+  <p:clrMapOvr>
+    <a:masterClrMapping/>
+  </p:clrMapOvr>
+</p:notes>
+</file>
+
+<file path=ppt/notesSlides/notesSlide9.xml><?xml version="1.0" encoding="utf-8"?>
+<p:notes xmlns:a="http://schemas.openxmlformats.org/drawingml/2006/main" xmlns:r="http://schemas.openxmlformats.org/officeDocument/2006/relationships" xmlns:p="http://schemas.openxmlformats.org/presentationml/2006/main">
+  <p:cSld>
+    <p:spTree>
+      <p:nvGrpSpPr>
+        <p:cNvPr id="1" name=""/>
+        <p:cNvGrpSpPr/>
+        <p:nvPr/>
+      </p:nvGrpSpPr>
+      <p:grpSpPr>
+        <a:xfrm>
+          <a:off x="0" y="0"/>
+          <a:ext cx="0" cy="0"/>
+          <a:chOff x="0" y="0"/>
+          <a:chExt cx="0" cy="0"/>
+        </a:xfrm>
+      </p:grpSpPr>
+      <p:sp>
+        <p:nvSpPr>
+          <p:cNvPr id="2" name="Slide Image Placeholder 1"/>
+          <p:cNvSpPr>
+            <a:spLocks noGrp="1" noRot="1" noChangeAspect="1"/>
+          </p:cNvSpPr>
+          <p:nvPr>
+            <p:ph type="sldImg"/>
+          </p:nvPr>
+        </p:nvSpPr>
+        <p:spPr>
+          <a:xfrm>
+            <a:off x="381000" y="685800"/>
+            <a:ext cx="6096000" cy="3429000"/>
+          </a:xfrm>
+        </p:spPr>
+      </p:sp>
+      <p:sp>
+        <p:nvSpPr>
+          <p:cNvPr id="3" name="Notes Placeholder 2"/>
+          <p:cNvSpPr>
+            <a:spLocks noGrp="1"/>
+          </p:cNvSpPr>
+          <p:nvPr>
+            <p:ph type="body" idx="1"/>
+          </p:nvPr>
+        </p:nvSpPr>
+        <p:spPr/>
+        <p:txBody>
+          <a:bodyPr/>
+          <a:lstStyle/>
+          <a:p>
+            <a:r>
+              <a:rPr lang="en-US" dirty="0"/>
+              <a:t>Pause the video and trace the code provided to know what is going to be printed for each function call.</a:t>
+            </a:r>
+          </a:p>
+        </p:txBody>
+      </p:sp>
+    </p:spTree>
+    <p:extLst>
+      <p:ext uri="{BB962C8B-B14F-4D97-AF65-F5344CB8AC3E}">
+        <p14:creationId xmlns:p14="http://schemas.microsoft.com/office/powerpoint/2010/main" val="3077410851"/>
+      </p:ext>
+    </p:extLst>
   </p:cSld>
   <p:clrMapOvr>
     <a:masterClrMapping/>
@@ -15035,6 +15299,1111 @@
   <p:cSld>
     <p:spTree>
       <p:nvGrpSpPr>
+        <p:cNvPr id="1" name=""/>
+        <p:cNvGrpSpPr/>
+        <p:nvPr/>
+      </p:nvGrpSpPr>
+      <p:grpSpPr>
+        <a:xfrm>
+          <a:off x="0" y="0"/>
+          <a:ext cx="0" cy="0"/>
+          <a:chOff x="0" y="0"/>
+          <a:chExt cx="0" cy="0"/>
+        </a:xfrm>
+      </p:grpSpPr>
+      <p:sp>
+        <p:nvSpPr>
+          <p:cNvPr id="2" name="Title 1">
+            <a:extLst>
+              <a:ext uri="{FF2B5EF4-FFF2-40B4-BE49-F238E27FC236}">
+                <a16:creationId xmlns:a16="http://schemas.microsoft.com/office/drawing/2014/main" id="{9F025B83-0F1C-3A45-9135-939C71D92995}"/>
+              </a:ext>
+            </a:extLst>
+          </p:cNvPr>
+          <p:cNvSpPr>
+            <a:spLocks noGrp="1"/>
+          </p:cNvSpPr>
+          <p:nvPr>
+            <p:ph type="title"/>
+          </p:nvPr>
+        </p:nvSpPr>
+        <p:spPr/>
+        <p:txBody>
+          <a:bodyPr/>
+          <a:lstStyle/>
+          <a:p>
+            <a:r>
+              <a:rPr lang="en-US" dirty="0" err="1"/>
+              <a:t>Elif</a:t>
+            </a:r>
+            <a:r>
+              <a:rPr lang="en-US" dirty="0"/>
+              <a:t> – Coding Practice 1</a:t>
+            </a:r>
+          </a:p>
+        </p:txBody>
+      </p:sp>
+      <p:sp>
+        <p:nvSpPr>
+          <p:cNvPr id="4" name="Rectangle 3">
+            <a:extLst>
+              <a:ext uri="{FF2B5EF4-FFF2-40B4-BE49-F238E27FC236}">
+                <a16:creationId xmlns:a16="http://schemas.microsoft.com/office/drawing/2014/main" id="{99A0D7FE-ADAA-344D-A4B2-36253BAAD5C4}"/>
+              </a:ext>
+            </a:extLst>
+          </p:cNvPr>
+          <p:cNvSpPr/>
+          <p:nvPr/>
+        </p:nvSpPr>
+        <p:spPr>
+          <a:xfrm>
+            <a:off x="718197" y="1322270"/>
+            <a:ext cx="7418851" cy="3323987"/>
+          </a:xfrm>
+          <a:prstGeom prst="rect">
+            <a:avLst/>
+          </a:prstGeom>
+        </p:spPr>
+        <p:txBody>
+          <a:bodyPr wrap="square">
+            <a:spAutoFit/>
+          </a:bodyPr>
+          <a:lstStyle/>
+          <a:p>
+            <a:r>
+              <a:rPr lang="en-US" dirty="0">
+                <a:solidFill>
+                  <a:srgbClr val="CC7832"/>
+                </a:solidFill>
+                <a:latin typeface="Consolas" panose="020B0609020204030204" pitchFamily="49" charset="0"/>
+                <a:cs typeface="Consolas" panose="020B0609020204030204" pitchFamily="49" charset="0"/>
+              </a:rPr>
+              <a:t>def </a:t>
+            </a:r>
+            <a:r>
+              <a:rPr lang="en-US" dirty="0" err="1">
+                <a:solidFill>
+                  <a:srgbClr val="FFC66D"/>
+                </a:solidFill>
+                <a:latin typeface="Consolas" panose="020B0609020204030204" pitchFamily="49" charset="0"/>
+                <a:cs typeface="Consolas" panose="020B0609020204030204" pitchFamily="49" charset="0"/>
+              </a:rPr>
+              <a:t>broken_rogue</a:t>
+            </a:r>
+            <a:r>
+              <a:rPr lang="en-US" dirty="0">
+                <a:latin typeface="Consolas" panose="020B0609020204030204" pitchFamily="49" charset="0"/>
+                <a:cs typeface="Consolas" panose="020B0609020204030204" pitchFamily="49" charset="0"/>
+              </a:rPr>
+              <a:t>(</a:t>
+            </a:r>
+            <a:r>
+              <a:rPr lang="en-US" dirty="0" err="1">
+                <a:latin typeface="Consolas" panose="020B0609020204030204" pitchFamily="49" charset="0"/>
+                <a:cs typeface="Consolas" panose="020B0609020204030204" pitchFamily="49" charset="0"/>
+              </a:rPr>
+              <a:t>dice_roll</a:t>
+            </a:r>
+            <a:r>
+              <a:rPr lang="en-US" dirty="0">
+                <a:latin typeface="Consolas" panose="020B0609020204030204" pitchFamily="49" charset="0"/>
+                <a:cs typeface="Consolas" panose="020B0609020204030204" pitchFamily="49" charset="0"/>
+              </a:rPr>
+              <a:t>):</a:t>
+            </a:r>
+            <a:br>
+              <a:rPr lang="en-US" dirty="0">
+                <a:latin typeface="Consolas" panose="020B0609020204030204" pitchFamily="49" charset="0"/>
+                <a:cs typeface="Consolas" panose="020B0609020204030204" pitchFamily="49" charset="0"/>
+              </a:rPr>
+            </a:br>
+            <a:r>
+              <a:rPr lang="en-US" dirty="0">
+                <a:latin typeface="Consolas" panose="020B0609020204030204" pitchFamily="49" charset="0"/>
+                <a:cs typeface="Consolas" panose="020B0609020204030204" pitchFamily="49" charset="0"/>
+              </a:rPr>
+              <a:t>    </a:t>
+            </a:r>
+            <a:r>
+              <a:rPr lang="en-US" dirty="0">
+                <a:solidFill>
+                  <a:srgbClr val="CC7832"/>
+                </a:solidFill>
+                <a:latin typeface="Consolas" panose="020B0609020204030204" pitchFamily="49" charset="0"/>
+                <a:cs typeface="Consolas" panose="020B0609020204030204" pitchFamily="49" charset="0"/>
+              </a:rPr>
+              <a:t>if </a:t>
+            </a:r>
+            <a:r>
+              <a:rPr lang="en-US" dirty="0" err="1">
+                <a:latin typeface="Consolas" panose="020B0609020204030204" pitchFamily="49" charset="0"/>
+                <a:cs typeface="Consolas" panose="020B0609020204030204" pitchFamily="49" charset="0"/>
+              </a:rPr>
+              <a:t>dice_roll</a:t>
+            </a:r>
+            <a:r>
+              <a:rPr lang="en-US" dirty="0">
+                <a:latin typeface="Consolas" panose="020B0609020204030204" pitchFamily="49" charset="0"/>
+                <a:cs typeface="Consolas" panose="020B0609020204030204" pitchFamily="49" charset="0"/>
+              </a:rPr>
+              <a:t> &gt;= </a:t>
+            </a:r>
+            <a:r>
+              <a:rPr lang="en-US" dirty="0">
+                <a:solidFill>
+                  <a:srgbClr val="6897BB"/>
+                </a:solidFill>
+                <a:latin typeface="Consolas" panose="020B0609020204030204" pitchFamily="49" charset="0"/>
+                <a:cs typeface="Consolas" panose="020B0609020204030204" pitchFamily="49" charset="0"/>
+              </a:rPr>
+              <a:t>10</a:t>
+            </a:r>
+            <a:r>
+              <a:rPr lang="en-US" dirty="0">
+                <a:latin typeface="Consolas" panose="020B0609020204030204" pitchFamily="49" charset="0"/>
+                <a:cs typeface="Consolas" panose="020B0609020204030204" pitchFamily="49" charset="0"/>
+              </a:rPr>
+              <a:t>:</a:t>
+            </a:r>
+            <a:br>
+              <a:rPr lang="en-US" dirty="0">
+                <a:latin typeface="Consolas" panose="020B0609020204030204" pitchFamily="49" charset="0"/>
+                <a:cs typeface="Consolas" panose="020B0609020204030204" pitchFamily="49" charset="0"/>
+              </a:rPr>
+            </a:br>
+            <a:r>
+              <a:rPr lang="en-US" dirty="0">
+                <a:latin typeface="Consolas" panose="020B0609020204030204" pitchFamily="49" charset="0"/>
+                <a:cs typeface="Consolas" panose="020B0609020204030204" pitchFamily="49" charset="0"/>
+              </a:rPr>
+              <a:t>        </a:t>
+            </a:r>
+            <a:r>
+              <a:rPr lang="en-US" dirty="0">
+                <a:solidFill>
+                  <a:srgbClr val="CC7832"/>
+                </a:solidFill>
+                <a:latin typeface="Consolas" panose="020B0609020204030204" pitchFamily="49" charset="0"/>
+                <a:cs typeface="Consolas" panose="020B0609020204030204" pitchFamily="49" charset="0"/>
+              </a:rPr>
+              <a:t>if </a:t>
+            </a:r>
+            <a:r>
+              <a:rPr lang="en-US" dirty="0" err="1">
+                <a:latin typeface="Consolas" panose="020B0609020204030204" pitchFamily="49" charset="0"/>
+                <a:cs typeface="Consolas" panose="020B0609020204030204" pitchFamily="49" charset="0"/>
+              </a:rPr>
+              <a:t>dice_roll</a:t>
+            </a:r>
+            <a:r>
+              <a:rPr lang="en-US" dirty="0">
+                <a:latin typeface="Consolas" panose="020B0609020204030204" pitchFamily="49" charset="0"/>
+                <a:cs typeface="Consolas" panose="020B0609020204030204" pitchFamily="49" charset="0"/>
+              </a:rPr>
+              <a:t> &gt; </a:t>
+            </a:r>
+            <a:r>
+              <a:rPr lang="en-US" dirty="0">
+                <a:solidFill>
+                  <a:srgbClr val="6897BB"/>
+                </a:solidFill>
+                <a:latin typeface="Consolas" panose="020B0609020204030204" pitchFamily="49" charset="0"/>
+                <a:cs typeface="Consolas" panose="020B0609020204030204" pitchFamily="49" charset="0"/>
+              </a:rPr>
+              <a:t>15</a:t>
+            </a:r>
+            <a:r>
+              <a:rPr lang="en-US" dirty="0">
+                <a:latin typeface="Consolas" panose="020B0609020204030204" pitchFamily="49" charset="0"/>
+                <a:cs typeface="Consolas" panose="020B0609020204030204" pitchFamily="49" charset="0"/>
+              </a:rPr>
+              <a:t>:</a:t>
+            </a:r>
+            <a:br>
+              <a:rPr lang="en-US" dirty="0">
+                <a:latin typeface="Consolas" panose="020B0609020204030204" pitchFamily="49" charset="0"/>
+                <a:cs typeface="Consolas" panose="020B0609020204030204" pitchFamily="49" charset="0"/>
+              </a:rPr>
+            </a:br>
+            <a:r>
+              <a:rPr lang="en-US" dirty="0">
+                <a:latin typeface="Consolas" panose="020B0609020204030204" pitchFamily="49" charset="0"/>
+                <a:cs typeface="Consolas" panose="020B0609020204030204" pitchFamily="49" charset="0"/>
+              </a:rPr>
+              <a:t>            </a:t>
+            </a:r>
+            <a:r>
+              <a:rPr lang="en-US" dirty="0">
+                <a:solidFill>
+                  <a:srgbClr val="8888C6"/>
+                </a:solidFill>
+                <a:latin typeface="Consolas" panose="020B0609020204030204" pitchFamily="49" charset="0"/>
+                <a:cs typeface="Consolas" panose="020B0609020204030204" pitchFamily="49" charset="0"/>
+              </a:rPr>
+              <a:t>print</a:t>
+            </a:r>
+            <a:r>
+              <a:rPr lang="en-US" dirty="0">
+                <a:latin typeface="Consolas" panose="020B0609020204030204" pitchFamily="49" charset="0"/>
+                <a:cs typeface="Consolas" panose="020B0609020204030204" pitchFamily="49" charset="0"/>
+              </a:rPr>
+              <a:t>(</a:t>
+            </a:r>
+            <a:r>
+              <a:rPr lang="en-US" dirty="0">
+                <a:solidFill>
+                  <a:srgbClr val="6A8759"/>
+                </a:solidFill>
+                <a:latin typeface="Consolas" panose="020B0609020204030204" pitchFamily="49" charset="0"/>
+                <a:cs typeface="Consolas" panose="020B0609020204030204" pitchFamily="49" charset="0"/>
+              </a:rPr>
+              <a:t>"Trap Disarmed!"</a:t>
+            </a:r>
+            <a:r>
+              <a:rPr lang="en-US" dirty="0">
+                <a:latin typeface="Consolas" panose="020B0609020204030204" pitchFamily="49" charset="0"/>
+                <a:cs typeface="Consolas" panose="020B0609020204030204" pitchFamily="49" charset="0"/>
+              </a:rPr>
+              <a:t>)</a:t>
+            </a:r>
+            <a:br>
+              <a:rPr lang="en-US" dirty="0">
+                <a:latin typeface="Consolas" panose="020B0609020204030204" pitchFamily="49" charset="0"/>
+                <a:cs typeface="Consolas" panose="020B0609020204030204" pitchFamily="49" charset="0"/>
+              </a:rPr>
+            </a:br>
+            <a:r>
+              <a:rPr lang="en-US" dirty="0">
+                <a:latin typeface="Consolas" panose="020B0609020204030204" pitchFamily="49" charset="0"/>
+                <a:cs typeface="Consolas" panose="020B0609020204030204" pitchFamily="49" charset="0"/>
+              </a:rPr>
+              <a:t>        </a:t>
+            </a:r>
+            <a:r>
+              <a:rPr lang="en-US" dirty="0">
+                <a:solidFill>
+                  <a:srgbClr val="CC7832"/>
+                </a:solidFill>
+                <a:latin typeface="Consolas" panose="020B0609020204030204" pitchFamily="49" charset="0"/>
+                <a:cs typeface="Consolas" panose="020B0609020204030204" pitchFamily="49" charset="0"/>
+              </a:rPr>
+              <a:t>else</a:t>
+            </a:r>
+            <a:r>
+              <a:rPr lang="en-US" dirty="0">
+                <a:latin typeface="Consolas" panose="020B0609020204030204" pitchFamily="49" charset="0"/>
+                <a:cs typeface="Consolas" panose="020B0609020204030204" pitchFamily="49" charset="0"/>
+              </a:rPr>
+              <a:t>:</a:t>
+            </a:r>
+            <a:br>
+              <a:rPr lang="en-US" dirty="0">
+                <a:latin typeface="Consolas" panose="020B0609020204030204" pitchFamily="49" charset="0"/>
+                <a:cs typeface="Consolas" panose="020B0609020204030204" pitchFamily="49" charset="0"/>
+              </a:rPr>
+            </a:br>
+            <a:r>
+              <a:rPr lang="en-US" dirty="0">
+                <a:latin typeface="Consolas" panose="020B0609020204030204" pitchFamily="49" charset="0"/>
+                <a:cs typeface="Consolas" panose="020B0609020204030204" pitchFamily="49" charset="0"/>
+              </a:rPr>
+              <a:t>            </a:t>
+            </a:r>
+            <a:r>
+              <a:rPr lang="en-US" dirty="0">
+                <a:solidFill>
+                  <a:srgbClr val="8888C6"/>
+                </a:solidFill>
+                <a:latin typeface="Consolas" panose="020B0609020204030204" pitchFamily="49" charset="0"/>
+                <a:cs typeface="Consolas" panose="020B0609020204030204" pitchFamily="49" charset="0"/>
+              </a:rPr>
+              <a:t>print</a:t>
+            </a:r>
+            <a:r>
+              <a:rPr lang="en-US" dirty="0">
+                <a:latin typeface="Consolas" panose="020B0609020204030204" pitchFamily="49" charset="0"/>
+                <a:cs typeface="Consolas" panose="020B0609020204030204" pitchFamily="49" charset="0"/>
+              </a:rPr>
+              <a:t>(</a:t>
+            </a:r>
+            <a:r>
+              <a:rPr lang="en-US" dirty="0">
+                <a:solidFill>
+                  <a:srgbClr val="6A8759"/>
+                </a:solidFill>
+                <a:latin typeface="Consolas" panose="020B0609020204030204" pitchFamily="49" charset="0"/>
+                <a:cs typeface="Consolas" panose="020B0609020204030204" pitchFamily="49" charset="0"/>
+              </a:rPr>
+              <a:t>"Get the 10-foot pole..."</a:t>
+            </a:r>
+            <a:r>
+              <a:rPr lang="en-US" dirty="0">
+                <a:latin typeface="Consolas" panose="020B0609020204030204" pitchFamily="49" charset="0"/>
+                <a:cs typeface="Consolas" panose="020B0609020204030204" pitchFamily="49" charset="0"/>
+              </a:rPr>
+              <a:t>)</a:t>
+            </a:r>
+            <a:br>
+              <a:rPr lang="en-US" dirty="0">
+                <a:latin typeface="Consolas" panose="020B0609020204030204" pitchFamily="49" charset="0"/>
+                <a:cs typeface="Consolas" panose="020B0609020204030204" pitchFamily="49" charset="0"/>
+              </a:rPr>
+            </a:br>
+            <a:r>
+              <a:rPr lang="en-US" dirty="0">
+                <a:latin typeface="Consolas" panose="020B0609020204030204" pitchFamily="49" charset="0"/>
+                <a:cs typeface="Consolas" panose="020B0609020204030204" pitchFamily="49" charset="0"/>
+              </a:rPr>
+              <a:t>    </a:t>
+            </a:r>
+            <a:r>
+              <a:rPr lang="en-US" dirty="0" err="1">
+                <a:solidFill>
+                  <a:srgbClr val="CC7832"/>
+                </a:solidFill>
+                <a:latin typeface="Consolas" panose="020B0609020204030204" pitchFamily="49" charset="0"/>
+                <a:cs typeface="Consolas" panose="020B0609020204030204" pitchFamily="49" charset="0"/>
+              </a:rPr>
+              <a:t>elif</a:t>
+            </a:r>
+            <a:r>
+              <a:rPr lang="en-US" dirty="0">
+                <a:solidFill>
+                  <a:srgbClr val="CC7832"/>
+                </a:solidFill>
+                <a:latin typeface="Consolas" panose="020B0609020204030204" pitchFamily="49" charset="0"/>
+                <a:cs typeface="Consolas" panose="020B0609020204030204" pitchFamily="49" charset="0"/>
+              </a:rPr>
+              <a:t> </a:t>
+            </a:r>
+            <a:r>
+              <a:rPr lang="en-US" dirty="0" err="1">
+                <a:latin typeface="Consolas" panose="020B0609020204030204" pitchFamily="49" charset="0"/>
+                <a:cs typeface="Consolas" panose="020B0609020204030204" pitchFamily="49" charset="0"/>
+              </a:rPr>
+              <a:t>dice_roll</a:t>
+            </a:r>
+            <a:r>
+              <a:rPr lang="en-US" dirty="0">
+                <a:latin typeface="Consolas" panose="020B0609020204030204" pitchFamily="49" charset="0"/>
+                <a:cs typeface="Consolas" panose="020B0609020204030204" pitchFamily="49" charset="0"/>
+              </a:rPr>
+              <a:t> &gt;= </a:t>
+            </a:r>
+            <a:r>
+              <a:rPr lang="en-US" dirty="0">
+                <a:solidFill>
+                  <a:srgbClr val="6897BB"/>
+                </a:solidFill>
+                <a:latin typeface="Consolas" panose="020B0609020204030204" pitchFamily="49" charset="0"/>
+                <a:cs typeface="Consolas" panose="020B0609020204030204" pitchFamily="49" charset="0"/>
+              </a:rPr>
+              <a:t>5</a:t>
+            </a:r>
+            <a:r>
+              <a:rPr lang="en-US" dirty="0">
+                <a:latin typeface="Consolas" panose="020B0609020204030204" pitchFamily="49" charset="0"/>
+                <a:cs typeface="Consolas" panose="020B0609020204030204" pitchFamily="49" charset="0"/>
+              </a:rPr>
+              <a:t>:</a:t>
+            </a:r>
+            <a:br>
+              <a:rPr lang="en-US" dirty="0">
+                <a:latin typeface="Consolas" panose="020B0609020204030204" pitchFamily="49" charset="0"/>
+                <a:cs typeface="Consolas" panose="020B0609020204030204" pitchFamily="49" charset="0"/>
+              </a:rPr>
+            </a:br>
+            <a:r>
+              <a:rPr lang="en-US" dirty="0">
+                <a:latin typeface="Consolas" panose="020B0609020204030204" pitchFamily="49" charset="0"/>
+                <a:cs typeface="Consolas" panose="020B0609020204030204" pitchFamily="49" charset="0"/>
+              </a:rPr>
+              <a:t>        </a:t>
+            </a:r>
+            <a:r>
+              <a:rPr lang="en-US" dirty="0">
+                <a:solidFill>
+                  <a:srgbClr val="8888C6"/>
+                </a:solidFill>
+                <a:latin typeface="Consolas" panose="020B0609020204030204" pitchFamily="49" charset="0"/>
+                <a:cs typeface="Consolas" panose="020B0609020204030204" pitchFamily="49" charset="0"/>
+              </a:rPr>
+              <a:t>print</a:t>
+            </a:r>
+            <a:r>
+              <a:rPr lang="en-US" dirty="0">
+                <a:latin typeface="Consolas" panose="020B0609020204030204" pitchFamily="49" charset="0"/>
+                <a:cs typeface="Consolas" panose="020B0609020204030204" pitchFamily="49" charset="0"/>
+              </a:rPr>
+              <a:t>(</a:t>
+            </a:r>
+            <a:r>
+              <a:rPr lang="en-US" dirty="0">
+                <a:solidFill>
+                  <a:srgbClr val="6A8759"/>
+                </a:solidFill>
+                <a:latin typeface="Consolas" panose="020B0609020204030204" pitchFamily="49" charset="0"/>
+                <a:cs typeface="Consolas" panose="020B0609020204030204" pitchFamily="49" charset="0"/>
+              </a:rPr>
+              <a:t>"As far as I am aware, no traps."</a:t>
+            </a:r>
+            <a:r>
+              <a:rPr lang="en-US" dirty="0">
+                <a:latin typeface="Consolas" panose="020B0609020204030204" pitchFamily="49" charset="0"/>
+                <a:cs typeface="Consolas" panose="020B0609020204030204" pitchFamily="49" charset="0"/>
+              </a:rPr>
+              <a:t>)</a:t>
+            </a:r>
+            <a:br>
+              <a:rPr lang="en-US" dirty="0">
+                <a:latin typeface="Consolas" panose="020B0609020204030204" pitchFamily="49" charset="0"/>
+                <a:cs typeface="Consolas" panose="020B0609020204030204" pitchFamily="49" charset="0"/>
+              </a:rPr>
+            </a:br>
+            <a:r>
+              <a:rPr lang="en-US" dirty="0">
+                <a:latin typeface="Consolas" panose="020B0609020204030204" pitchFamily="49" charset="0"/>
+                <a:cs typeface="Consolas" panose="020B0609020204030204" pitchFamily="49" charset="0"/>
+              </a:rPr>
+              <a:t>    </a:t>
+            </a:r>
+            <a:r>
+              <a:rPr lang="en-US" dirty="0">
+                <a:solidFill>
+                  <a:srgbClr val="CC7832"/>
+                </a:solidFill>
+                <a:latin typeface="Consolas" panose="020B0609020204030204" pitchFamily="49" charset="0"/>
+                <a:cs typeface="Consolas" panose="020B0609020204030204" pitchFamily="49" charset="0"/>
+              </a:rPr>
+              <a:t>else</a:t>
+            </a:r>
+            <a:r>
+              <a:rPr lang="en-US" dirty="0">
+                <a:latin typeface="Consolas" panose="020B0609020204030204" pitchFamily="49" charset="0"/>
+                <a:cs typeface="Consolas" panose="020B0609020204030204" pitchFamily="49" charset="0"/>
+              </a:rPr>
+              <a:t>:</a:t>
+            </a:r>
+            <a:br>
+              <a:rPr lang="en-US" dirty="0">
+                <a:latin typeface="Consolas" panose="020B0609020204030204" pitchFamily="49" charset="0"/>
+                <a:cs typeface="Consolas" panose="020B0609020204030204" pitchFamily="49" charset="0"/>
+              </a:rPr>
+            </a:br>
+            <a:r>
+              <a:rPr lang="en-US" dirty="0">
+                <a:latin typeface="Consolas" panose="020B0609020204030204" pitchFamily="49" charset="0"/>
+                <a:cs typeface="Consolas" panose="020B0609020204030204" pitchFamily="49" charset="0"/>
+              </a:rPr>
+              <a:t>        </a:t>
+            </a:r>
+            <a:r>
+              <a:rPr lang="en-US" dirty="0">
+                <a:solidFill>
+                  <a:srgbClr val="8888C6"/>
+                </a:solidFill>
+                <a:latin typeface="Consolas" panose="020B0609020204030204" pitchFamily="49" charset="0"/>
+                <a:cs typeface="Consolas" panose="020B0609020204030204" pitchFamily="49" charset="0"/>
+              </a:rPr>
+              <a:t>print</a:t>
+            </a:r>
+            <a:r>
+              <a:rPr lang="en-US" dirty="0">
+                <a:latin typeface="Consolas" panose="020B0609020204030204" pitchFamily="49" charset="0"/>
+                <a:cs typeface="Consolas" panose="020B0609020204030204" pitchFamily="49" charset="0"/>
+              </a:rPr>
+              <a:t>(</a:t>
+            </a:r>
+            <a:r>
+              <a:rPr lang="en-US" dirty="0">
+                <a:solidFill>
+                  <a:srgbClr val="6A8759"/>
+                </a:solidFill>
+                <a:latin typeface="Consolas" panose="020B0609020204030204" pitchFamily="49" charset="0"/>
+                <a:cs typeface="Consolas" panose="020B0609020204030204" pitchFamily="49" charset="0"/>
+              </a:rPr>
+              <a:t>"Found the trap!"</a:t>
+            </a:r>
+            <a:r>
+              <a:rPr lang="en-US" dirty="0">
+                <a:latin typeface="Consolas" panose="020B0609020204030204" pitchFamily="49" charset="0"/>
+                <a:cs typeface="Consolas" panose="020B0609020204030204" pitchFamily="49" charset="0"/>
+              </a:rPr>
+              <a:t>)</a:t>
+            </a:r>
+          </a:p>
+          <a:p>
+            <a:endParaRPr lang="en-US" dirty="0">
+              <a:latin typeface="Consolas" panose="020B0609020204030204" pitchFamily="49" charset="0"/>
+              <a:cs typeface="Consolas" panose="020B0609020204030204" pitchFamily="49" charset="0"/>
+            </a:endParaRPr>
+          </a:p>
+          <a:p>
+            <a:r>
+              <a:rPr lang="en-US" dirty="0" err="1">
+                <a:latin typeface="Consolas" panose="020B0609020204030204" pitchFamily="49" charset="0"/>
+                <a:cs typeface="Consolas" panose="020B0609020204030204" pitchFamily="49" charset="0"/>
+              </a:rPr>
+              <a:t>broken_rogue</a:t>
+            </a:r>
+            <a:r>
+              <a:rPr lang="en-US" dirty="0">
+                <a:latin typeface="Consolas" panose="020B0609020204030204" pitchFamily="49" charset="0"/>
+                <a:cs typeface="Consolas" panose="020B0609020204030204" pitchFamily="49" charset="0"/>
+              </a:rPr>
+              <a:t>(</a:t>
+            </a:r>
+            <a:r>
+              <a:rPr lang="en-US" dirty="0">
+                <a:solidFill>
+                  <a:srgbClr val="6897BB"/>
+                </a:solidFill>
+                <a:latin typeface="Consolas" panose="020B0609020204030204" pitchFamily="49" charset="0"/>
+                <a:cs typeface="Consolas" panose="020B0609020204030204" pitchFamily="49" charset="0"/>
+              </a:rPr>
+              <a:t>10</a:t>
+            </a:r>
+            <a:r>
+              <a:rPr lang="en-US" dirty="0">
+                <a:latin typeface="Consolas" panose="020B0609020204030204" pitchFamily="49" charset="0"/>
+                <a:cs typeface="Consolas" panose="020B0609020204030204" pitchFamily="49" charset="0"/>
+              </a:rPr>
+              <a:t>)</a:t>
+            </a:r>
+          </a:p>
+          <a:p>
+            <a:r>
+              <a:rPr lang="en-US" dirty="0" err="1">
+                <a:latin typeface="Consolas" panose="020B0609020204030204" pitchFamily="49" charset="0"/>
+                <a:cs typeface="Consolas" panose="020B0609020204030204" pitchFamily="49" charset="0"/>
+              </a:rPr>
+              <a:t>broken_rogue</a:t>
+            </a:r>
+            <a:r>
+              <a:rPr lang="en-US" dirty="0">
+                <a:latin typeface="Consolas" panose="020B0609020204030204" pitchFamily="49" charset="0"/>
+                <a:cs typeface="Consolas" panose="020B0609020204030204" pitchFamily="49" charset="0"/>
+              </a:rPr>
+              <a:t>(</a:t>
+            </a:r>
+            <a:r>
+              <a:rPr lang="en-US" dirty="0">
+                <a:solidFill>
+                  <a:srgbClr val="6897BB"/>
+                </a:solidFill>
+                <a:latin typeface="Consolas" panose="020B0609020204030204" pitchFamily="49" charset="0"/>
+                <a:cs typeface="Consolas" panose="020B0609020204030204" pitchFamily="49" charset="0"/>
+              </a:rPr>
+              <a:t>16</a:t>
+            </a:r>
+            <a:r>
+              <a:rPr lang="en-US" dirty="0">
+                <a:latin typeface="Consolas" panose="020B0609020204030204" pitchFamily="49" charset="0"/>
+                <a:cs typeface="Consolas" panose="020B0609020204030204" pitchFamily="49" charset="0"/>
+              </a:rPr>
+              <a:t>) </a:t>
+            </a:r>
+          </a:p>
+          <a:p>
+            <a:r>
+              <a:rPr lang="en-US" dirty="0" err="1">
+                <a:latin typeface="Consolas" panose="020B0609020204030204" pitchFamily="49" charset="0"/>
+                <a:cs typeface="Consolas" panose="020B0609020204030204" pitchFamily="49" charset="0"/>
+              </a:rPr>
+              <a:t>broken_rogue</a:t>
+            </a:r>
+            <a:r>
+              <a:rPr lang="en-US" dirty="0">
+                <a:latin typeface="Consolas" panose="020B0609020204030204" pitchFamily="49" charset="0"/>
+                <a:cs typeface="Consolas" panose="020B0609020204030204" pitchFamily="49" charset="0"/>
+              </a:rPr>
+              <a:t>(</a:t>
+            </a:r>
+            <a:r>
+              <a:rPr lang="en-US" dirty="0">
+                <a:solidFill>
+                  <a:srgbClr val="6897BB"/>
+                </a:solidFill>
+                <a:latin typeface="Consolas" panose="020B0609020204030204" pitchFamily="49" charset="0"/>
+                <a:cs typeface="Consolas" panose="020B0609020204030204" pitchFamily="49" charset="0"/>
+              </a:rPr>
+              <a:t>5</a:t>
+            </a:r>
+            <a:r>
+              <a:rPr lang="en-US" dirty="0">
+                <a:latin typeface="Consolas" panose="020B0609020204030204" pitchFamily="49" charset="0"/>
+                <a:cs typeface="Consolas" panose="020B0609020204030204" pitchFamily="49" charset="0"/>
+              </a:rPr>
+              <a:t>) </a:t>
+            </a:r>
+          </a:p>
+          <a:p>
+            <a:r>
+              <a:rPr lang="en-US" dirty="0" err="1">
+                <a:latin typeface="Consolas" panose="020B0609020204030204" pitchFamily="49" charset="0"/>
+                <a:cs typeface="Consolas" panose="020B0609020204030204" pitchFamily="49" charset="0"/>
+              </a:rPr>
+              <a:t>broken_rogue</a:t>
+            </a:r>
+            <a:r>
+              <a:rPr lang="en-US" dirty="0">
+                <a:latin typeface="Consolas" panose="020B0609020204030204" pitchFamily="49" charset="0"/>
+                <a:cs typeface="Consolas" panose="020B0609020204030204" pitchFamily="49" charset="0"/>
+              </a:rPr>
+              <a:t>(</a:t>
+            </a:r>
+            <a:r>
+              <a:rPr lang="en-US" dirty="0">
+                <a:solidFill>
+                  <a:srgbClr val="6897BB"/>
+                </a:solidFill>
+                <a:latin typeface="Consolas" panose="020B0609020204030204" pitchFamily="49" charset="0"/>
+                <a:cs typeface="Consolas" panose="020B0609020204030204" pitchFamily="49" charset="0"/>
+              </a:rPr>
+              <a:t>1</a:t>
+            </a:r>
+            <a:r>
+              <a:rPr lang="en-US" dirty="0">
+                <a:latin typeface="Consolas" panose="020B0609020204030204" pitchFamily="49" charset="0"/>
+                <a:cs typeface="Consolas" panose="020B0609020204030204" pitchFamily="49" charset="0"/>
+              </a:rPr>
+              <a:t>)</a:t>
+            </a:r>
+          </a:p>
+        </p:txBody>
+      </p:sp>
+      <p:sp>
+        <p:nvSpPr>
+          <p:cNvPr id="5" name="TextBox 4">
+            <a:extLst>
+              <a:ext uri="{FF2B5EF4-FFF2-40B4-BE49-F238E27FC236}">
+                <a16:creationId xmlns:a16="http://schemas.microsoft.com/office/drawing/2014/main" id="{A5C63283-1D3E-8AF8-1EB6-0A02FB76BB91}"/>
+              </a:ext>
+            </a:extLst>
+          </p:cNvPr>
+          <p:cNvSpPr txBox="1"/>
+          <p:nvPr/>
+        </p:nvSpPr>
+        <p:spPr>
+          <a:xfrm>
+            <a:off x="2381956" y="3650467"/>
+            <a:ext cx="4583288" cy="307777"/>
+          </a:xfrm>
+          <a:prstGeom prst="rect">
+            <a:avLst/>
+          </a:prstGeom>
+          <a:noFill/>
+        </p:spPr>
+        <p:txBody>
+          <a:bodyPr wrap="square">
+            <a:spAutoFit/>
+          </a:bodyPr>
+          <a:lstStyle/>
+          <a:p>
+            <a:r>
+              <a:rPr lang="en-US" dirty="0">
+                <a:latin typeface="Consolas" panose="020B0609020204030204" pitchFamily="49" charset="0"/>
+                <a:cs typeface="Consolas" panose="020B0609020204030204" pitchFamily="49" charset="0"/>
+              </a:rPr>
+              <a:t># prints Get the 10-foot pole...</a:t>
+            </a:r>
+            <a:endParaRPr lang="en-US" dirty="0"/>
+          </a:p>
+        </p:txBody>
+      </p:sp>
+      <p:sp>
+        <p:nvSpPr>
+          <p:cNvPr id="9" name="TextBox 8">
+            <a:extLst>
+              <a:ext uri="{FF2B5EF4-FFF2-40B4-BE49-F238E27FC236}">
+                <a16:creationId xmlns:a16="http://schemas.microsoft.com/office/drawing/2014/main" id="{B38C01D6-9A28-E479-A275-AD779E96BD1D}"/>
+              </a:ext>
+            </a:extLst>
+          </p:cNvPr>
+          <p:cNvSpPr txBox="1"/>
+          <p:nvPr/>
+        </p:nvSpPr>
+        <p:spPr>
+          <a:xfrm>
+            <a:off x="2381956" y="3897480"/>
+            <a:ext cx="4583288" cy="307777"/>
+          </a:xfrm>
+          <a:prstGeom prst="rect">
+            <a:avLst/>
+          </a:prstGeom>
+          <a:noFill/>
+        </p:spPr>
+        <p:txBody>
+          <a:bodyPr wrap="square">
+            <a:spAutoFit/>
+          </a:bodyPr>
+          <a:lstStyle/>
+          <a:p>
+            <a:r>
+              <a:rPr lang="en-US" dirty="0">
+                <a:latin typeface="Consolas" panose="020B0609020204030204" pitchFamily="49" charset="0"/>
+                <a:cs typeface="Consolas" panose="020B0609020204030204" pitchFamily="49" charset="0"/>
+              </a:rPr>
+              <a:t># Trap Disarmed!</a:t>
+            </a:r>
+          </a:p>
+        </p:txBody>
+      </p:sp>
+      <p:sp>
+        <p:nvSpPr>
+          <p:cNvPr id="11" name="TextBox 10">
+            <a:extLst>
+              <a:ext uri="{FF2B5EF4-FFF2-40B4-BE49-F238E27FC236}">
+                <a16:creationId xmlns:a16="http://schemas.microsoft.com/office/drawing/2014/main" id="{1BB66D34-B997-5B25-E8A7-6D5D5DDB226A}"/>
+              </a:ext>
+            </a:extLst>
+          </p:cNvPr>
+          <p:cNvSpPr txBox="1"/>
+          <p:nvPr/>
+        </p:nvSpPr>
+        <p:spPr>
+          <a:xfrm>
+            <a:off x="2381956" y="4081927"/>
+            <a:ext cx="4583288" cy="307777"/>
+          </a:xfrm>
+          <a:prstGeom prst="rect">
+            <a:avLst/>
+          </a:prstGeom>
+          <a:noFill/>
+        </p:spPr>
+        <p:txBody>
+          <a:bodyPr wrap="square">
+            <a:spAutoFit/>
+          </a:bodyPr>
+          <a:lstStyle/>
+          <a:p>
+            <a:r>
+              <a:rPr lang="en-US" dirty="0">
+                <a:latin typeface="Consolas" panose="020B0609020204030204" pitchFamily="49" charset="0"/>
+                <a:cs typeface="Consolas" panose="020B0609020204030204" pitchFamily="49" charset="0"/>
+              </a:rPr>
+              <a:t># As far as I am aware, no traps.</a:t>
+            </a:r>
+            <a:endParaRPr lang="en-US" dirty="0"/>
+          </a:p>
+        </p:txBody>
+      </p:sp>
+      <p:sp>
+        <p:nvSpPr>
+          <p:cNvPr id="13" name="TextBox 12">
+            <a:extLst>
+              <a:ext uri="{FF2B5EF4-FFF2-40B4-BE49-F238E27FC236}">
+                <a16:creationId xmlns:a16="http://schemas.microsoft.com/office/drawing/2014/main" id="{E9E74E44-72BB-31B2-28A5-E602725EFEC0}"/>
+              </a:ext>
+            </a:extLst>
+          </p:cNvPr>
+          <p:cNvSpPr txBox="1"/>
+          <p:nvPr/>
+        </p:nvSpPr>
+        <p:spPr>
+          <a:xfrm>
+            <a:off x="2381956" y="4280971"/>
+            <a:ext cx="4583288" cy="307777"/>
+          </a:xfrm>
+          <a:prstGeom prst="rect">
+            <a:avLst/>
+          </a:prstGeom>
+          <a:noFill/>
+        </p:spPr>
+        <p:txBody>
+          <a:bodyPr wrap="square">
+            <a:spAutoFit/>
+          </a:bodyPr>
+          <a:lstStyle/>
+          <a:p>
+            <a:r>
+              <a:rPr lang="en-US" dirty="0">
+                <a:latin typeface="Consolas" panose="020B0609020204030204" pitchFamily="49" charset="0"/>
+                <a:cs typeface="Consolas" panose="020B0609020204030204" pitchFamily="49" charset="0"/>
+              </a:rPr>
+              <a:t># Found the trap!</a:t>
+            </a:r>
+            <a:endParaRPr lang="en-US" dirty="0"/>
+          </a:p>
+        </p:txBody>
+      </p:sp>
+      <p:sp>
+        <p:nvSpPr>
+          <p:cNvPr id="14" name="TextBox 13">
+            <a:extLst>
+              <a:ext uri="{FF2B5EF4-FFF2-40B4-BE49-F238E27FC236}">
+                <a16:creationId xmlns:a16="http://schemas.microsoft.com/office/drawing/2014/main" id="{6B254190-7270-17F6-63DE-419920E26B24}"/>
+              </a:ext>
+            </a:extLst>
+          </p:cNvPr>
+          <p:cNvSpPr txBox="1"/>
+          <p:nvPr/>
+        </p:nvSpPr>
+        <p:spPr>
+          <a:xfrm>
+            <a:off x="6062134" y="1968015"/>
+            <a:ext cx="2542027" cy="646331"/>
+          </a:xfrm>
+          <a:prstGeom prst="rect">
+            <a:avLst/>
+          </a:prstGeom>
+          <a:solidFill>
+            <a:schemeClr val="accent6">
+              <a:lumMod val="20000"/>
+              <a:lumOff val="80000"/>
+            </a:schemeClr>
+          </a:solidFill>
+        </p:spPr>
+        <p:txBody>
+          <a:bodyPr wrap="square" rtlCol="0">
+            <a:spAutoFit/>
+          </a:bodyPr>
+          <a:lstStyle/>
+          <a:p>
+            <a:r>
+              <a:rPr lang="en-US" sz="1800" dirty="0"/>
+              <a:t>What is printed in each call?</a:t>
+            </a:r>
+          </a:p>
+        </p:txBody>
+      </p:sp>
+    </p:spTree>
+    <p:extLst>
+      <p:ext uri="{BB962C8B-B14F-4D97-AF65-F5344CB8AC3E}">
+        <p14:creationId xmlns:p14="http://schemas.microsoft.com/office/powerpoint/2010/main" val="1426773562"/>
+      </p:ext>
+    </p:extLst>
+  </p:cSld>
+  <p:clrMapOvr>
+    <a:masterClrMapping/>
+  </p:clrMapOvr>
+  <p:transition>
+    <p:fade/>
+  </p:transition>
+  <p:timing>
+    <p:tnLst>
+      <p:par>
+        <p:cTn id="1" dur="indefinite" restart="never" nodeType="tmRoot">
+          <p:childTnLst>
+            <p:seq concurrent="1" nextAc="seek">
+              <p:cTn id="2" dur="indefinite" nodeType="mainSeq">
+                <p:childTnLst>
+                  <p:par>
+                    <p:cTn id="3" fill="hold">
+                      <p:stCondLst>
+                        <p:cond delay="indefinite"/>
+                      </p:stCondLst>
+                      <p:childTnLst>
+                        <p:par>
+                          <p:cTn id="4" fill="hold">
+                            <p:stCondLst>
+                              <p:cond delay="0"/>
+                            </p:stCondLst>
+                            <p:childTnLst>
+                              <p:par>
+                                <p:cTn id="5" presetID="1" presetClass="entr" presetSubtype="0" fill="hold" grpId="0" nodeType="clickEffect">
+                                  <p:stCondLst>
+                                    <p:cond delay="0"/>
+                                  </p:stCondLst>
+                                  <p:childTnLst>
+                                    <p:set>
+                                      <p:cBhvr>
+                                        <p:cTn id="6" dur="1" fill="hold">
+                                          <p:stCondLst>
+                                            <p:cond delay="0"/>
+                                          </p:stCondLst>
+                                        </p:cTn>
+                                        <p:tgtEl>
+                                          <p:spTgt spid="5"/>
+                                        </p:tgtEl>
+                                        <p:attrNameLst>
+                                          <p:attrName>style.visibility</p:attrName>
+                                        </p:attrNameLst>
+                                      </p:cBhvr>
+                                      <p:to>
+                                        <p:strVal val="visible"/>
+                                      </p:to>
+                                    </p:set>
+                                  </p:childTnLst>
+                                </p:cTn>
+                              </p:par>
+                            </p:childTnLst>
+                          </p:cTn>
+                        </p:par>
+                      </p:childTnLst>
+                    </p:cTn>
+                  </p:par>
+                  <p:par>
+                    <p:cTn id="7" fill="hold">
+                      <p:stCondLst>
+                        <p:cond delay="indefinite"/>
+                      </p:stCondLst>
+                      <p:childTnLst>
+                        <p:par>
+                          <p:cTn id="8" fill="hold">
+                            <p:stCondLst>
+                              <p:cond delay="0"/>
+                            </p:stCondLst>
+                            <p:childTnLst>
+                              <p:par>
+                                <p:cTn id="9" presetID="1" presetClass="entr" presetSubtype="0" fill="hold" grpId="0" nodeType="clickEffect">
+                                  <p:stCondLst>
+                                    <p:cond delay="0"/>
+                                  </p:stCondLst>
+                                  <p:childTnLst>
+                                    <p:set>
+                                      <p:cBhvr>
+                                        <p:cTn id="10" dur="1" fill="hold">
+                                          <p:stCondLst>
+                                            <p:cond delay="0"/>
+                                          </p:stCondLst>
+                                        </p:cTn>
+                                        <p:tgtEl>
+                                          <p:spTgt spid="9"/>
+                                        </p:tgtEl>
+                                        <p:attrNameLst>
+                                          <p:attrName>style.visibility</p:attrName>
+                                        </p:attrNameLst>
+                                      </p:cBhvr>
+                                      <p:to>
+                                        <p:strVal val="visible"/>
+                                      </p:to>
+                                    </p:set>
+                                  </p:childTnLst>
+                                </p:cTn>
+                              </p:par>
+                            </p:childTnLst>
+                          </p:cTn>
+                        </p:par>
+                      </p:childTnLst>
+                    </p:cTn>
+                  </p:par>
+                  <p:par>
+                    <p:cTn id="11" fill="hold">
+                      <p:stCondLst>
+                        <p:cond delay="indefinite"/>
+                      </p:stCondLst>
+                      <p:childTnLst>
+                        <p:par>
+                          <p:cTn id="12" fill="hold">
+                            <p:stCondLst>
+                              <p:cond delay="0"/>
+                            </p:stCondLst>
+                            <p:childTnLst>
+                              <p:par>
+                                <p:cTn id="13" presetID="1" presetClass="entr" presetSubtype="0" fill="hold" grpId="0" nodeType="clickEffect">
+                                  <p:stCondLst>
+                                    <p:cond delay="0"/>
+                                  </p:stCondLst>
+                                  <p:childTnLst>
+                                    <p:set>
+                                      <p:cBhvr>
+                                        <p:cTn id="14" dur="1" fill="hold">
+                                          <p:stCondLst>
+                                            <p:cond delay="0"/>
+                                          </p:stCondLst>
+                                        </p:cTn>
+                                        <p:tgtEl>
+                                          <p:spTgt spid="11"/>
+                                        </p:tgtEl>
+                                        <p:attrNameLst>
+                                          <p:attrName>style.visibility</p:attrName>
+                                        </p:attrNameLst>
+                                      </p:cBhvr>
+                                      <p:to>
+                                        <p:strVal val="visible"/>
+                                      </p:to>
+                                    </p:set>
+                                  </p:childTnLst>
+                                </p:cTn>
+                              </p:par>
+                            </p:childTnLst>
+                          </p:cTn>
+                        </p:par>
+                      </p:childTnLst>
+                    </p:cTn>
+                  </p:par>
+                  <p:par>
+                    <p:cTn id="15" fill="hold">
+                      <p:stCondLst>
+                        <p:cond delay="indefinite"/>
+                      </p:stCondLst>
+                      <p:childTnLst>
+                        <p:par>
+                          <p:cTn id="16" fill="hold">
+                            <p:stCondLst>
+                              <p:cond delay="0"/>
+                            </p:stCondLst>
+                            <p:childTnLst>
+                              <p:par>
+                                <p:cTn id="17" presetID="1" presetClass="entr" presetSubtype="0" fill="hold" grpId="0" nodeType="clickEffect">
+                                  <p:stCondLst>
+                                    <p:cond delay="0"/>
+                                  </p:stCondLst>
+                                  <p:childTnLst>
+                                    <p:set>
+                                      <p:cBhvr>
+                                        <p:cTn id="18" dur="1" fill="hold">
+                                          <p:stCondLst>
+                                            <p:cond delay="0"/>
+                                          </p:stCondLst>
+                                        </p:cTn>
+                                        <p:tgtEl>
+                                          <p:spTgt spid="13"/>
+                                        </p:tgtEl>
+                                        <p:attrNameLst>
+                                          <p:attrName>style.visibility</p:attrName>
+                                        </p:attrNameLst>
+                                      </p:cBhvr>
+                                      <p:to>
+                                        <p:strVal val="visible"/>
+                                      </p:to>
+                                    </p:set>
+                                  </p:childTnLst>
+                                </p:cTn>
+                              </p:par>
+                            </p:childTnLst>
+                          </p:cTn>
+                        </p:par>
+                      </p:childTnLst>
+                    </p:cTn>
+                  </p:par>
+                </p:childTnLst>
+              </p:cTn>
+              <p:prevCondLst>
+                <p:cond evt="onPrev" delay="0">
+                  <p:tgtEl>
+                    <p:sldTgt/>
+                  </p:tgtEl>
+                </p:cond>
+              </p:prevCondLst>
+              <p:nextCondLst>
+                <p:cond evt="onNext" delay="0">
+                  <p:tgtEl>
+                    <p:sldTgt/>
+                  </p:tgtEl>
+                </p:cond>
+              </p:nextCondLst>
+            </p:seq>
+          </p:childTnLst>
+        </p:cTn>
+      </p:par>
+    </p:tnLst>
+    <p:bldLst>
+      <p:bldP spid="5" grpId="0"/>
+      <p:bldP spid="9" grpId="0"/>
+      <p:bldP spid="11" grpId="0"/>
+      <p:bldP spid="13" grpId="0"/>
+    </p:bldLst>
+  </p:timing>
+</p:sld>
+</file>
+
+<file path=ppt/slides/slide11.xml><?xml version="1.0" encoding="utf-8"?>
+<p:sld xmlns:a="http://schemas.openxmlformats.org/drawingml/2006/main" xmlns:r="http://schemas.openxmlformats.org/officeDocument/2006/relationships" xmlns:p="http://schemas.openxmlformats.org/presentationml/2006/main">
+  <p:cSld>
+    <p:spTree>
+      <p:nvGrpSpPr>
         <p:cNvPr id="1" name="Shape 244"/>
         <p:cNvGrpSpPr/>
         <p:nvPr/>
@@ -15490,7 +16859,7 @@
         <p:spPr>
           <a:xfrm>
             <a:off x="602947" y="3744426"/>
-            <a:ext cx="3595856" cy="646331"/>
+            <a:ext cx="3595856" cy="369332"/>
           </a:xfrm>
           <a:prstGeom prst="rect">
             <a:avLst/>
@@ -15502,12 +16871,6 @@
             <a:spAutoFit/>
           </a:bodyPr>
           <a:lstStyle/>
-          <a:p>
-            <a:r>
-              <a:rPr lang="en-US" sz="1800" dirty="0"/>
-              <a:t>Group Project</a:t>
-            </a:r>
-          </a:p>
           <a:p>
             <a:r>
               <a:rPr lang="en-US" sz="1800" dirty="0"/>
@@ -15871,7 +17234,7 @@
 </p:sld>
 </file>
 
-<file path=ppt/slides/slide11.xml><?xml version="1.0" encoding="utf-8"?>
+<file path=ppt/slides/slide12.xml><?xml version="1.0" encoding="utf-8"?>
 <p:sld xmlns:a="http://schemas.openxmlformats.org/drawingml/2006/main" xmlns:r="http://schemas.openxmlformats.org/officeDocument/2006/relationships" xmlns:p="http://schemas.openxmlformats.org/presentationml/2006/main">
   <p:cSld>
     <p:spTree>
@@ -15911,7 +17274,7 @@
           <a:p>
             <a:r>
               <a:rPr lang="en-US" dirty="0"/>
-              <a:t>Group Practice 2</a:t>
+              <a:t>Coding Practice 2</a:t>
             </a:r>
           </a:p>
         </p:txBody>
@@ -16587,7 +17950,7 @@
         <p:spPr>
           <a:xfrm>
             <a:off x="476335" y="1245870"/>
-            <a:ext cx="5630954" cy="2893100"/>
+            <a:ext cx="5630954" cy="3323987"/>
           </a:xfrm>
           <a:prstGeom prst="rect">
             <a:avLst/>
@@ -16712,16 +18075,26 @@
             </a:pPr>
             <a:r>
               <a:rPr lang="en-US" dirty="0"/>
-              <a:t>Reading 5 (</a:t>
-            </a:r>
-            <a:r>
-              <a:rPr lang="en-US" dirty="0" err="1"/>
-              <a:t>zyBooks</a:t>
-            </a:r>
-            <a:r>
-              <a:rPr lang="en-US" dirty="0"/>
-              <a:t>)</a:t>
-            </a:r>
+              <a:t>Reading 5 (zyBooks)</a:t>
+            </a:r>
+          </a:p>
+          <a:p>
+            <a:pPr marL="285750" indent="-285750">
+              <a:buFont typeface="Arial" panose="020B0604020202020204" pitchFamily="34" charset="0"/>
+              <a:buChar char="•"/>
+            </a:pPr>
+            <a:endParaRPr lang="en-US" dirty="0"/>
+          </a:p>
+          <a:p>
+            <a:pPr marL="285750" indent="-285750">
+              <a:buFont typeface="Arial" panose="020B0604020202020204" pitchFamily="34" charset="0"/>
+              <a:buChar char="•"/>
+            </a:pPr>
+            <a:r>
+              <a:rPr lang="en-US"/>
+              <a:t>RPA 2</a:t>
+            </a:r>
+            <a:endParaRPr lang="en-US" dirty="0"/>
           </a:p>
         </p:txBody>
       </p:sp>
@@ -17115,6 +18488,364 @@
   <p:cSld>
     <p:spTree>
       <p:nvGrpSpPr>
+        <p:cNvPr id="1" name="Shape 191"/>
+        <p:cNvGrpSpPr/>
+        <p:nvPr/>
+      </p:nvGrpSpPr>
+      <p:grpSpPr>
+        <a:xfrm>
+          <a:off x="0" y="0"/>
+          <a:ext cx="0" cy="0"/>
+          <a:chOff x="0" y="0"/>
+          <a:chExt cx="0" cy="0"/>
+        </a:xfrm>
+      </p:grpSpPr>
+      <p:sp>
+        <p:nvSpPr>
+          <p:cNvPr id="192" name="Google Shape;192;p40"/>
+          <p:cNvSpPr txBox="1">
+            <a:spLocks noGrp="1"/>
+          </p:cNvSpPr>
+          <p:nvPr>
+            <p:ph type="title"/>
+          </p:nvPr>
+        </p:nvSpPr>
+        <p:spPr>
+          <a:xfrm>
+            <a:off x="489432" y="108166"/>
+            <a:ext cx="8312700" cy="672000"/>
+          </a:xfrm>
+          <a:prstGeom prst="rect">
+            <a:avLst/>
+          </a:prstGeom>
+        </p:spPr>
+        <p:txBody>
+          <a:bodyPr spcFirstLastPara="1" vert="horz" wrap="square" lIns="60500" tIns="60500" rIns="60500" bIns="60500" rtlCol="0" anchor="b" anchorCtr="0">
+            <a:noAutofit/>
+          </a:bodyPr>
+          <a:lstStyle/>
+          <a:p>
+            <a:r>
+              <a:rPr lang="en-US" dirty="0"/>
+              <a:t>Recall Activity - Solution</a:t>
+            </a:r>
+            <a:endParaRPr dirty="0"/>
+          </a:p>
+        </p:txBody>
+      </p:sp>
+      <p:sp>
+        <p:nvSpPr>
+          <p:cNvPr id="6" name="Text Placeholder 5">
+            <a:extLst>
+              <a:ext uri="{FF2B5EF4-FFF2-40B4-BE49-F238E27FC236}">
+                <a16:creationId xmlns:a16="http://schemas.microsoft.com/office/drawing/2014/main" id="{BBA84413-A189-4E45-8BC1-0BAF8D04460A}"/>
+              </a:ext>
+            </a:extLst>
+          </p:cNvPr>
+          <p:cNvSpPr>
+            <a:spLocks noGrp="1"/>
+          </p:cNvSpPr>
+          <p:nvPr>
+            <p:ph type="body" idx="1"/>
+          </p:nvPr>
+        </p:nvSpPr>
+        <p:spPr>
+          <a:xfrm>
+            <a:off x="489432" y="780166"/>
+            <a:ext cx="7917181" cy="1855458"/>
+          </a:xfrm>
+        </p:spPr>
+        <p:txBody>
+          <a:bodyPr/>
+          <a:lstStyle/>
+          <a:p>
+            <a:r>
+              <a:rPr lang="en-US" sz="1800" dirty="0"/>
+              <a:t>Identify how many functions are in the code below: 2 functions</a:t>
+            </a:r>
+          </a:p>
+          <a:p>
+            <a:r>
+              <a:rPr lang="en-US" sz="1800" dirty="0"/>
+              <a:t>List their names and parameters: </a:t>
+            </a:r>
+            <a:r>
+              <a:rPr lang="en-US" sz="1700" dirty="0" err="1"/>
+              <a:t>name_last_name</a:t>
+            </a:r>
+            <a:r>
+              <a:rPr lang="en-US" sz="1700" dirty="0"/>
+              <a:t> has name and </a:t>
+            </a:r>
+            <a:r>
+              <a:rPr lang="en-US" sz="1700" dirty="0" err="1"/>
+              <a:t>last_name</a:t>
+            </a:r>
+            <a:r>
+              <a:rPr lang="en-US" sz="1700" dirty="0"/>
+              <a:t> as parameters; greetings has msg, name, and </a:t>
+            </a:r>
+            <a:r>
+              <a:rPr lang="en-US" sz="1700" dirty="0" err="1"/>
+              <a:t>last_name</a:t>
+            </a:r>
+            <a:r>
+              <a:rPr lang="en-US" sz="1700" dirty="0"/>
+              <a:t> as parameters</a:t>
+            </a:r>
+          </a:p>
+          <a:p>
+            <a:r>
+              <a:rPr lang="en-US" sz="1800" dirty="0"/>
+              <a:t>Identify where the functions are being called</a:t>
+            </a:r>
+          </a:p>
+          <a:p>
+            <a:pPr lvl="1"/>
+            <a:endParaRPr lang="en-US" sz="1700" dirty="0"/>
+          </a:p>
+        </p:txBody>
+      </p:sp>
+      <p:sp>
+        <p:nvSpPr>
+          <p:cNvPr id="3" name="TextBox 2">
+            <a:extLst>
+              <a:ext uri="{FF2B5EF4-FFF2-40B4-BE49-F238E27FC236}">
+                <a16:creationId xmlns:a16="http://schemas.microsoft.com/office/drawing/2014/main" id="{2CCE0028-C232-D079-44BA-37C465B31CC1}"/>
+              </a:ext>
+            </a:extLst>
+          </p:cNvPr>
+          <p:cNvSpPr txBox="1"/>
+          <p:nvPr/>
+        </p:nvSpPr>
+        <p:spPr>
+          <a:xfrm>
+            <a:off x="769685" y="2571750"/>
+            <a:ext cx="7917180" cy="2308324"/>
+          </a:xfrm>
+          <a:prstGeom prst="rect">
+            <a:avLst/>
+          </a:prstGeom>
+          <a:noFill/>
+        </p:spPr>
+        <p:txBody>
+          <a:bodyPr wrap="square">
+            <a:spAutoFit/>
+          </a:bodyPr>
+          <a:lstStyle/>
+          <a:p>
+            <a:r>
+              <a:rPr lang="en-US" dirty="0">
+                <a:latin typeface="Courier New" panose="02070309020205020404" pitchFamily="49" charset="0"/>
+                <a:cs typeface="Courier New" panose="02070309020205020404" pitchFamily="49" charset="0"/>
+              </a:rPr>
+              <a:t>def </a:t>
+            </a:r>
+            <a:r>
+              <a:rPr lang="en-US" dirty="0" err="1">
+                <a:latin typeface="Courier New" panose="02070309020205020404" pitchFamily="49" charset="0"/>
+                <a:cs typeface="Courier New" panose="02070309020205020404" pitchFamily="49" charset="0"/>
+              </a:rPr>
+              <a:t>name_last_name</a:t>
+            </a:r>
+            <a:r>
+              <a:rPr lang="en-US" dirty="0">
+                <a:latin typeface="Courier New" panose="02070309020205020404" pitchFamily="49" charset="0"/>
+                <a:cs typeface="Courier New" panose="02070309020205020404" pitchFamily="49" charset="0"/>
+              </a:rPr>
+              <a:t>(name, </a:t>
+            </a:r>
+            <a:r>
+              <a:rPr lang="en-US" dirty="0" err="1">
+                <a:latin typeface="Courier New" panose="02070309020205020404" pitchFamily="49" charset="0"/>
+                <a:cs typeface="Courier New" panose="02070309020205020404" pitchFamily="49" charset="0"/>
+              </a:rPr>
+              <a:t>last_name</a:t>
+            </a:r>
+            <a:r>
+              <a:rPr lang="en-US" dirty="0">
+                <a:latin typeface="Courier New" panose="02070309020205020404" pitchFamily="49" charset="0"/>
+                <a:cs typeface="Courier New" panose="02070309020205020404" pitchFamily="49" charset="0"/>
+              </a:rPr>
+              <a:t>):</a:t>
+            </a:r>
+          </a:p>
+          <a:p>
+            <a:r>
+              <a:rPr lang="en-US" dirty="0">
+                <a:latin typeface="Courier New" panose="02070309020205020404" pitchFamily="49" charset="0"/>
+                <a:cs typeface="Courier New" panose="02070309020205020404" pitchFamily="49" charset="0"/>
+              </a:rPr>
+              <a:t>    return name + " " + </a:t>
+            </a:r>
+            <a:r>
+              <a:rPr lang="en-US" dirty="0" err="1">
+                <a:latin typeface="Courier New" panose="02070309020205020404" pitchFamily="49" charset="0"/>
+                <a:cs typeface="Courier New" panose="02070309020205020404" pitchFamily="49" charset="0"/>
+              </a:rPr>
+              <a:t>last_name</a:t>
+            </a:r>
+            <a:endParaRPr lang="en-US" dirty="0">
+              <a:latin typeface="Courier New" panose="02070309020205020404" pitchFamily="49" charset="0"/>
+              <a:cs typeface="Courier New" panose="02070309020205020404" pitchFamily="49" charset="0"/>
+            </a:endParaRPr>
+          </a:p>
+          <a:p>
+            <a:endParaRPr lang="en-US" dirty="0">
+              <a:latin typeface="Courier New" panose="02070309020205020404" pitchFamily="49" charset="0"/>
+              <a:cs typeface="Courier New" panose="02070309020205020404" pitchFamily="49" charset="0"/>
+            </a:endParaRPr>
+          </a:p>
+          <a:p>
+            <a:r>
+              <a:rPr lang="en-US" dirty="0">
+                <a:latin typeface="Courier New" panose="02070309020205020404" pitchFamily="49" charset="0"/>
+                <a:cs typeface="Courier New" panose="02070309020205020404" pitchFamily="49" charset="0"/>
+              </a:rPr>
+              <a:t>def greetings(msg, name, </a:t>
+            </a:r>
+            <a:r>
+              <a:rPr lang="en-US" dirty="0" err="1">
+                <a:latin typeface="Courier New" panose="02070309020205020404" pitchFamily="49" charset="0"/>
+                <a:cs typeface="Courier New" panose="02070309020205020404" pitchFamily="49" charset="0"/>
+              </a:rPr>
+              <a:t>last_name</a:t>
+            </a:r>
+            <a:r>
+              <a:rPr lang="en-US" dirty="0">
+                <a:latin typeface="Courier New" panose="02070309020205020404" pitchFamily="49" charset="0"/>
+                <a:cs typeface="Courier New" panose="02070309020205020404" pitchFamily="49" charset="0"/>
+              </a:rPr>
+              <a:t>):</a:t>
+            </a:r>
+          </a:p>
+          <a:p>
+            <a:r>
+              <a:rPr lang="en-US" dirty="0">
+                <a:latin typeface="Courier New" panose="02070309020205020404" pitchFamily="49" charset="0"/>
+                <a:cs typeface="Courier New" panose="02070309020205020404" pitchFamily="49" charset="0"/>
+              </a:rPr>
+              <a:t>    print(msg + " " + </a:t>
+            </a:r>
+            <a:r>
+              <a:rPr lang="en-US" sz="1600" b="1" dirty="0" err="1">
+                <a:latin typeface="Courier New" panose="02070309020205020404" pitchFamily="49" charset="0"/>
+                <a:cs typeface="Courier New" panose="02070309020205020404" pitchFamily="49" charset="0"/>
+              </a:rPr>
+              <a:t>name_last_name</a:t>
+            </a:r>
+            <a:r>
+              <a:rPr lang="en-US" sz="1600" b="1" dirty="0">
+                <a:latin typeface="Courier New" panose="02070309020205020404" pitchFamily="49" charset="0"/>
+                <a:cs typeface="Courier New" panose="02070309020205020404" pitchFamily="49" charset="0"/>
+              </a:rPr>
+              <a:t>(name, </a:t>
+            </a:r>
+            <a:r>
+              <a:rPr lang="en-US" sz="1600" b="1" dirty="0" err="1">
+                <a:latin typeface="Courier New" panose="02070309020205020404" pitchFamily="49" charset="0"/>
+                <a:cs typeface="Courier New" panose="02070309020205020404" pitchFamily="49" charset="0"/>
+              </a:rPr>
+              <a:t>last_name</a:t>
+            </a:r>
+            <a:r>
+              <a:rPr lang="en-US" sz="1600" b="1" dirty="0">
+                <a:latin typeface="Courier New" panose="02070309020205020404" pitchFamily="49" charset="0"/>
+                <a:cs typeface="Courier New" panose="02070309020205020404" pitchFamily="49" charset="0"/>
+              </a:rPr>
+              <a:t>)</a:t>
+            </a:r>
+            <a:r>
+              <a:rPr lang="en-US" dirty="0">
+                <a:latin typeface="Courier New" panose="02070309020205020404" pitchFamily="49" charset="0"/>
+                <a:cs typeface="Courier New" panose="02070309020205020404" pitchFamily="49" charset="0"/>
+              </a:rPr>
+              <a:t> + "!")</a:t>
+            </a:r>
+          </a:p>
+          <a:p>
+            <a:endParaRPr lang="en-US" dirty="0">
+              <a:latin typeface="Courier New" panose="02070309020205020404" pitchFamily="49" charset="0"/>
+              <a:cs typeface="Courier New" panose="02070309020205020404" pitchFamily="49" charset="0"/>
+            </a:endParaRPr>
+          </a:p>
+          <a:p>
+            <a:r>
+              <a:rPr lang="en-US" dirty="0">
+                <a:latin typeface="Courier New" panose="02070309020205020404" pitchFamily="49" charset="0"/>
+                <a:cs typeface="Courier New" panose="02070309020205020404" pitchFamily="49" charset="0"/>
+              </a:rPr>
+              <a:t>msg = input("Enter the greetings message: ")</a:t>
+            </a:r>
+          </a:p>
+          <a:p>
+            <a:r>
+              <a:rPr lang="en-US" dirty="0">
+                <a:latin typeface="Courier New" panose="02070309020205020404" pitchFamily="49" charset="0"/>
+                <a:cs typeface="Courier New" panose="02070309020205020404" pitchFamily="49" charset="0"/>
+              </a:rPr>
+              <a:t>name = input("Enter your first name: ")</a:t>
+            </a:r>
+          </a:p>
+          <a:p>
+            <a:r>
+              <a:rPr lang="en-US" dirty="0" err="1">
+                <a:latin typeface="Courier New" panose="02070309020205020404" pitchFamily="49" charset="0"/>
+                <a:cs typeface="Courier New" panose="02070309020205020404" pitchFamily="49" charset="0"/>
+              </a:rPr>
+              <a:t>last_name</a:t>
+            </a:r>
+            <a:r>
+              <a:rPr lang="en-US" dirty="0">
+                <a:latin typeface="Courier New" panose="02070309020205020404" pitchFamily="49" charset="0"/>
+                <a:cs typeface="Courier New" panose="02070309020205020404" pitchFamily="49" charset="0"/>
+              </a:rPr>
+              <a:t> = input("Enter your last name: ")</a:t>
+            </a:r>
+          </a:p>
+          <a:p>
+            <a:r>
+              <a:rPr lang="en-US" sz="1600" b="1" dirty="0">
+                <a:latin typeface="Courier New" panose="02070309020205020404" pitchFamily="49" charset="0"/>
+                <a:cs typeface="Courier New" panose="02070309020205020404" pitchFamily="49" charset="0"/>
+              </a:rPr>
+              <a:t>greetings(msg, name, </a:t>
+            </a:r>
+            <a:r>
+              <a:rPr lang="en-US" sz="1600" b="1" dirty="0" err="1">
+                <a:latin typeface="Courier New" panose="02070309020205020404" pitchFamily="49" charset="0"/>
+                <a:cs typeface="Courier New" panose="02070309020205020404" pitchFamily="49" charset="0"/>
+              </a:rPr>
+              <a:t>last_name</a:t>
+            </a:r>
+            <a:r>
+              <a:rPr lang="en-US" sz="1600" b="1" dirty="0">
+                <a:latin typeface="Courier New" panose="02070309020205020404" pitchFamily="49" charset="0"/>
+                <a:cs typeface="Courier New" panose="02070309020205020404" pitchFamily="49" charset="0"/>
+              </a:rPr>
+              <a:t>)</a:t>
+            </a:r>
+          </a:p>
+        </p:txBody>
+      </p:sp>
+    </p:spTree>
+    <p:extLst>
+      <p:ext uri="{BB962C8B-B14F-4D97-AF65-F5344CB8AC3E}">
+        <p14:creationId xmlns:p14="http://schemas.microsoft.com/office/powerpoint/2010/main" val="44574330"/>
+      </p:ext>
+    </p:extLst>
+  </p:cSld>
+  <p:clrMapOvr>
+    <a:masterClrMapping/>
+  </p:clrMapOvr>
+</p:sld>
+</file>
+
+<file path=ppt/slides/slide5.xml><?xml version="1.0" encoding="utf-8"?>
+<p:sld xmlns:a="http://schemas.openxmlformats.org/drawingml/2006/main" xmlns:r="http://schemas.openxmlformats.org/officeDocument/2006/relationships" xmlns:p="http://schemas.openxmlformats.org/presentationml/2006/main">
+  <p:cSld>
+    <p:spTree>
+      <p:nvGrpSpPr>
         <p:cNvPr id="1" name="Shape 220"/>
         <p:cNvGrpSpPr/>
         <p:nvPr/>
@@ -17374,7 +19105,7 @@
 </p:sld>
 </file>
 
-<file path=ppt/slides/slide5.xml><?xml version="1.0" encoding="utf-8"?>
+<file path=ppt/slides/slide6.xml><?xml version="1.0" encoding="utf-8"?>
 <p:sld xmlns:a="http://schemas.openxmlformats.org/drawingml/2006/main" xmlns:r="http://schemas.openxmlformats.org/officeDocument/2006/relationships" xmlns:p="http://schemas.openxmlformats.org/presentationml/2006/main">
   <p:cSld>
     <p:spTree>
@@ -18206,7 +19937,7 @@
 </p:sld>
 </file>
 
-<file path=ppt/slides/slide6.xml><?xml version="1.0" encoding="utf-8"?>
+<file path=ppt/slides/slide7.xml><?xml version="1.0" encoding="utf-8"?>
 <p:sld xmlns:a="http://schemas.openxmlformats.org/drawingml/2006/main" xmlns:r="http://schemas.openxmlformats.org/officeDocument/2006/relationships" xmlns:p="http://schemas.openxmlformats.org/presentationml/2006/main">
   <p:cSld>
     <p:spTree>
@@ -18246,7 +19977,7 @@
           <a:p>
             <a:r>
               <a:rPr lang="en-US" dirty="0"/>
-              <a:t>Group Practice</a:t>
+              <a:t>Coding Practice</a:t>
             </a:r>
           </a:p>
         </p:txBody>
@@ -18299,7 +20030,7 @@
         <p:spPr>
           <a:xfrm>
             <a:off x="879662" y="1828333"/>
-            <a:ext cx="7191894" cy="2031325"/>
+            <a:ext cx="7191894" cy="2585323"/>
           </a:xfrm>
           <a:prstGeom prst="rect">
             <a:avLst/>
@@ -18365,7 +20096,23 @@
                   <a:srgbClr val="A8C023"/>
                 </a:solidFill>
               </a:rPr>
-              <a:t>TODO - add a line of code here, you  do not print here! </a:t>
+              <a:t>TODO - add the code necessary to test and return True or 	</a:t>
+            </a:r>
+            <a:r>
+              <a:rPr lang="en-US" sz="1800" dirty="0">
+                <a:solidFill>
+                  <a:srgbClr val="808080"/>
+                </a:solidFill>
+              </a:rPr>
+              <a:t># </a:t>
+            </a:r>
+            <a:r>
+              <a:rPr lang="en-US" sz="1800" i="1" dirty="0">
+                <a:solidFill>
+                  <a:srgbClr val="A8C023"/>
+                </a:solidFill>
+              </a:rPr>
+              <a:t>False, you  do not print here! </a:t>
             </a:r>
             <a:br>
               <a:rPr lang="en-US" sz="1800" i="1" dirty="0">
@@ -18497,6 +20244,40 @@
                 </a:solidFill>
               </a:rPr>
               <a:t># prints True</a:t>
+            </a:r>
+          </a:p>
+          <a:p>
+            <a:r>
+              <a:rPr lang="en-US" sz="1800" dirty="0"/>
+              <a:t>print(</a:t>
+            </a:r>
+            <a:r>
+              <a:rPr lang="en-US" sz="1800" dirty="0" err="1"/>
+              <a:t>age_check</a:t>
+            </a:r>
+            <a:r>
+              <a:rPr lang="en-US" sz="1800" dirty="0"/>
+              <a:t>(</a:t>
+            </a:r>
+            <a:r>
+              <a:rPr lang="en-US" sz="1800" dirty="0">
+                <a:solidFill>
+                  <a:srgbClr val="6897BB"/>
+                </a:solidFill>
+              </a:rPr>
+              <a:t>18</a:t>
+            </a:r>
+            <a:r>
+              <a:rPr lang="en-US" sz="1800" dirty="0"/>
+              <a:t>)) </a:t>
+            </a:r>
+            <a:r>
+              <a:rPr lang="en-US" sz="1800" dirty="0">
+                <a:solidFill>
+                  <a:srgbClr val="808080"/>
+                </a:solidFill>
+              </a:rPr>
+              <a:t># prints False</a:t>
             </a:r>
             <a:endParaRPr lang="en-US" sz="1800" dirty="0"/>
           </a:p>
@@ -18515,761 +20296,6 @@
   <p:transition>
     <p:fade/>
   </p:transition>
-</p:sld>
-</file>
-
-<file path=ppt/slides/slide7.xml><?xml version="1.0" encoding="utf-8"?>
-<p:sld xmlns:a="http://schemas.openxmlformats.org/drawingml/2006/main" xmlns:r="http://schemas.openxmlformats.org/officeDocument/2006/relationships" xmlns:p="http://schemas.openxmlformats.org/presentationml/2006/main">
-  <p:cSld>
-    <p:spTree>
-      <p:nvGrpSpPr>
-        <p:cNvPr id="1" name=""/>
-        <p:cNvGrpSpPr/>
-        <p:nvPr/>
-      </p:nvGrpSpPr>
-      <p:grpSpPr>
-        <a:xfrm>
-          <a:off x="0" y="0"/>
-          <a:ext cx="0" cy="0"/>
-          <a:chOff x="0" y="0"/>
-          <a:chExt cx="0" cy="0"/>
-        </a:xfrm>
-      </p:grpSpPr>
-      <p:sp>
-        <p:nvSpPr>
-          <p:cNvPr id="2" name="Title 1">
-            <a:extLst>
-              <a:ext uri="{FF2B5EF4-FFF2-40B4-BE49-F238E27FC236}">
-                <a16:creationId xmlns:a16="http://schemas.microsoft.com/office/drawing/2014/main" id="{84C0EF4A-2C3E-194F-B62B-FF48FC1462D9}"/>
-              </a:ext>
-            </a:extLst>
-          </p:cNvPr>
-          <p:cNvSpPr>
-            <a:spLocks noGrp="1"/>
-          </p:cNvSpPr>
-          <p:nvPr>
-            <p:ph type="title"/>
-          </p:nvPr>
-        </p:nvSpPr>
-        <p:spPr>
-          <a:xfrm>
-            <a:off x="415638" y="193078"/>
-            <a:ext cx="8312700" cy="672000"/>
-          </a:xfrm>
-        </p:spPr>
-        <p:txBody>
-          <a:bodyPr/>
-          <a:lstStyle/>
-          <a:p>
-            <a:r>
-              <a:rPr lang="en-US" dirty="0" err="1"/>
-              <a:t>Elif</a:t>
-            </a:r>
-            <a:endParaRPr lang="en-US" dirty="0"/>
-          </a:p>
-        </p:txBody>
-      </p:sp>
-      <p:sp>
-        <p:nvSpPr>
-          <p:cNvPr id="3" name="Text Placeholder 2">
-            <a:extLst>
-              <a:ext uri="{FF2B5EF4-FFF2-40B4-BE49-F238E27FC236}">
-                <a16:creationId xmlns:a16="http://schemas.microsoft.com/office/drawing/2014/main" id="{E9359C9E-81BD-C144-8D15-63C7EB0113B3}"/>
-              </a:ext>
-            </a:extLst>
-          </p:cNvPr>
-          <p:cNvSpPr>
-            <a:spLocks noGrp="1"/>
-          </p:cNvSpPr>
-          <p:nvPr>
-            <p:ph type="body" idx="1"/>
-          </p:nvPr>
-        </p:nvSpPr>
-        <p:spPr>
-          <a:xfrm>
-            <a:off x="415638" y="857843"/>
-            <a:ext cx="8312700" cy="898913"/>
-          </a:xfrm>
-        </p:spPr>
-        <p:txBody>
-          <a:bodyPr/>
-          <a:lstStyle/>
-          <a:p>
-            <a:r>
-              <a:rPr lang="en-US" sz="1800" dirty="0"/>
-              <a:t>Used for chaining if statements</a:t>
-            </a:r>
-          </a:p>
-          <a:p>
-            <a:r>
-              <a:rPr lang="en-US" sz="1800" dirty="0"/>
-              <a:t>Let’s analyze the following code</a:t>
-            </a:r>
-          </a:p>
-        </p:txBody>
-      </p:sp>
-      <p:sp>
-        <p:nvSpPr>
-          <p:cNvPr id="5" name="TextBox 4">
-            <a:extLst>
-              <a:ext uri="{FF2B5EF4-FFF2-40B4-BE49-F238E27FC236}">
-                <a16:creationId xmlns:a16="http://schemas.microsoft.com/office/drawing/2014/main" id="{35412793-F400-5C42-AC21-77E51CD11ED8}"/>
-              </a:ext>
-            </a:extLst>
-          </p:cNvPr>
-          <p:cNvSpPr txBox="1"/>
-          <p:nvPr/>
-        </p:nvSpPr>
-        <p:spPr>
-          <a:xfrm>
-            <a:off x="823218" y="1873935"/>
-            <a:ext cx="5238916" cy="2893100"/>
-          </a:xfrm>
-          <a:prstGeom prst="rect">
-            <a:avLst/>
-          </a:prstGeom>
-          <a:noFill/>
-        </p:spPr>
-        <p:txBody>
-          <a:bodyPr wrap="square">
-            <a:spAutoFit/>
-          </a:bodyPr>
-          <a:lstStyle/>
-          <a:p>
-            <a:r>
-              <a:rPr lang="en-US" sz="1600" dirty="0">
-                <a:solidFill>
-                  <a:srgbClr val="CC7832"/>
-                </a:solidFill>
-                <a:latin typeface="Consolas" panose="020B0609020204030204" pitchFamily="49" charset="0"/>
-                <a:cs typeface="Consolas" panose="020B0609020204030204" pitchFamily="49" charset="0"/>
-              </a:rPr>
-              <a:t>def</a:t>
-            </a:r>
-            <a:r>
-              <a:rPr lang="en-US" sz="1600" dirty="0">
-                <a:solidFill>
-                  <a:schemeClr val="tx1">
-                    <a:lumMod val="50000"/>
-                  </a:schemeClr>
-                </a:solidFill>
-                <a:latin typeface="Consolas" panose="020B0609020204030204" pitchFamily="49" charset="0"/>
-              </a:rPr>
-              <a:t> </a:t>
-            </a:r>
-            <a:r>
-              <a:rPr lang="en-US" sz="1600" dirty="0" err="1">
-                <a:solidFill>
-                  <a:srgbClr val="FFC66D"/>
-                </a:solidFill>
-                <a:latin typeface="Consolas" panose="020B0609020204030204" pitchFamily="49" charset="0"/>
-              </a:rPr>
-              <a:t>verify_number</a:t>
-            </a:r>
-            <a:r>
-              <a:rPr lang="en-US" sz="1600" dirty="0">
-                <a:solidFill>
-                  <a:schemeClr val="tx1">
-                    <a:lumMod val="50000"/>
-                  </a:schemeClr>
-                </a:solidFill>
-                <a:latin typeface="Consolas" panose="020B0609020204030204" pitchFamily="49" charset="0"/>
-              </a:rPr>
-              <a:t>(</a:t>
-            </a:r>
-            <a:r>
-              <a:rPr lang="en-US" sz="1600" i="1" dirty="0">
-                <a:solidFill>
-                  <a:srgbClr val="9876AA"/>
-                </a:solidFill>
-                <a:latin typeface="Consolas" panose="020B0609020204030204" pitchFamily="49" charset="0"/>
-              </a:rPr>
-              <a:t>number</a:t>
-            </a:r>
-            <a:r>
-              <a:rPr lang="en-US" sz="1600" dirty="0">
-                <a:solidFill>
-                  <a:schemeClr val="tx1">
-                    <a:lumMod val="50000"/>
-                  </a:schemeClr>
-                </a:solidFill>
-                <a:latin typeface="Consolas" panose="020B0609020204030204" pitchFamily="49" charset="0"/>
-              </a:rPr>
-              <a:t>):</a:t>
-            </a:r>
-          </a:p>
-          <a:p>
-            <a:r>
-              <a:rPr lang="en-US" sz="1600" dirty="0">
-                <a:solidFill>
-                  <a:schemeClr val="tx1">
-                    <a:lumMod val="50000"/>
-                  </a:schemeClr>
-                </a:solidFill>
-                <a:latin typeface="Consolas" panose="020B0609020204030204" pitchFamily="49" charset="0"/>
-              </a:rPr>
-              <a:t>  if </a:t>
-            </a:r>
-            <a:r>
-              <a:rPr lang="en-US" sz="1600" i="1" dirty="0">
-                <a:solidFill>
-                  <a:srgbClr val="9876AA"/>
-                </a:solidFill>
-                <a:latin typeface="Consolas" panose="020B0609020204030204" pitchFamily="49" charset="0"/>
-              </a:rPr>
-              <a:t>number</a:t>
-            </a:r>
-            <a:r>
-              <a:rPr lang="en-US" sz="1600" dirty="0">
-                <a:solidFill>
-                  <a:schemeClr val="tx1">
-                    <a:lumMod val="50000"/>
-                  </a:schemeClr>
-                </a:solidFill>
-                <a:latin typeface="Consolas" panose="020B0609020204030204" pitchFamily="49" charset="0"/>
-              </a:rPr>
-              <a:t> &gt; </a:t>
-            </a:r>
-            <a:r>
-              <a:rPr lang="en-US" sz="1600" dirty="0">
-                <a:solidFill>
-                  <a:srgbClr val="6897BB"/>
-                </a:solidFill>
-                <a:latin typeface="Consolas" panose="020B0609020204030204" pitchFamily="49" charset="0"/>
-              </a:rPr>
-              <a:t>0</a:t>
-            </a:r>
-            <a:r>
-              <a:rPr lang="en-US" sz="1600" dirty="0">
-                <a:solidFill>
-                  <a:schemeClr val="tx1">
-                    <a:lumMod val="50000"/>
-                  </a:schemeClr>
-                </a:solidFill>
-                <a:latin typeface="Consolas" panose="020B0609020204030204" pitchFamily="49" charset="0"/>
-              </a:rPr>
-              <a:t>:</a:t>
-            </a:r>
-          </a:p>
-          <a:p>
-            <a:r>
-              <a:rPr lang="en-US" sz="1600" dirty="0">
-                <a:solidFill>
-                  <a:schemeClr val="tx1">
-                    <a:lumMod val="50000"/>
-                  </a:schemeClr>
-                </a:solidFill>
-                <a:latin typeface="Consolas" panose="020B0609020204030204" pitchFamily="49" charset="0"/>
-              </a:rPr>
-              <a:t>        print(</a:t>
-            </a:r>
-            <a:r>
-              <a:rPr lang="en-US" sz="1600" dirty="0" err="1">
-                <a:solidFill>
-                  <a:schemeClr val="tx1">
-                    <a:lumMod val="50000"/>
-                  </a:schemeClr>
-                </a:solidFill>
-                <a:latin typeface="Consolas" panose="020B0609020204030204" pitchFamily="49" charset="0"/>
-              </a:rPr>
-              <a:t>f'Positive</a:t>
-            </a:r>
-            <a:r>
-              <a:rPr lang="en-US" sz="1600" dirty="0">
-                <a:solidFill>
-                  <a:schemeClr val="tx1">
-                    <a:lumMod val="50000"/>
-                  </a:schemeClr>
-                </a:solidFill>
-                <a:latin typeface="Consolas" panose="020B0609020204030204" pitchFamily="49" charset="0"/>
-              </a:rPr>
-              <a:t> number: {</a:t>
-            </a:r>
-            <a:r>
-              <a:rPr lang="en-US" sz="1600" dirty="0" err="1">
-                <a:solidFill>
-                  <a:schemeClr val="tx1">
-                    <a:lumMod val="50000"/>
-                  </a:schemeClr>
-                </a:solidFill>
-                <a:latin typeface="Consolas" panose="020B0609020204030204" pitchFamily="49" charset="0"/>
-              </a:rPr>
-              <a:t>number:d</a:t>
-            </a:r>
-            <a:r>
-              <a:rPr lang="en-US" sz="1600" dirty="0">
-                <a:solidFill>
-                  <a:schemeClr val="tx1">
-                    <a:lumMod val="50000"/>
-                  </a:schemeClr>
-                </a:solidFill>
-                <a:latin typeface="Consolas" panose="020B0609020204030204" pitchFamily="49" charset="0"/>
-              </a:rPr>
-              <a:t>}')</a:t>
-            </a:r>
-          </a:p>
-          <a:p>
-            <a:r>
-              <a:rPr lang="en-US" sz="1600" dirty="0">
-                <a:solidFill>
-                  <a:schemeClr val="tx1">
-                    <a:lumMod val="50000"/>
-                  </a:schemeClr>
-                </a:solidFill>
-                <a:latin typeface="Consolas" panose="020B0609020204030204" pitchFamily="49" charset="0"/>
-              </a:rPr>
-              <a:t>  if </a:t>
-            </a:r>
-            <a:r>
-              <a:rPr lang="en-US" sz="1600" i="1" dirty="0">
-                <a:solidFill>
-                  <a:srgbClr val="9876AA"/>
-                </a:solidFill>
-                <a:latin typeface="Consolas" panose="020B0609020204030204" pitchFamily="49" charset="0"/>
-              </a:rPr>
-              <a:t>number</a:t>
-            </a:r>
-            <a:r>
-              <a:rPr lang="en-US" sz="1600" dirty="0">
-                <a:solidFill>
-                  <a:schemeClr val="tx1">
-                    <a:lumMod val="50000"/>
-                  </a:schemeClr>
-                </a:solidFill>
-                <a:latin typeface="Consolas" panose="020B0609020204030204" pitchFamily="49" charset="0"/>
-              </a:rPr>
-              <a:t> &lt; </a:t>
-            </a:r>
-            <a:r>
-              <a:rPr lang="en-US" sz="1600" dirty="0">
-                <a:solidFill>
-                  <a:srgbClr val="6897BB"/>
-                </a:solidFill>
-                <a:latin typeface="Consolas" panose="020B0609020204030204" pitchFamily="49" charset="0"/>
-              </a:rPr>
-              <a:t>0</a:t>
-            </a:r>
-            <a:r>
-              <a:rPr lang="en-US" sz="1600" dirty="0">
-                <a:solidFill>
-                  <a:schemeClr val="tx1">
-                    <a:lumMod val="50000"/>
-                  </a:schemeClr>
-                </a:solidFill>
-                <a:latin typeface="Consolas" panose="020B0609020204030204" pitchFamily="49" charset="0"/>
-              </a:rPr>
-              <a:t>:</a:t>
-            </a:r>
-          </a:p>
-          <a:p>
-            <a:r>
-              <a:rPr lang="en-US" sz="1600" dirty="0">
-                <a:solidFill>
-                  <a:schemeClr val="tx1">
-                    <a:lumMod val="50000"/>
-                  </a:schemeClr>
-                </a:solidFill>
-                <a:latin typeface="Consolas" panose="020B0609020204030204" pitchFamily="49" charset="0"/>
-              </a:rPr>
-              <a:t>        print(</a:t>
-            </a:r>
-            <a:r>
-              <a:rPr lang="en-US" sz="1600" dirty="0" err="1">
-                <a:solidFill>
-                  <a:schemeClr val="tx1">
-                    <a:lumMod val="50000"/>
-                  </a:schemeClr>
-                </a:solidFill>
-                <a:latin typeface="Consolas" panose="020B0609020204030204" pitchFamily="49" charset="0"/>
-              </a:rPr>
-              <a:t>f'Negative</a:t>
-            </a:r>
-            <a:r>
-              <a:rPr lang="en-US" sz="1600" dirty="0">
-                <a:solidFill>
-                  <a:schemeClr val="tx1">
-                    <a:lumMod val="50000"/>
-                  </a:schemeClr>
-                </a:solidFill>
-                <a:latin typeface="Consolas" panose="020B0609020204030204" pitchFamily="49" charset="0"/>
-              </a:rPr>
-              <a:t> number: {</a:t>
-            </a:r>
-            <a:r>
-              <a:rPr lang="en-US" sz="1600" dirty="0" err="1">
-                <a:solidFill>
-                  <a:schemeClr val="tx1">
-                    <a:lumMod val="50000"/>
-                  </a:schemeClr>
-                </a:solidFill>
-                <a:latin typeface="Consolas" panose="020B0609020204030204" pitchFamily="49" charset="0"/>
-              </a:rPr>
-              <a:t>number:d</a:t>
-            </a:r>
-            <a:r>
-              <a:rPr lang="en-US" sz="1600" dirty="0">
-                <a:solidFill>
-                  <a:schemeClr val="tx1">
-                    <a:lumMod val="50000"/>
-                  </a:schemeClr>
-                </a:solidFill>
-                <a:latin typeface="Consolas" panose="020B0609020204030204" pitchFamily="49" charset="0"/>
-              </a:rPr>
-              <a:t>}')    </a:t>
-            </a:r>
-          </a:p>
-          <a:p>
-            <a:r>
-              <a:rPr lang="en-US" sz="1600" dirty="0">
-                <a:solidFill>
-                  <a:schemeClr val="tx1">
-                    <a:lumMod val="50000"/>
-                  </a:schemeClr>
-                </a:solidFill>
-                <a:latin typeface="Consolas" panose="020B0609020204030204" pitchFamily="49" charset="0"/>
-              </a:rPr>
-              <a:t>  if </a:t>
-            </a:r>
-            <a:r>
-              <a:rPr lang="en-US" sz="1600" i="1" dirty="0">
-                <a:solidFill>
-                  <a:srgbClr val="9876AA"/>
-                </a:solidFill>
-                <a:latin typeface="Consolas" panose="020B0609020204030204" pitchFamily="49" charset="0"/>
-              </a:rPr>
-              <a:t>number</a:t>
-            </a:r>
-            <a:r>
-              <a:rPr lang="en-US" sz="1600" dirty="0">
-                <a:solidFill>
-                  <a:schemeClr val="tx1">
-                    <a:lumMod val="50000"/>
-                  </a:schemeClr>
-                </a:solidFill>
-                <a:latin typeface="Consolas" panose="020B0609020204030204" pitchFamily="49" charset="0"/>
-              </a:rPr>
-              <a:t> == </a:t>
-            </a:r>
-            <a:r>
-              <a:rPr lang="en-US" sz="1600" dirty="0">
-                <a:solidFill>
-                  <a:srgbClr val="6897BB"/>
-                </a:solidFill>
-                <a:latin typeface="Consolas" panose="020B0609020204030204" pitchFamily="49" charset="0"/>
-              </a:rPr>
-              <a:t>0</a:t>
-            </a:r>
-            <a:r>
-              <a:rPr lang="en-US" sz="1600" dirty="0">
-                <a:solidFill>
-                  <a:schemeClr val="tx1">
-                    <a:lumMod val="50000"/>
-                  </a:schemeClr>
-                </a:solidFill>
-                <a:latin typeface="Consolas" panose="020B0609020204030204" pitchFamily="49" charset="0"/>
-              </a:rPr>
-              <a:t>:</a:t>
-            </a:r>
-          </a:p>
-          <a:p>
-            <a:r>
-              <a:rPr lang="en-US" sz="1600" dirty="0">
-                <a:solidFill>
-                  <a:schemeClr val="tx1">
-                    <a:lumMod val="50000"/>
-                  </a:schemeClr>
-                </a:solidFill>
-                <a:latin typeface="Consolas" panose="020B0609020204030204" pitchFamily="49" charset="0"/>
-              </a:rPr>
-              <a:t>        print("Number 0")</a:t>
-            </a:r>
-          </a:p>
-          <a:p>
-            <a:r>
-              <a:rPr lang="en-US" sz="1600" dirty="0">
-                <a:solidFill>
-                  <a:schemeClr val="tx1">
-                    <a:lumMod val="50000"/>
-                  </a:schemeClr>
-                </a:solidFill>
-                <a:latin typeface="Consolas" panose="020B0609020204030204" pitchFamily="49" charset="0"/>
-              </a:rPr>
-              <a:t>        </a:t>
-            </a:r>
-          </a:p>
-          <a:p>
-            <a:r>
-              <a:rPr lang="en-US" sz="1600" dirty="0" err="1">
-                <a:solidFill>
-                  <a:schemeClr val="tx1">
-                    <a:lumMod val="50000"/>
-                  </a:schemeClr>
-                </a:solidFill>
-                <a:latin typeface="Consolas" panose="020B0609020204030204" pitchFamily="49" charset="0"/>
-              </a:rPr>
-              <a:t>verify_number</a:t>
-            </a:r>
-            <a:r>
-              <a:rPr lang="en-US" sz="1600" dirty="0">
-                <a:solidFill>
-                  <a:schemeClr val="tx1">
-                    <a:lumMod val="50000"/>
-                  </a:schemeClr>
-                </a:solidFill>
-                <a:latin typeface="Consolas" panose="020B0609020204030204" pitchFamily="49" charset="0"/>
-              </a:rPr>
-              <a:t>(</a:t>
-            </a:r>
-            <a:r>
-              <a:rPr lang="en-US" sz="1600" dirty="0">
-                <a:solidFill>
-                  <a:srgbClr val="6897BB"/>
-                </a:solidFill>
-                <a:latin typeface="Consolas" panose="020B0609020204030204" pitchFamily="49" charset="0"/>
-              </a:rPr>
-              <a:t>10</a:t>
-            </a:r>
-            <a:r>
-              <a:rPr lang="en-US" sz="1600" dirty="0">
-                <a:solidFill>
-                  <a:schemeClr val="tx1">
-                    <a:lumMod val="50000"/>
-                  </a:schemeClr>
-                </a:solidFill>
-                <a:latin typeface="Consolas" panose="020B0609020204030204" pitchFamily="49" charset="0"/>
-              </a:rPr>
-              <a:t>)</a:t>
-            </a:r>
-          </a:p>
-          <a:p>
-            <a:r>
-              <a:rPr lang="en-US" sz="1600" dirty="0" err="1">
-                <a:solidFill>
-                  <a:schemeClr val="tx1">
-                    <a:lumMod val="50000"/>
-                  </a:schemeClr>
-                </a:solidFill>
-                <a:latin typeface="Consolas" panose="020B0609020204030204" pitchFamily="49" charset="0"/>
-              </a:rPr>
-              <a:t>verify_number</a:t>
-            </a:r>
-            <a:r>
-              <a:rPr lang="en-US" sz="1600" dirty="0">
-                <a:solidFill>
-                  <a:schemeClr val="tx1">
-                    <a:lumMod val="50000"/>
-                  </a:schemeClr>
-                </a:solidFill>
-                <a:latin typeface="Consolas" panose="020B0609020204030204" pitchFamily="49" charset="0"/>
-              </a:rPr>
-              <a:t>(</a:t>
-            </a:r>
-            <a:r>
-              <a:rPr lang="en-US" sz="1600" dirty="0">
-                <a:solidFill>
-                  <a:srgbClr val="6897BB"/>
-                </a:solidFill>
-                <a:latin typeface="Consolas" panose="020B0609020204030204" pitchFamily="49" charset="0"/>
-              </a:rPr>
-              <a:t>-1</a:t>
-            </a:r>
-            <a:r>
-              <a:rPr lang="en-US" sz="1600" dirty="0">
-                <a:solidFill>
-                  <a:schemeClr val="tx1">
-                    <a:lumMod val="50000"/>
-                  </a:schemeClr>
-                </a:solidFill>
-                <a:latin typeface="Consolas" panose="020B0609020204030204" pitchFamily="49" charset="0"/>
-              </a:rPr>
-              <a:t>)</a:t>
-            </a:r>
-          </a:p>
-          <a:p>
-            <a:r>
-              <a:rPr lang="en-US" sz="1600" dirty="0" err="1">
-                <a:solidFill>
-                  <a:schemeClr val="tx1">
-                    <a:lumMod val="50000"/>
-                  </a:schemeClr>
-                </a:solidFill>
-                <a:latin typeface="Consolas" panose="020B0609020204030204" pitchFamily="49" charset="0"/>
-              </a:rPr>
-              <a:t>verify_number</a:t>
-            </a:r>
-            <a:r>
-              <a:rPr lang="en-US" sz="1600" dirty="0">
-                <a:solidFill>
-                  <a:schemeClr val="tx1">
-                    <a:lumMod val="50000"/>
-                  </a:schemeClr>
-                </a:solidFill>
-                <a:latin typeface="Consolas" panose="020B0609020204030204" pitchFamily="49" charset="0"/>
-              </a:rPr>
-              <a:t>(</a:t>
-            </a:r>
-            <a:r>
-              <a:rPr lang="en-US" sz="1600" dirty="0">
-                <a:solidFill>
-                  <a:srgbClr val="6897BB"/>
-                </a:solidFill>
-                <a:latin typeface="Consolas" panose="020B0609020204030204" pitchFamily="49" charset="0"/>
-              </a:rPr>
-              <a:t>0</a:t>
-            </a:r>
-            <a:r>
-              <a:rPr lang="en-US" sz="1600" dirty="0">
-                <a:solidFill>
-                  <a:schemeClr val="tx1">
-                    <a:lumMod val="50000"/>
-                  </a:schemeClr>
-                </a:solidFill>
-                <a:latin typeface="Consolas" panose="020B0609020204030204" pitchFamily="49" charset="0"/>
-              </a:rPr>
-              <a:t>)</a:t>
-            </a:r>
-          </a:p>
-        </p:txBody>
-      </p:sp>
-      <p:sp>
-        <p:nvSpPr>
-          <p:cNvPr id="4" name="TextBox 3">
-            <a:extLst>
-              <a:ext uri="{FF2B5EF4-FFF2-40B4-BE49-F238E27FC236}">
-                <a16:creationId xmlns:a16="http://schemas.microsoft.com/office/drawing/2014/main" id="{E69C9ED6-B345-8EBC-966C-B3F6EC5AF1D6}"/>
-              </a:ext>
-            </a:extLst>
-          </p:cNvPr>
-          <p:cNvSpPr txBox="1"/>
-          <p:nvPr/>
-        </p:nvSpPr>
-        <p:spPr>
-          <a:xfrm>
-            <a:off x="6062134" y="1968015"/>
-            <a:ext cx="2542027" cy="923330"/>
-          </a:xfrm>
-          <a:prstGeom prst="rect">
-            <a:avLst/>
-          </a:prstGeom>
-          <a:solidFill>
-            <a:schemeClr val="accent6">
-              <a:lumMod val="20000"/>
-              <a:lumOff val="80000"/>
-            </a:schemeClr>
-          </a:solidFill>
-        </p:spPr>
-        <p:txBody>
-          <a:bodyPr wrap="square" rtlCol="0">
-            <a:spAutoFit/>
-          </a:bodyPr>
-          <a:lstStyle/>
-          <a:p>
-            <a:r>
-              <a:rPr lang="en-US" sz="1800" dirty="0"/>
-              <a:t>How many tests are done each time we call </a:t>
-            </a:r>
-            <a:r>
-              <a:rPr lang="en-US" sz="1800" dirty="0" err="1"/>
-              <a:t>verify_number</a:t>
-            </a:r>
-            <a:r>
-              <a:rPr lang="en-US" sz="1800" dirty="0"/>
-              <a:t>?</a:t>
-            </a:r>
-          </a:p>
-        </p:txBody>
-      </p:sp>
-    </p:spTree>
-    <p:extLst>
-      <p:ext uri="{BB962C8B-B14F-4D97-AF65-F5344CB8AC3E}">
-        <p14:creationId xmlns:p14="http://schemas.microsoft.com/office/powerpoint/2010/main" val="1686460947"/>
-      </p:ext>
-    </p:extLst>
-  </p:cSld>
-  <p:clrMapOvr>
-    <a:masterClrMapping/>
-  </p:clrMapOvr>
-  <p:transition>
-    <p:fade/>
-  </p:transition>
-  <p:timing>
-    <p:tnLst>
-      <p:par>
-        <p:cTn id="1" dur="indefinite" restart="never" nodeType="tmRoot">
-          <p:childTnLst>
-            <p:seq concurrent="1" nextAc="seek">
-              <p:cTn id="2" dur="indefinite" nodeType="mainSeq">
-                <p:childTnLst>
-                  <p:par>
-                    <p:cTn id="3" fill="hold">
-                      <p:stCondLst>
-                        <p:cond delay="indefinite"/>
-                      </p:stCondLst>
-                      <p:childTnLst>
-                        <p:par>
-                          <p:cTn id="4" fill="hold">
-                            <p:stCondLst>
-                              <p:cond delay="0"/>
-                            </p:stCondLst>
-                            <p:childTnLst>
-                              <p:par>
-                                <p:cTn id="5" presetID="1" presetClass="entr" presetSubtype="0" fill="hold" grpId="0" nodeType="clickEffect">
-                                  <p:stCondLst>
-                                    <p:cond delay="0"/>
-                                  </p:stCondLst>
-                                  <p:childTnLst>
-                                    <p:set>
-                                      <p:cBhvr>
-                                        <p:cTn id="6" dur="1" fill="hold">
-                                          <p:stCondLst>
-                                            <p:cond delay="0"/>
-                                          </p:stCondLst>
-                                        </p:cTn>
-                                        <p:tgtEl>
-                                          <p:spTgt spid="4"/>
-                                        </p:tgtEl>
-                                        <p:attrNameLst>
-                                          <p:attrName>style.visibility</p:attrName>
-                                        </p:attrNameLst>
-                                      </p:cBhvr>
-                                      <p:to>
-                                        <p:strVal val="visible"/>
-                                      </p:to>
-                                    </p:set>
-                                  </p:childTnLst>
-                                </p:cTn>
-                              </p:par>
-                            </p:childTnLst>
-                          </p:cTn>
-                        </p:par>
-                      </p:childTnLst>
-                    </p:cTn>
-                  </p:par>
-                </p:childTnLst>
-              </p:cTn>
-              <p:prevCondLst>
-                <p:cond evt="onPrev" delay="0">
-                  <p:tgtEl>
-                    <p:sldTgt/>
-                  </p:tgtEl>
-                </p:cond>
-              </p:prevCondLst>
-              <p:nextCondLst>
-                <p:cond evt="onNext" delay="0">
-                  <p:tgtEl>
-                    <p:sldTgt/>
-                  </p:tgtEl>
-                </p:cond>
-              </p:nextCondLst>
-            </p:seq>
-          </p:childTnLst>
-        </p:cTn>
-      </p:par>
-    </p:tnLst>
-    <p:bldLst>
-      <p:bldP spid="4" grpId="0" animBg="1"/>
-    </p:bldLst>
-  </p:timing>
 </p:sld>
 </file>
 
@@ -19320,7 +20346,49 @@
               <a:rPr lang="en-US" dirty="0" err="1"/>
               <a:t>Elif</a:t>
             </a:r>
-            <a:endParaRPr lang="en-US" dirty="0"/>
+            <a:r>
+              <a:rPr lang="en-US" dirty="0"/>
+              <a:t> – Part 1</a:t>
+            </a:r>
+          </a:p>
+        </p:txBody>
+      </p:sp>
+      <p:sp>
+        <p:nvSpPr>
+          <p:cNvPr id="3" name="Text Placeholder 2">
+            <a:extLst>
+              <a:ext uri="{FF2B5EF4-FFF2-40B4-BE49-F238E27FC236}">
+                <a16:creationId xmlns:a16="http://schemas.microsoft.com/office/drawing/2014/main" id="{E9359C9E-81BD-C144-8D15-63C7EB0113B3}"/>
+              </a:ext>
+            </a:extLst>
+          </p:cNvPr>
+          <p:cNvSpPr>
+            <a:spLocks noGrp="1"/>
+          </p:cNvSpPr>
+          <p:nvPr>
+            <p:ph type="body" idx="1"/>
+          </p:nvPr>
+        </p:nvSpPr>
+        <p:spPr>
+          <a:xfrm>
+            <a:off x="415638" y="857843"/>
+            <a:ext cx="8312700" cy="898913"/>
+          </a:xfrm>
+        </p:spPr>
+        <p:txBody>
+          <a:bodyPr/>
+          <a:lstStyle/>
+          <a:p>
+            <a:r>
+              <a:rPr lang="en-US" sz="1800" dirty="0"/>
+              <a:t>Used for chaining if statements</a:t>
+            </a:r>
+          </a:p>
+          <a:p>
+            <a:r>
+              <a:rPr lang="en-US" sz="1800" dirty="0"/>
+              <a:t>Let’s analyze the following code</a:t>
+            </a:r>
           </a:p>
         </p:txBody>
       </p:sp>
@@ -19338,8 +20406,8 @@
         </p:nvSpPr>
         <p:spPr>
           <a:xfrm>
-            <a:off x="539839" y="1294477"/>
-            <a:ext cx="5306648" cy="2554545"/>
+            <a:off x="823218" y="1873935"/>
+            <a:ext cx="5238916" cy="2893100"/>
           </a:xfrm>
           <a:prstGeom prst="rect">
             <a:avLst/>
@@ -19358,6 +20426,7 @@
                   <a:srgbClr val="CC7832"/>
                 </a:solidFill>
                 <a:latin typeface="Consolas" panose="020B0609020204030204" pitchFamily="49" charset="0"/>
+                <a:cs typeface="Consolas" panose="020B0609020204030204" pitchFamily="49" charset="0"/>
               </a:rPr>
               <a:t>def</a:t>
             </a:r>
@@ -19423,7 +20492,7 @@
                 </a:solidFill>
                 <a:latin typeface="Consolas" panose="020B0609020204030204" pitchFamily="49" charset="0"/>
               </a:rPr>
-              <a:t>    if </a:t>
+              <a:t>  if </a:t>
             </a:r>
             <a:r>
               <a:rPr lang="en-US" sz="1600" i="1" dirty="0">
@@ -19533,10 +20602,19 @@
                 </a:solidFill>
                 <a:latin typeface="Consolas" panose="020B0609020204030204" pitchFamily="49" charset="0"/>
               </a:rPr>
-              <a:t>    </a:t>
-            </a:r>
-            <a:r>
-              <a:rPr lang="en-US" sz="1600" dirty="0" err="1">
+              <a:t>  if </a:t>
+            </a:r>
+            <a:r>
+              <a:rPr lang="en-US" sz="1600" i="1" dirty="0">
+                <a:solidFill>
+                  <a:srgbClr val="9876AA"/>
+                </a:solidFill>
+                <a:latin typeface="Consolas" panose="020B0609020204030204" pitchFamily="49" charset="0"/>
+              </a:rPr>
+              <a:t>number</a:t>
+            </a:r>
+            <a:r>
+              <a:rPr lang="en-US" sz="1600" dirty="0">
                 <a:solidFill>
                   <a:schemeClr val="tx1">
                     <a:lumMod val="50000"/>
@@ -19544,7 +20622,16 @@
                 </a:solidFill>
                 <a:latin typeface="Consolas" panose="020B0609020204030204" pitchFamily="49" charset="0"/>
               </a:rPr>
-              <a:t>elif</a:t>
+              <a:t> &lt; </a:t>
+            </a:r>
+            <a:r>
+              <a:rPr lang="en-US" sz="1600" dirty="0">
+                <a:solidFill>
+                  <a:srgbClr val="6897BB"/>
+                </a:solidFill>
+                <a:latin typeface="Consolas" panose="020B0609020204030204" pitchFamily="49" charset="0"/>
+              </a:rPr>
+              <a:t>0</a:t>
             </a:r>
             <a:r>
               <a:rPr lang="en-US" sz="1600" dirty="0">
@@ -19555,17 +20642,10 @@
                 </a:solidFill>
                 <a:latin typeface="Consolas" panose="020B0609020204030204" pitchFamily="49" charset="0"/>
               </a:rPr>
-              <a:t> </a:t>
-            </a:r>
-            <a:r>
-              <a:rPr lang="en-US" sz="1600" i="1" dirty="0">
-                <a:solidFill>
-                  <a:srgbClr val="9876AA"/>
-                </a:solidFill>
-                <a:latin typeface="Consolas" panose="020B0609020204030204" pitchFamily="49" charset="0"/>
-              </a:rPr>
-              <a:t>number</a:t>
-            </a:r>
+              <a:t>:</a:t>
+            </a:r>
+          </a:p>
+          <a:p>
             <a:r>
               <a:rPr lang="en-US" sz="1600" dirty="0">
                 <a:solidFill>
@@ -19575,19 +20655,10 @@
                 </a:solidFill>
                 <a:latin typeface="Consolas" panose="020B0609020204030204" pitchFamily="49" charset="0"/>
               </a:rPr>
-              <a:t> &lt; </a:t>
-            </a:r>
-            <a:r>
-              <a:rPr lang="en-US" sz="1600" dirty="0">
-                <a:solidFill>
-                  <a:srgbClr val="6897BB"/>
-                </a:solidFill>
-                <a:latin typeface="Consolas" panose="020B0609020204030204" pitchFamily="49" charset="0"/>
-              </a:rPr>
-              <a:t>0</a:t>
-            </a:r>
-            <a:r>
-              <a:rPr lang="en-US" sz="1600" dirty="0">
+              <a:t>        print(</a:t>
+            </a:r>
+            <a:r>
+              <a:rPr lang="en-US" sz="1600" dirty="0" err="1">
                 <a:solidFill>
                   <a:schemeClr val="tx1">
                     <a:lumMod val="50000"/>
@@ -19595,10 +20666,8 @@
                 </a:solidFill>
                 <a:latin typeface="Consolas" panose="020B0609020204030204" pitchFamily="49" charset="0"/>
               </a:rPr>
-              <a:t>:</a:t>
-            </a:r>
-          </a:p>
-          <a:p>
+              <a:t>f'Negative</a:t>
+            </a:r>
             <a:r>
               <a:rPr lang="en-US" sz="1600" dirty="0">
                 <a:solidFill>
@@ -19608,7 +20677,7 @@
                 </a:solidFill>
                 <a:latin typeface="Consolas" panose="020B0609020204030204" pitchFamily="49" charset="0"/>
               </a:rPr>
-              <a:t>        print(</a:t>
+              <a:t> number: {</a:t>
             </a:r>
             <a:r>
               <a:rPr lang="en-US" sz="1600" dirty="0" err="1">
@@ -19619,7 +20688,7 @@
                 </a:solidFill>
                 <a:latin typeface="Consolas" panose="020B0609020204030204" pitchFamily="49" charset="0"/>
               </a:rPr>
-              <a:t>f'Negative</a:t>
+              <a:t>number:d</a:t>
             </a:r>
             <a:r>
               <a:rPr lang="en-US" sz="1600" dirty="0">
@@ -19630,10 +20699,12 @@
                 </a:solidFill>
                 <a:latin typeface="Consolas" panose="020B0609020204030204" pitchFamily="49" charset="0"/>
               </a:rPr>
-              <a:t> number: {</a:t>
-            </a:r>
-            <a:r>
-              <a:rPr lang="en-US" sz="1600" dirty="0" err="1">
+              <a:t>}')    </a:t>
+            </a:r>
+          </a:p>
+          <a:p>
+            <a:r>
+              <a:rPr lang="en-US" sz="1600" dirty="0">
                 <a:solidFill>
                   <a:schemeClr val="tx1">
                     <a:lumMod val="50000"/>
@@ -19641,7 +20712,16 @@
                 </a:solidFill>
                 <a:latin typeface="Consolas" panose="020B0609020204030204" pitchFamily="49" charset="0"/>
               </a:rPr>
-              <a:t>number:d</a:t>
+              <a:t>  if </a:t>
+            </a:r>
+            <a:r>
+              <a:rPr lang="en-US" sz="1600" i="1" dirty="0">
+                <a:solidFill>
+                  <a:srgbClr val="9876AA"/>
+                </a:solidFill>
+                <a:latin typeface="Consolas" panose="020B0609020204030204" pitchFamily="49" charset="0"/>
+              </a:rPr>
+              <a:t>number</a:t>
             </a:r>
             <a:r>
               <a:rPr lang="en-US" sz="1600" dirty="0">
@@ -19652,10 +20732,17 @@
                 </a:solidFill>
                 <a:latin typeface="Consolas" panose="020B0609020204030204" pitchFamily="49" charset="0"/>
               </a:rPr>
-              <a:t>}')</a:t>
-            </a:r>
-          </a:p>
-          <a:p>
+              <a:t> == </a:t>
+            </a:r>
+            <a:r>
+              <a:rPr lang="en-US" sz="1600" dirty="0">
+                <a:solidFill>
+                  <a:srgbClr val="6897BB"/>
+                </a:solidFill>
+                <a:latin typeface="Consolas" panose="020B0609020204030204" pitchFamily="49" charset="0"/>
+              </a:rPr>
+              <a:t>0</a:t>
+            </a:r>
             <a:r>
               <a:rPr lang="en-US" sz="1600" dirty="0">
                 <a:solidFill>
@@ -19665,10 +20752,12 @@
                 </a:solidFill>
                 <a:latin typeface="Consolas" panose="020B0609020204030204" pitchFamily="49" charset="0"/>
               </a:rPr>
-              <a:t>    </a:t>
-            </a:r>
-            <a:r>
-              <a:rPr lang="en-US" sz="1600" dirty="0" err="1">
+              <a:t>:</a:t>
+            </a:r>
+          </a:p>
+          <a:p>
+            <a:r>
+              <a:rPr lang="en-US" sz="1600" dirty="0">
                 <a:solidFill>
                   <a:schemeClr val="tx1">
                     <a:lumMod val="50000"/>
@@ -19676,8 +20765,10 @@
                 </a:solidFill>
                 <a:latin typeface="Consolas" panose="020B0609020204030204" pitchFamily="49" charset="0"/>
               </a:rPr>
-              <a:t>else:print</a:t>
-            </a:r>
+              <a:t>        print("Number 0")</a:t>
+            </a:r>
+          </a:p>
+          <a:p>
             <a:r>
               <a:rPr lang="en-US" sz="1600" dirty="0">
                 <a:solidFill>
@@ -19687,40 +20778,7 @@
                 </a:solidFill>
                 <a:latin typeface="Consolas" panose="020B0609020204030204" pitchFamily="49" charset="0"/>
               </a:rPr>
-              <a:t>("Number </a:t>
-            </a:r>
-            <a:r>
-              <a:rPr lang="en-US" sz="1600" dirty="0">
-                <a:solidFill>
-                  <a:srgbClr val="6897BB"/>
-                </a:solidFill>
-                <a:latin typeface="Consolas" panose="020B0609020204030204" pitchFamily="49" charset="0"/>
-              </a:rPr>
-              <a:t>0</a:t>
-            </a:r>
-            <a:r>
-              <a:rPr lang="en-US" sz="1600" dirty="0">
-                <a:solidFill>
-                  <a:schemeClr val="tx1">
-                    <a:lumMod val="50000"/>
-                  </a:schemeClr>
-                </a:solidFill>
-                <a:latin typeface="Consolas" panose="020B0609020204030204" pitchFamily="49" charset="0"/>
-              </a:rPr>
-              <a:t>")</a:t>
-            </a:r>
-          </a:p>
-          <a:p>
-            <a:r>
-              <a:rPr lang="en-US" sz="1600" dirty="0">
-                <a:solidFill>
-                  <a:schemeClr val="tx1">
-                    <a:lumMod val="50000"/>
-                  </a:schemeClr>
-                </a:solidFill>
-                <a:latin typeface="Consolas" panose="020B0609020204030204" pitchFamily="49" charset="0"/>
-              </a:rPr>
-              <a:t> </a:t>
+              <a:t>        </a:t>
             </a:r>
           </a:p>
           <a:p>
@@ -19900,7 +20958,7 @@
             </a:r>
             <a:r>
               <a:rPr lang="en-US" sz="1800" dirty="0"/>
-              <a:t> now?</a:t>
+              <a:t>?</a:t>
             </a:r>
           </a:p>
         </p:txBody>
@@ -19908,7 +20966,7 @@
     </p:spTree>
     <p:extLst>
       <p:ext uri="{BB962C8B-B14F-4D97-AF65-F5344CB8AC3E}">
-        <p14:creationId xmlns:p14="http://schemas.microsoft.com/office/powerpoint/2010/main" val="2302542266"/>
+        <p14:creationId xmlns:p14="http://schemas.microsoft.com/office/powerpoint/2010/main" val="1686460947"/>
       </p:ext>
     </p:extLst>
   </p:cSld>
@@ -20021,7 +21079,7 @@
           <p:cNvPr id="2" name="Title 1">
             <a:extLst>
               <a:ext uri="{FF2B5EF4-FFF2-40B4-BE49-F238E27FC236}">
-                <a16:creationId xmlns:a16="http://schemas.microsoft.com/office/drawing/2014/main" id="{9F025B83-0F1C-3A45-9135-939C71D92995}"/>
+                <a16:creationId xmlns:a16="http://schemas.microsoft.com/office/drawing/2014/main" id="{84C0EF4A-2C3E-194F-B62B-FF48FC1462D9}"/>
               </a:ext>
             </a:extLst>
           </p:cNvPr>
@@ -20032,7 +21090,12 @@
             <p:ph type="title"/>
           </p:nvPr>
         </p:nvSpPr>
-        <p:spPr/>
+        <p:spPr>
+          <a:xfrm>
+            <a:off x="415638" y="193078"/>
+            <a:ext cx="8312700" cy="672000"/>
+          </a:xfrm>
+        </p:spPr>
         <p:txBody>
           <a:bodyPr/>
           <a:lstStyle/>
@@ -20043,636 +21106,7 @@
             </a:r>
             <a:r>
               <a:rPr lang="en-US" dirty="0"/>
-              <a:t> – Group Practice 1</a:t>
-            </a:r>
-          </a:p>
-        </p:txBody>
-      </p:sp>
-      <p:sp>
-        <p:nvSpPr>
-          <p:cNvPr id="4" name="Rectangle 3">
-            <a:extLst>
-              <a:ext uri="{FF2B5EF4-FFF2-40B4-BE49-F238E27FC236}">
-                <a16:creationId xmlns:a16="http://schemas.microsoft.com/office/drawing/2014/main" id="{99A0D7FE-ADAA-344D-A4B2-36253BAAD5C4}"/>
-              </a:ext>
-            </a:extLst>
-          </p:cNvPr>
-          <p:cNvSpPr/>
-          <p:nvPr/>
-        </p:nvSpPr>
-        <p:spPr>
-          <a:xfrm>
-            <a:off x="718197" y="1322270"/>
-            <a:ext cx="7418851" cy="3323987"/>
-          </a:xfrm>
-          <a:prstGeom prst="rect">
-            <a:avLst/>
-          </a:prstGeom>
-        </p:spPr>
-        <p:txBody>
-          <a:bodyPr wrap="square">
-            <a:spAutoFit/>
-          </a:bodyPr>
-          <a:lstStyle/>
-          <a:p>
-            <a:r>
-              <a:rPr lang="en-US" dirty="0">
-                <a:solidFill>
-                  <a:srgbClr val="CC7832"/>
-                </a:solidFill>
-                <a:latin typeface="Consolas" panose="020B0609020204030204" pitchFamily="49" charset="0"/>
-                <a:cs typeface="Consolas" panose="020B0609020204030204" pitchFamily="49" charset="0"/>
-              </a:rPr>
-              <a:t>def </a:t>
-            </a:r>
-            <a:r>
-              <a:rPr lang="en-US" dirty="0" err="1">
-                <a:solidFill>
-                  <a:srgbClr val="FFC66D"/>
-                </a:solidFill>
-                <a:latin typeface="Consolas" panose="020B0609020204030204" pitchFamily="49" charset="0"/>
-                <a:cs typeface="Consolas" panose="020B0609020204030204" pitchFamily="49" charset="0"/>
-              </a:rPr>
-              <a:t>broken_rogue</a:t>
-            </a:r>
-            <a:r>
-              <a:rPr lang="en-US" dirty="0">
-                <a:latin typeface="Consolas" panose="020B0609020204030204" pitchFamily="49" charset="0"/>
-                <a:cs typeface="Consolas" panose="020B0609020204030204" pitchFamily="49" charset="0"/>
-              </a:rPr>
-              <a:t>(</a:t>
-            </a:r>
-            <a:r>
-              <a:rPr lang="en-US" dirty="0" err="1">
-                <a:latin typeface="Consolas" panose="020B0609020204030204" pitchFamily="49" charset="0"/>
-                <a:cs typeface="Consolas" panose="020B0609020204030204" pitchFamily="49" charset="0"/>
-              </a:rPr>
-              <a:t>dice_roll</a:t>
-            </a:r>
-            <a:r>
-              <a:rPr lang="en-US" dirty="0">
-                <a:latin typeface="Consolas" panose="020B0609020204030204" pitchFamily="49" charset="0"/>
-                <a:cs typeface="Consolas" panose="020B0609020204030204" pitchFamily="49" charset="0"/>
-              </a:rPr>
-              <a:t>):</a:t>
-            </a:r>
-            <a:br>
-              <a:rPr lang="en-US" dirty="0">
-                <a:latin typeface="Consolas" panose="020B0609020204030204" pitchFamily="49" charset="0"/>
-                <a:cs typeface="Consolas" panose="020B0609020204030204" pitchFamily="49" charset="0"/>
-              </a:rPr>
-            </a:br>
-            <a:r>
-              <a:rPr lang="en-US" dirty="0">
-                <a:latin typeface="Consolas" panose="020B0609020204030204" pitchFamily="49" charset="0"/>
-                <a:cs typeface="Consolas" panose="020B0609020204030204" pitchFamily="49" charset="0"/>
-              </a:rPr>
-              <a:t>    </a:t>
-            </a:r>
-            <a:r>
-              <a:rPr lang="en-US" dirty="0">
-                <a:solidFill>
-                  <a:srgbClr val="CC7832"/>
-                </a:solidFill>
-                <a:latin typeface="Consolas" panose="020B0609020204030204" pitchFamily="49" charset="0"/>
-                <a:cs typeface="Consolas" panose="020B0609020204030204" pitchFamily="49" charset="0"/>
-              </a:rPr>
-              <a:t>if </a:t>
-            </a:r>
-            <a:r>
-              <a:rPr lang="en-US" dirty="0" err="1">
-                <a:latin typeface="Consolas" panose="020B0609020204030204" pitchFamily="49" charset="0"/>
-                <a:cs typeface="Consolas" panose="020B0609020204030204" pitchFamily="49" charset="0"/>
-              </a:rPr>
-              <a:t>dice_roll</a:t>
-            </a:r>
-            <a:r>
-              <a:rPr lang="en-US" dirty="0">
-                <a:latin typeface="Consolas" panose="020B0609020204030204" pitchFamily="49" charset="0"/>
-                <a:cs typeface="Consolas" panose="020B0609020204030204" pitchFamily="49" charset="0"/>
-              </a:rPr>
-              <a:t> &gt;= </a:t>
-            </a:r>
-            <a:r>
-              <a:rPr lang="en-US" dirty="0">
-                <a:solidFill>
-                  <a:srgbClr val="6897BB"/>
-                </a:solidFill>
-                <a:latin typeface="Consolas" panose="020B0609020204030204" pitchFamily="49" charset="0"/>
-                <a:cs typeface="Consolas" panose="020B0609020204030204" pitchFamily="49" charset="0"/>
-              </a:rPr>
-              <a:t>10</a:t>
-            </a:r>
-            <a:r>
-              <a:rPr lang="en-US" dirty="0">
-                <a:latin typeface="Consolas" panose="020B0609020204030204" pitchFamily="49" charset="0"/>
-                <a:cs typeface="Consolas" panose="020B0609020204030204" pitchFamily="49" charset="0"/>
-              </a:rPr>
-              <a:t>:</a:t>
-            </a:r>
-            <a:br>
-              <a:rPr lang="en-US" dirty="0">
-                <a:latin typeface="Consolas" panose="020B0609020204030204" pitchFamily="49" charset="0"/>
-                <a:cs typeface="Consolas" panose="020B0609020204030204" pitchFamily="49" charset="0"/>
-              </a:rPr>
-            </a:br>
-            <a:r>
-              <a:rPr lang="en-US" dirty="0">
-                <a:latin typeface="Consolas" panose="020B0609020204030204" pitchFamily="49" charset="0"/>
-                <a:cs typeface="Consolas" panose="020B0609020204030204" pitchFamily="49" charset="0"/>
-              </a:rPr>
-              <a:t>        </a:t>
-            </a:r>
-            <a:r>
-              <a:rPr lang="en-US" dirty="0">
-                <a:solidFill>
-                  <a:srgbClr val="CC7832"/>
-                </a:solidFill>
-                <a:latin typeface="Consolas" panose="020B0609020204030204" pitchFamily="49" charset="0"/>
-                <a:cs typeface="Consolas" panose="020B0609020204030204" pitchFamily="49" charset="0"/>
-              </a:rPr>
-              <a:t>if </a:t>
-            </a:r>
-            <a:r>
-              <a:rPr lang="en-US" dirty="0" err="1">
-                <a:latin typeface="Consolas" panose="020B0609020204030204" pitchFamily="49" charset="0"/>
-                <a:cs typeface="Consolas" panose="020B0609020204030204" pitchFamily="49" charset="0"/>
-              </a:rPr>
-              <a:t>dice_roll</a:t>
-            </a:r>
-            <a:r>
-              <a:rPr lang="en-US" dirty="0">
-                <a:latin typeface="Consolas" panose="020B0609020204030204" pitchFamily="49" charset="0"/>
-                <a:cs typeface="Consolas" panose="020B0609020204030204" pitchFamily="49" charset="0"/>
-              </a:rPr>
-              <a:t> &gt; </a:t>
-            </a:r>
-            <a:r>
-              <a:rPr lang="en-US" dirty="0">
-                <a:solidFill>
-                  <a:srgbClr val="6897BB"/>
-                </a:solidFill>
-                <a:latin typeface="Consolas" panose="020B0609020204030204" pitchFamily="49" charset="0"/>
-                <a:cs typeface="Consolas" panose="020B0609020204030204" pitchFamily="49" charset="0"/>
-              </a:rPr>
-              <a:t>15</a:t>
-            </a:r>
-            <a:r>
-              <a:rPr lang="en-US" dirty="0">
-                <a:latin typeface="Consolas" panose="020B0609020204030204" pitchFamily="49" charset="0"/>
-                <a:cs typeface="Consolas" panose="020B0609020204030204" pitchFamily="49" charset="0"/>
-              </a:rPr>
-              <a:t>:</a:t>
-            </a:r>
-            <a:br>
-              <a:rPr lang="en-US" dirty="0">
-                <a:latin typeface="Consolas" panose="020B0609020204030204" pitchFamily="49" charset="0"/>
-                <a:cs typeface="Consolas" panose="020B0609020204030204" pitchFamily="49" charset="0"/>
-              </a:rPr>
-            </a:br>
-            <a:r>
-              <a:rPr lang="en-US" dirty="0">
-                <a:latin typeface="Consolas" panose="020B0609020204030204" pitchFamily="49" charset="0"/>
-                <a:cs typeface="Consolas" panose="020B0609020204030204" pitchFamily="49" charset="0"/>
-              </a:rPr>
-              <a:t>            </a:t>
-            </a:r>
-            <a:r>
-              <a:rPr lang="en-US" dirty="0">
-                <a:solidFill>
-                  <a:srgbClr val="8888C6"/>
-                </a:solidFill>
-                <a:latin typeface="Consolas" panose="020B0609020204030204" pitchFamily="49" charset="0"/>
-                <a:cs typeface="Consolas" panose="020B0609020204030204" pitchFamily="49" charset="0"/>
-              </a:rPr>
-              <a:t>print</a:t>
-            </a:r>
-            <a:r>
-              <a:rPr lang="en-US" dirty="0">
-                <a:latin typeface="Consolas" panose="020B0609020204030204" pitchFamily="49" charset="0"/>
-                <a:cs typeface="Consolas" panose="020B0609020204030204" pitchFamily="49" charset="0"/>
-              </a:rPr>
-              <a:t>(</a:t>
-            </a:r>
-            <a:r>
-              <a:rPr lang="en-US" dirty="0">
-                <a:solidFill>
-                  <a:srgbClr val="6A8759"/>
-                </a:solidFill>
-                <a:latin typeface="Consolas" panose="020B0609020204030204" pitchFamily="49" charset="0"/>
-                <a:cs typeface="Consolas" panose="020B0609020204030204" pitchFamily="49" charset="0"/>
-              </a:rPr>
-              <a:t>"Trap Disarmed!"</a:t>
-            </a:r>
-            <a:r>
-              <a:rPr lang="en-US" dirty="0">
-                <a:latin typeface="Consolas" panose="020B0609020204030204" pitchFamily="49" charset="0"/>
-                <a:cs typeface="Consolas" panose="020B0609020204030204" pitchFamily="49" charset="0"/>
-              </a:rPr>
-              <a:t>)</a:t>
-            </a:r>
-            <a:br>
-              <a:rPr lang="en-US" dirty="0">
-                <a:latin typeface="Consolas" panose="020B0609020204030204" pitchFamily="49" charset="0"/>
-                <a:cs typeface="Consolas" panose="020B0609020204030204" pitchFamily="49" charset="0"/>
-              </a:rPr>
-            </a:br>
-            <a:r>
-              <a:rPr lang="en-US" dirty="0">
-                <a:latin typeface="Consolas" panose="020B0609020204030204" pitchFamily="49" charset="0"/>
-                <a:cs typeface="Consolas" panose="020B0609020204030204" pitchFamily="49" charset="0"/>
-              </a:rPr>
-              <a:t>        </a:t>
-            </a:r>
-            <a:r>
-              <a:rPr lang="en-US" dirty="0">
-                <a:solidFill>
-                  <a:srgbClr val="CC7832"/>
-                </a:solidFill>
-                <a:latin typeface="Consolas" panose="020B0609020204030204" pitchFamily="49" charset="0"/>
-                <a:cs typeface="Consolas" panose="020B0609020204030204" pitchFamily="49" charset="0"/>
-              </a:rPr>
-              <a:t>else</a:t>
-            </a:r>
-            <a:r>
-              <a:rPr lang="en-US" dirty="0">
-                <a:latin typeface="Consolas" panose="020B0609020204030204" pitchFamily="49" charset="0"/>
-                <a:cs typeface="Consolas" panose="020B0609020204030204" pitchFamily="49" charset="0"/>
-              </a:rPr>
-              <a:t>:</a:t>
-            </a:r>
-            <a:br>
-              <a:rPr lang="en-US" dirty="0">
-                <a:latin typeface="Consolas" panose="020B0609020204030204" pitchFamily="49" charset="0"/>
-                <a:cs typeface="Consolas" panose="020B0609020204030204" pitchFamily="49" charset="0"/>
-              </a:rPr>
-            </a:br>
-            <a:r>
-              <a:rPr lang="en-US" dirty="0">
-                <a:latin typeface="Consolas" panose="020B0609020204030204" pitchFamily="49" charset="0"/>
-                <a:cs typeface="Consolas" panose="020B0609020204030204" pitchFamily="49" charset="0"/>
-              </a:rPr>
-              <a:t>            </a:t>
-            </a:r>
-            <a:r>
-              <a:rPr lang="en-US" dirty="0">
-                <a:solidFill>
-                  <a:srgbClr val="8888C6"/>
-                </a:solidFill>
-                <a:latin typeface="Consolas" panose="020B0609020204030204" pitchFamily="49" charset="0"/>
-                <a:cs typeface="Consolas" panose="020B0609020204030204" pitchFamily="49" charset="0"/>
-              </a:rPr>
-              <a:t>print</a:t>
-            </a:r>
-            <a:r>
-              <a:rPr lang="en-US" dirty="0">
-                <a:latin typeface="Consolas" panose="020B0609020204030204" pitchFamily="49" charset="0"/>
-                <a:cs typeface="Consolas" panose="020B0609020204030204" pitchFamily="49" charset="0"/>
-              </a:rPr>
-              <a:t>(</a:t>
-            </a:r>
-            <a:r>
-              <a:rPr lang="en-US" dirty="0">
-                <a:solidFill>
-                  <a:srgbClr val="6A8759"/>
-                </a:solidFill>
-                <a:latin typeface="Consolas" panose="020B0609020204030204" pitchFamily="49" charset="0"/>
-                <a:cs typeface="Consolas" panose="020B0609020204030204" pitchFamily="49" charset="0"/>
-              </a:rPr>
-              <a:t>"Get the 10-foot pole..."</a:t>
-            </a:r>
-            <a:r>
-              <a:rPr lang="en-US" dirty="0">
-                <a:latin typeface="Consolas" panose="020B0609020204030204" pitchFamily="49" charset="0"/>
-                <a:cs typeface="Consolas" panose="020B0609020204030204" pitchFamily="49" charset="0"/>
-              </a:rPr>
-              <a:t>)</a:t>
-            </a:r>
-            <a:br>
-              <a:rPr lang="en-US" dirty="0">
-                <a:latin typeface="Consolas" panose="020B0609020204030204" pitchFamily="49" charset="0"/>
-                <a:cs typeface="Consolas" panose="020B0609020204030204" pitchFamily="49" charset="0"/>
-              </a:rPr>
-            </a:br>
-            <a:r>
-              <a:rPr lang="en-US" dirty="0">
-                <a:latin typeface="Consolas" panose="020B0609020204030204" pitchFamily="49" charset="0"/>
-                <a:cs typeface="Consolas" panose="020B0609020204030204" pitchFamily="49" charset="0"/>
-              </a:rPr>
-              <a:t>    </a:t>
-            </a:r>
-            <a:r>
-              <a:rPr lang="en-US" dirty="0" err="1">
-                <a:solidFill>
-                  <a:srgbClr val="CC7832"/>
-                </a:solidFill>
-                <a:latin typeface="Consolas" panose="020B0609020204030204" pitchFamily="49" charset="0"/>
-                <a:cs typeface="Consolas" panose="020B0609020204030204" pitchFamily="49" charset="0"/>
-              </a:rPr>
-              <a:t>elif</a:t>
-            </a:r>
-            <a:r>
-              <a:rPr lang="en-US" dirty="0">
-                <a:solidFill>
-                  <a:srgbClr val="CC7832"/>
-                </a:solidFill>
-                <a:latin typeface="Consolas" panose="020B0609020204030204" pitchFamily="49" charset="0"/>
-                <a:cs typeface="Consolas" panose="020B0609020204030204" pitchFamily="49" charset="0"/>
-              </a:rPr>
-              <a:t> </a:t>
-            </a:r>
-            <a:r>
-              <a:rPr lang="en-US" dirty="0" err="1">
-                <a:latin typeface="Consolas" panose="020B0609020204030204" pitchFamily="49" charset="0"/>
-                <a:cs typeface="Consolas" panose="020B0609020204030204" pitchFamily="49" charset="0"/>
-              </a:rPr>
-              <a:t>dice_roll</a:t>
-            </a:r>
-            <a:r>
-              <a:rPr lang="en-US" dirty="0">
-                <a:latin typeface="Consolas" panose="020B0609020204030204" pitchFamily="49" charset="0"/>
-                <a:cs typeface="Consolas" panose="020B0609020204030204" pitchFamily="49" charset="0"/>
-              </a:rPr>
-              <a:t> &gt;= </a:t>
-            </a:r>
-            <a:r>
-              <a:rPr lang="en-US" dirty="0">
-                <a:solidFill>
-                  <a:srgbClr val="6897BB"/>
-                </a:solidFill>
-                <a:latin typeface="Consolas" panose="020B0609020204030204" pitchFamily="49" charset="0"/>
-                <a:cs typeface="Consolas" panose="020B0609020204030204" pitchFamily="49" charset="0"/>
-              </a:rPr>
-              <a:t>5</a:t>
-            </a:r>
-            <a:r>
-              <a:rPr lang="en-US" dirty="0">
-                <a:latin typeface="Consolas" panose="020B0609020204030204" pitchFamily="49" charset="0"/>
-                <a:cs typeface="Consolas" panose="020B0609020204030204" pitchFamily="49" charset="0"/>
-              </a:rPr>
-              <a:t>:</a:t>
-            </a:r>
-            <a:br>
-              <a:rPr lang="en-US" dirty="0">
-                <a:latin typeface="Consolas" panose="020B0609020204030204" pitchFamily="49" charset="0"/>
-                <a:cs typeface="Consolas" panose="020B0609020204030204" pitchFamily="49" charset="0"/>
-              </a:rPr>
-            </a:br>
-            <a:r>
-              <a:rPr lang="en-US" dirty="0">
-                <a:latin typeface="Consolas" panose="020B0609020204030204" pitchFamily="49" charset="0"/>
-                <a:cs typeface="Consolas" panose="020B0609020204030204" pitchFamily="49" charset="0"/>
-              </a:rPr>
-              <a:t>        </a:t>
-            </a:r>
-            <a:r>
-              <a:rPr lang="en-US" dirty="0">
-                <a:solidFill>
-                  <a:srgbClr val="8888C6"/>
-                </a:solidFill>
-                <a:latin typeface="Consolas" panose="020B0609020204030204" pitchFamily="49" charset="0"/>
-                <a:cs typeface="Consolas" panose="020B0609020204030204" pitchFamily="49" charset="0"/>
-              </a:rPr>
-              <a:t>print</a:t>
-            </a:r>
-            <a:r>
-              <a:rPr lang="en-US" dirty="0">
-                <a:latin typeface="Consolas" panose="020B0609020204030204" pitchFamily="49" charset="0"/>
-                <a:cs typeface="Consolas" panose="020B0609020204030204" pitchFamily="49" charset="0"/>
-              </a:rPr>
-              <a:t>(</a:t>
-            </a:r>
-            <a:r>
-              <a:rPr lang="en-US" dirty="0">
-                <a:solidFill>
-                  <a:srgbClr val="6A8759"/>
-                </a:solidFill>
-                <a:latin typeface="Consolas" panose="020B0609020204030204" pitchFamily="49" charset="0"/>
-                <a:cs typeface="Consolas" panose="020B0609020204030204" pitchFamily="49" charset="0"/>
-              </a:rPr>
-              <a:t>"As far as I am aware, no traps."</a:t>
-            </a:r>
-            <a:r>
-              <a:rPr lang="en-US" dirty="0">
-                <a:latin typeface="Consolas" panose="020B0609020204030204" pitchFamily="49" charset="0"/>
-                <a:cs typeface="Consolas" panose="020B0609020204030204" pitchFamily="49" charset="0"/>
-              </a:rPr>
-              <a:t>)</a:t>
-            </a:r>
-            <a:br>
-              <a:rPr lang="en-US" dirty="0">
-                <a:latin typeface="Consolas" panose="020B0609020204030204" pitchFamily="49" charset="0"/>
-                <a:cs typeface="Consolas" panose="020B0609020204030204" pitchFamily="49" charset="0"/>
-              </a:rPr>
-            </a:br>
-            <a:r>
-              <a:rPr lang="en-US" dirty="0">
-                <a:latin typeface="Consolas" panose="020B0609020204030204" pitchFamily="49" charset="0"/>
-                <a:cs typeface="Consolas" panose="020B0609020204030204" pitchFamily="49" charset="0"/>
-              </a:rPr>
-              <a:t>    </a:t>
-            </a:r>
-            <a:r>
-              <a:rPr lang="en-US" dirty="0">
-                <a:solidFill>
-                  <a:srgbClr val="CC7832"/>
-                </a:solidFill>
-                <a:latin typeface="Consolas" panose="020B0609020204030204" pitchFamily="49" charset="0"/>
-                <a:cs typeface="Consolas" panose="020B0609020204030204" pitchFamily="49" charset="0"/>
-              </a:rPr>
-              <a:t>else</a:t>
-            </a:r>
-            <a:r>
-              <a:rPr lang="en-US" dirty="0">
-                <a:latin typeface="Consolas" panose="020B0609020204030204" pitchFamily="49" charset="0"/>
-                <a:cs typeface="Consolas" panose="020B0609020204030204" pitchFamily="49" charset="0"/>
-              </a:rPr>
-              <a:t>:</a:t>
-            </a:r>
-            <a:br>
-              <a:rPr lang="en-US" dirty="0">
-                <a:latin typeface="Consolas" panose="020B0609020204030204" pitchFamily="49" charset="0"/>
-                <a:cs typeface="Consolas" panose="020B0609020204030204" pitchFamily="49" charset="0"/>
-              </a:rPr>
-            </a:br>
-            <a:r>
-              <a:rPr lang="en-US" dirty="0">
-                <a:latin typeface="Consolas" panose="020B0609020204030204" pitchFamily="49" charset="0"/>
-                <a:cs typeface="Consolas" panose="020B0609020204030204" pitchFamily="49" charset="0"/>
-              </a:rPr>
-              <a:t>        </a:t>
-            </a:r>
-            <a:r>
-              <a:rPr lang="en-US" dirty="0">
-                <a:solidFill>
-                  <a:srgbClr val="8888C6"/>
-                </a:solidFill>
-                <a:latin typeface="Consolas" panose="020B0609020204030204" pitchFamily="49" charset="0"/>
-                <a:cs typeface="Consolas" panose="020B0609020204030204" pitchFamily="49" charset="0"/>
-              </a:rPr>
-              <a:t>print</a:t>
-            </a:r>
-            <a:r>
-              <a:rPr lang="en-US" dirty="0">
-                <a:latin typeface="Consolas" panose="020B0609020204030204" pitchFamily="49" charset="0"/>
-                <a:cs typeface="Consolas" panose="020B0609020204030204" pitchFamily="49" charset="0"/>
-              </a:rPr>
-              <a:t>(</a:t>
-            </a:r>
-            <a:r>
-              <a:rPr lang="en-US" dirty="0">
-                <a:solidFill>
-                  <a:srgbClr val="6A8759"/>
-                </a:solidFill>
-                <a:latin typeface="Consolas" panose="020B0609020204030204" pitchFamily="49" charset="0"/>
-                <a:cs typeface="Consolas" panose="020B0609020204030204" pitchFamily="49" charset="0"/>
-              </a:rPr>
-              <a:t>"Found the trap!"</a:t>
-            </a:r>
-            <a:r>
-              <a:rPr lang="en-US" dirty="0">
-                <a:latin typeface="Consolas" panose="020B0609020204030204" pitchFamily="49" charset="0"/>
-                <a:cs typeface="Consolas" panose="020B0609020204030204" pitchFamily="49" charset="0"/>
-              </a:rPr>
-              <a:t>)</a:t>
-            </a:r>
-          </a:p>
-          <a:p>
-            <a:endParaRPr lang="en-US" dirty="0">
-              <a:latin typeface="Consolas" panose="020B0609020204030204" pitchFamily="49" charset="0"/>
-              <a:cs typeface="Consolas" panose="020B0609020204030204" pitchFamily="49" charset="0"/>
-            </a:endParaRPr>
-          </a:p>
-          <a:p>
-            <a:r>
-              <a:rPr lang="en-US" dirty="0" err="1">
-                <a:latin typeface="Consolas" panose="020B0609020204030204" pitchFamily="49" charset="0"/>
-                <a:cs typeface="Consolas" panose="020B0609020204030204" pitchFamily="49" charset="0"/>
-              </a:rPr>
-              <a:t>broken_rogue</a:t>
-            </a:r>
-            <a:r>
-              <a:rPr lang="en-US" dirty="0">
-                <a:latin typeface="Consolas" panose="020B0609020204030204" pitchFamily="49" charset="0"/>
-                <a:cs typeface="Consolas" panose="020B0609020204030204" pitchFamily="49" charset="0"/>
-              </a:rPr>
-              <a:t>(</a:t>
-            </a:r>
-            <a:r>
-              <a:rPr lang="en-US" dirty="0">
-                <a:solidFill>
-                  <a:srgbClr val="6897BB"/>
-                </a:solidFill>
-                <a:latin typeface="Consolas" panose="020B0609020204030204" pitchFamily="49" charset="0"/>
-                <a:cs typeface="Consolas" panose="020B0609020204030204" pitchFamily="49" charset="0"/>
-              </a:rPr>
-              <a:t>10</a:t>
-            </a:r>
-            <a:r>
-              <a:rPr lang="en-US" dirty="0">
-                <a:latin typeface="Consolas" panose="020B0609020204030204" pitchFamily="49" charset="0"/>
-                <a:cs typeface="Consolas" panose="020B0609020204030204" pitchFamily="49" charset="0"/>
-              </a:rPr>
-              <a:t>)</a:t>
-            </a:r>
-          </a:p>
-          <a:p>
-            <a:r>
-              <a:rPr lang="en-US" dirty="0" err="1">
-                <a:latin typeface="Consolas" panose="020B0609020204030204" pitchFamily="49" charset="0"/>
-                <a:cs typeface="Consolas" panose="020B0609020204030204" pitchFamily="49" charset="0"/>
-              </a:rPr>
-              <a:t>broken_rogue</a:t>
-            </a:r>
-            <a:r>
-              <a:rPr lang="en-US" dirty="0">
-                <a:latin typeface="Consolas" panose="020B0609020204030204" pitchFamily="49" charset="0"/>
-                <a:cs typeface="Consolas" panose="020B0609020204030204" pitchFamily="49" charset="0"/>
-              </a:rPr>
-              <a:t>(</a:t>
-            </a:r>
-            <a:r>
-              <a:rPr lang="en-US" dirty="0">
-                <a:solidFill>
-                  <a:srgbClr val="6897BB"/>
-                </a:solidFill>
-                <a:latin typeface="Consolas" panose="020B0609020204030204" pitchFamily="49" charset="0"/>
-                <a:cs typeface="Consolas" panose="020B0609020204030204" pitchFamily="49" charset="0"/>
-              </a:rPr>
-              <a:t>16</a:t>
-            </a:r>
-            <a:r>
-              <a:rPr lang="en-US" dirty="0">
-                <a:latin typeface="Consolas" panose="020B0609020204030204" pitchFamily="49" charset="0"/>
-                <a:cs typeface="Consolas" panose="020B0609020204030204" pitchFamily="49" charset="0"/>
-              </a:rPr>
-              <a:t>) </a:t>
-            </a:r>
-          </a:p>
-          <a:p>
-            <a:r>
-              <a:rPr lang="en-US" dirty="0" err="1">
-                <a:latin typeface="Consolas" panose="020B0609020204030204" pitchFamily="49" charset="0"/>
-                <a:cs typeface="Consolas" panose="020B0609020204030204" pitchFamily="49" charset="0"/>
-              </a:rPr>
-              <a:t>broken_rogue</a:t>
-            </a:r>
-            <a:r>
-              <a:rPr lang="en-US" dirty="0">
-                <a:latin typeface="Consolas" panose="020B0609020204030204" pitchFamily="49" charset="0"/>
-                <a:cs typeface="Consolas" panose="020B0609020204030204" pitchFamily="49" charset="0"/>
-              </a:rPr>
-              <a:t>(</a:t>
-            </a:r>
-            <a:r>
-              <a:rPr lang="en-US" dirty="0">
-                <a:solidFill>
-                  <a:srgbClr val="6897BB"/>
-                </a:solidFill>
-                <a:latin typeface="Consolas" panose="020B0609020204030204" pitchFamily="49" charset="0"/>
-                <a:cs typeface="Consolas" panose="020B0609020204030204" pitchFamily="49" charset="0"/>
-              </a:rPr>
-              <a:t>5</a:t>
-            </a:r>
-            <a:r>
-              <a:rPr lang="en-US" dirty="0">
-                <a:latin typeface="Consolas" panose="020B0609020204030204" pitchFamily="49" charset="0"/>
-                <a:cs typeface="Consolas" panose="020B0609020204030204" pitchFamily="49" charset="0"/>
-              </a:rPr>
-              <a:t>) </a:t>
-            </a:r>
-          </a:p>
-          <a:p>
-            <a:r>
-              <a:rPr lang="en-US" dirty="0" err="1">
-                <a:latin typeface="Consolas" panose="020B0609020204030204" pitchFamily="49" charset="0"/>
-                <a:cs typeface="Consolas" panose="020B0609020204030204" pitchFamily="49" charset="0"/>
-              </a:rPr>
-              <a:t>broken_rogue</a:t>
-            </a:r>
-            <a:r>
-              <a:rPr lang="en-US" dirty="0">
-                <a:latin typeface="Consolas" panose="020B0609020204030204" pitchFamily="49" charset="0"/>
-                <a:cs typeface="Consolas" panose="020B0609020204030204" pitchFamily="49" charset="0"/>
-              </a:rPr>
-              <a:t>(</a:t>
-            </a:r>
-            <a:r>
-              <a:rPr lang="en-US" dirty="0">
-                <a:solidFill>
-                  <a:srgbClr val="6897BB"/>
-                </a:solidFill>
-                <a:latin typeface="Consolas" panose="020B0609020204030204" pitchFamily="49" charset="0"/>
-                <a:cs typeface="Consolas" panose="020B0609020204030204" pitchFamily="49" charset="0"/>
-              </a:rPr>
-              <a:t>1</a:t>
-            </a:r>
-            <a:r>
-              <a:rPr lang="en-US" dirty="0">
-                <a:latin typeface="Consolas" panose="020B0609020204030204" pitchFamily="49" charset="0"/>
-                <a:cs typeface="Consolas" panose="020B0609020204030204" pitchFamily="49" charset="0"/>
-              </a:rPr>
-              <a:t>)</a:t>
+              <a:t> – Part 2</a:t>
             </a:r>
           </a:p>
         </p:txBody>
@@ -20682,7 +21116,7 @@
           <p:cNvPr id="5" name="TextBox 4">
             <a:extLst>
               <a:ext uri="{FF2B5EF4-FFF2-40B4-BE49-F238E27FC236}">
-                <a16:creationId xmlns:a16="http://schemas.microsoft.com/office/drawing/2014/main" id="{A5C63283-1D3E-8AF8-1EB6-0A02FB76BB91}"/>
+                <a16:creationId xmlns:a16="http://schemas.microsoft.com/office/drawing/2014/main" id="{35412793-F400-5C42-AC21-77E51CD11ED8}"/>
               </a:ext>
             </a:extLst>
           </p:cNvPr>
@@ -20691,8 +21125,8 @@
         </p:nvSpPr>
         <p:spPr>
           <a:xfrm>
-            <a:off x="2381956" y="3650467"/>
-            <a:ext cx="4583288" cy="307777"/>
+            <a:off x="539839" y="1294477"/>
+            <a:ext cx="5306648" cy="2554545"/>
           </a:xfrm>
           <a:prstGeom prst="rect">
             <a:avLst/>
@@ -20706,138 +21140,516 @@
           <a:lstStyle/>
           <a:p>
             <a:r>
-              <a:rPr lang="en-US" dirty="0">
-                <a:latin typeface="Consolas" panose="020B0609020204030204" pitchFamily="49" charset="0"/>
-                <a:cs typeface="Consolas" panose="020B0609020204030204" pitchFamily="49" charset="0"/>
-              </a:rPr>
-              <a:t># prints Get the 10-foot pole...</a:t>
-            </a:r>
-            <a:endParaRPr lang="en-US" dirty="0"/>
+              <a:rPr lang="en-US" sz="1600" dirty="0">
+                <a:solidFill>
+                  <a:srgbClr val="CC7832"/>
+                </a:solidFill>
+                <a:latin typeface="Consolas" panose="020B0609020204030204" pitchFamily="49" charset="0"/>
+              </a:rPr>
+              <a:t>def</a:t>
+            </a:r>
+            <a:r>
+              <a:rPr lang="en-US" sz="1600" dirty="0">
+                <a:solidFill>
+                  <a:schemeClr val="tx1">
+                    <a:lumMod val="50000"/>
+                  </a:schemeClr>
+                </a:solidFill>
+                <a:latin typeface="Consolas" panose="020B0609020204030204" pitchFamily="49" charset="0"/>
+              </a:rPr>
+              <a:t> </a:t>
+            </a:r>
+            <a:r>
+              <a:rPr lang="en-US" sz="1600" dirty="0" err="1">
+                <a:solidFill>
+                  <a:srgbClr val="FFC66D"/>
+                </a:solidFill>
+                <a:latin typeface="Consolas" panose="020B0609020204030204" pitchFamily="49" charset="0"/>
+              </a:rPr>
+              <a:t>verify_number</a:t>
+            </a:r>
+            <a:r>
+              <a:rPr lang="en-US" sz="1600" dirty="0">
+                <a:solidFill>
+                  <a:schemeClr val="tx1">
+                    <a:lumMod val="50000"/>
+                  </a:schemeClr>
+                </a:solidFill>
+                <a:latin typeface="Consolas" panose="020B0609020204030204" pitchFamily="49" charset="0"/>
+              </a:rPr>
+              <a:t>(</a:t>
+            </a:r>
+            <a:r>
+              <a:rPr lang="en-US" sz="1600" i="1" dirty="0">
+                <a:solidFill>
+                  <a:srgbClr val="9876AA"/>
+                </a:solidFill>
+                <a:latin typeface="Consolas" panose="020B0609020204030204" pitchFamily="49" charset="0"/>
+              </a:rPr>
+              <a:t>number</a:t>
+            </a:r>
+            <a:r>
+              <a:rPr lang="en-US" sz="1600" dirty="0">
+                <a:solidFill>
+                  <a:schemeClr val="tx1">
+                    <a:lumMod val="50000"/>
+                  </a:schemeClr>
+                </a:solidFill>
+                <a:latin typeface="Consolas" panose="020B0609020204030204" pitchFamily="49" charset="0"/>
+              </a:rPr>
+              <a:t>):</a:t>
+            </a:r>
+          </a:p>
+          <a:p>
+            <a:r>
+              <a:rPr lang="en-US" sz="1600" dirty="0">
+                <a:solidFill>
+                  <a:schemeClr val="tx1">
+                    <a:lumMod val="50000"/>
+                  </a:schemeClr>
+                </a:solidFill>
+                <a:latin typeface="Consolas" panose="020B0609020204030204" pitchFamily="49" charset="0"/>
+              </a:rPr>
+              <a:t>    if </a:t>
+            </a:r>
+            <a:r>
+              <a:rPr lang="en-US" sz="1600" i="1" dirty="0">
+                <a:solidFill>
+                  <a:srgbClr val="9876AA"/>
+                </a:solidFill>
+                <a:latin typeface="Consolas" panose="020B0609020204030204" pitchFamily="49" charset="0"/>
+              </a:rPr>
+              <a:t>number</a:t>
+            </a:r>
+            <a:r>
+              <a:rPr lang="en-US" sz="1600" dirty="0">
+                <a:solidFill>
+                  <a:schemeClr val="tx1">
+                    <a:lumMod val="50000"/>
+                  </a:schemeClr>
+                </a:solidFill>
+                <a:latin typeface="Consolas" panose="020B0609020204030204" pitchFamily="49" charset="0"/>
+              </a:rPr>
+              <a:t> &gt; </a:t>
+            </a:r>
+            <a:r>
+              <a:rPr lang="en-US" sz="1600" dirty="0">
+                <a:solidFill>
+                  <a:srgbClr val="6897BB"/>
+                </a:solidFill>
+                <a:latin typeface="Consolas" panose="020B0609020204030204" pitchFamily="49" charset="0"/>
+              </a:rPr>
+              <a:t>0</a:t>
+            </a:r>
+            <a:r>
+              <a:rPr lang="en-US" sz="1600" dirty="0">
+                <a:solidFill>
+                  <a:schemeClr val="tx1">
+                    <a:lumMod val="50000"/>
+                  </a:schemeClr>
+                </a:solidFill>
+                <a:latin typeface="Consolas" panose="020B0609020204030204" pitchFamily="49" charset="0"/>
+              </a:rPr>
+              <a:t>:</a:t>
+            </a:r>
+          </a:p>
+          <a:p>
+            <a:r>
+              <a:rPr lang="en-US" sz="1600" dirty="0">
+                <a:solidFill>
+                  <a:schemeClr val="tx1">
+                    <a:lumMod val="50000"/>
+                  </a:schemeClr>
+                </a:solidFill>
+                <a:latin typeface="Consolas" panose="020B0609020204030204" pitchFamily="49" charset="0"/>
+              </a:rPr>
+              <a:t>        print(</a:t>
+            </a:r>
+            <a:r>
+              <a:rPr lang="en-US" sz="1600" dirty="0" err="1">
+                <a:solidFill>
+                  <a:schemeClr val="tx1">
+                    <a:lumMod val="50000"/>
+                  </a:schemeClr>
+                </a:solidFill>
+                <a:latin typeface="Consolas" panose="020B0609020204030204" pitchFamily="49" charset="0"/>
+              </a:rPr>
+              <a:t>f'Positive</a:t>
+            </a:r>
+            <a:r>
+              <a:rPr lang="en-US" sz="1600" dirty="0">
+                <a:solidFill>
+                  <a:schemeClr val="tx1">
+                    <a:lumMod val="50000"/>
+                  </a:schemeClr>
+                </a:solidFill>
+                <a:latin typeface="Consolas" panose="020B0609020204030204" pitchFamily="49" charset="0"/>
+              </a:rPr>
+              <a:t> number: {</a:t>
+            </a:r>
+            <a:r>
+              <a:rPr lang="en-US" sz="1600" dirty="0" err="1">
+                <a:solidFill>
+                  <a:schemeClr val="tx1">
+                    <a:lumMod val="50000"/>
+                  </a:schemeClr>
+                </a:solidFill>
+                <a:latin typeface="Consolas" panose="020B0609020204030204" pitchFamily="49" charset="0"/>
+              </a:rPr>
+              <a:t>number:d</a:t>
+            </a:r>
+            <a:r>
+              <a:rPr lang="en-US" sz="1600" dirty="0">
+                <a:solidFill>
+                  <a:schemeClr val="tx1">
+                    <a:lumMod val="50000"/>
+                  </a:schemeClr>
+                </a:solidFill>
+                <a:latin typeface="Consolas" panose="020B0609020204030204" pitchFamily="49" charset="0"/>
+              </a:rPr>
+              <a:t>}')</a:t>
+            </a:r>
+          </a:p>
+          <a:p>
+            <a:r>
+              <a:rPr lang="en-US" sz="1600" dirty="0">
+                <a:solidFill>
+                  <a:schemeClr val="tx1">
+                    <a:lumMod val="50000"/>
+                  </a:schemeClr>
+                </a:solidFill>
+                <a:latin typeface="Consolas" panose="020B0609020204030204" pitchFamily="49" charset="0"/>
+              </a:rPr>
+              <a:t>    </a:t>
+            </a:r>
+            <a:r>
+              <a:rPr lang="en-US" sz="1600" dirty="0" err="1">
+                <a:solidFill>
+                  <a:schemeClr val="tx1">
+                    <a:lumMod val="50000"/>
+                  </a:schemeClr>
+                </a:solidFill>
+                <a:latin typeface="Consolas" panose="020B0609020204030204" pitchFamily="49" charset="0"/>
+              </a:rPr>
+              <a:t>elif</a:t>
+            </a:r>
+            <a:r>
+              <a:rPr lang="en-US" sz="1600" dirty="0">
+                <a:solidFill>
+                  <a:schemeClr val="tx1">
+                    <a:lumMod val="50000"/>
+                  </a:schemeClr>
+                </a:solidFill>
+                <a:latin typeface="Consolas" panose="020B0609020204030204" pitchFamily="49" charset="0"/>
+              </a:rPr>
+              <a:t> </a:t>
+            </a:r>
+            <a:r>
+              <a:rPr lang="en-US" sz="1600" i="1" dirty="0">
+                <a:solidFill>
+                  <a:srgbClr val="9876AA"/>
+                </a:solidFill>
+                <a:latin typeface="Consolas" panose="020B0609020204030204" pitchFamily="49" charset="0"/>
+              </a:rPr>
+              <a:t>number</a:t>
+            </a:r>
+            <a:r>
+              <a:rPr lang="en-US" sz="1600" dirty="0">
+                <a:solidFill>
+                  <a:schemeClr val="tx1">
+                    <a:lumMod val="50000"/>
+                  </a:schemeClr>
+                </a:solidFill>
+                <a:latin typeface="Consolas" panose="020B0609020204030204" pitchFamily="49" charset="0"/>
+              </a:rPr>
+              <a:t> &lt; </a:t>
+            </a:r>
+            <a:r>
+              <a:rPr lang="en-US" sz="1600" dirty="0">
+                <a:solidFill>
+                  <a:srgbClr val="6897BB"/>
+                </a:solidFill>
+                <a:latin typeface="Consolas" panose="020B0609020204030204" pitchFamily="49" charset="0"/>
+              </a:rPr>
+              <a:t>0</a:t>
+            </a:r>
+            <a:r>
+              <a:rPr lang="en-US" sz="1600" dirty="0">
+                <a:solidFill>
+                  <a:schemeClr val="tx1">
+                    <a:lumMod val="50000"/>
+                  </a:schemeClr>
+                </a:solidFill>
+                <a:latin typeface="Consolas" panose="020B0609020204030204" pitchFamily="49" charset="0"/>
+              </a:rPr>
+              <a:t>:</a:t>
+            </a:r>
+          </a:p>
+          <a:p>
+            <a:r>
+              <a:rPr lang="en-US" sz="1600" dirty="0">
+                <a:solidFill>
+                  <a:schemeClr val="tx1">
+                    <a:lumMod val="50000"/>
+                  </a:schemeClr>
+                </a:solidFill>
+                <a:latin typeface="Consolas" panose="020B0609020204030204" pitchFamily="49" charset="0"/>
+              </a:rPr>
+              <a:t>        print(</a:t>
+            </a:r>
+            <a:r>
+              <a:rPr lang="en-US" sz="1600" dirty="0" err="1">
+                <a:solidFill>
+                  <a:schemeClr val="tx1">
+                    <a:lumMod val="50000"/>
+                  </a:schemeClr>
+                </a:solidFill>
+                <a:latin typeface="Consolas" panose="020B0609020204030204" pitchFamily="49" charset="0"/>
+              </a:rPr>
+              <a:t>f'Negative</a:t>
+            </a:r>
+            <a:r>
+              <a:rPr lang="en-US" sz="1600" dirty="0">
+                <a:solidFill>
+                  <a:schemeClr val="tx1">
+                    <a:lumMod val="50000"/>
+                  </a:schemeClr>
+                </a:solidFill>
+                <a:latin typeface="Consolas" panose="020B0609020204030204" pitchFamily="49" charset="0"/>
+              </a:rPr>
+              <a:t> number: {</a:t>
+            </a:r>
+            <a:r>
+              <a:rPr lang="en-US" sz="1600" dirty="0" err="1">
+                <a:solidFill>
+                  <a:schemeClr val="tx1">
+                    <a:lumMod val="50000"/>
+                  </a:schemeClr>
+                </a:solidFill>
+                <a:latin typeface="Consolas" panose="020B0609020204030204" pitchFamily="49" charset="0"/>
+              </a:rPr>
+              <a:t>number:d</a:t>
+            </a:r>
+            <a:r>
+              <a:rPr lang="en-US" sz="1600" dirty="0">
+                <a:solidFill>
+                  <a:schemeClr val="tx1">
+                    <a:lumMod val="50000"/>
+                  </a:schemeClr>
+                </a:solidFill>
+                <a:latin typeface="Consolas" panose="020B0609020204030204" pitchFamily="49" charset="0"/>
+              </a:rPr>
+              <a:t>}')</a:t>
+            </a:r>
+          </a:p>
+          <a:p>
+            <a:r>
+              <a:rPr lang="en-US" sz="1600" dirty="0">
+                <a:solidFill>
+                  <a:schemeClr val="tx1">
+                    <a:lumMod val="50000"/>
+                  </a:schemeClr>
+                </a:solidFill>
+                <a:latin typeface="Consolas" panose="020B0609020204030204" pitchFamily="49" charset="0"/>
+              </a:rPr>
+              <a:t>    </a:t>
+            </a:r>
+            <a:r>
+              <a:rPr lang="en-US" sz="1600" dirty="0" err="1">
+                <a:solidFill>
+                  <a:schemeClr val="tx1">
+                    <a:lumMod val="50000"/>
+                  </a:schemeClr>
+                </a:solidFill>
+                <a:latin typeface="Consolas" panose="020B0609020204030204" pitchFamily="49" charset="0"/>
+              </a:rPr>
+              <a:t>else:print</a:t>
+            </a:r>
+            <a:r>
+              <a:rPr lang="en-US" sz="1600" dirty="0">
+                <a:solidFill>
+                  <a:schemeClr val="tx1">
+                    <a:lumMod val="50000"/>
+                  </a:schemeClr>
+                </a:solidFill>
+                <a:latin typeface="Consolas" panose="020B0609020204030204" pitchFamily="49" charset="0"/>
+              </a:rPr>
+              <a:t>("Number </a:t>
+            </a:r>
+            <a:r>
+              <a:rPr lang="en-US" sz="1600" dirty="0">
+                <a:solidFill>
+                  <a:srgbClr val="6897BB"/>
+                </a:solidFill>
+                <a:latin typeface="Consolas" panose="020B0609020204030204" pitchFamily="49" charset="0"/>
+              </a:rPr>
+              <a:t>0</a:t>
+            </a:r>
+            <a:r>
+              <a:rPr lang="en-US" sz="1600" dirty="0">
+                <a:solidFill>
+                  <a:schemeClr val="tx1">
+                    <a:lumMod val="50000"/>
+                  </a:schemeClr>
+                </a:solidFill>
+                <a:latin typeface="Consolas" panose="020B0609020204030204" pitchFamily="49" charset="0"/>
+              </a:rPr>
+              <a:t>")</a:t>
+            </a:r>
+          </a:p>
+          <a:p>
+            <a:r>
+              <a:rPr lang="en-US" sz="1600" dirty="0">
+                <a:solidFill>
+                  <a:schemeClr val="tx1">
+                    <a:lumMod val="50000"/>
+                  </a:schemeClr>
+                </a:solidFill>
+                <a:latin typeface="Consolas" panose="020B0609020204030204" pitchFamily="49" charset="0"/>
+              </a:rPr>
+              <a:t> </a:t>
+            </a:r>
+          </a:p>
+          <a:p>
+            <a:r>
+              <a:rPr lang="en-US" sz="1600" dirty="0" err="1">
+                <a:solidFill>
+                  <a:schemeClr val="tx1">
+                    <a:lumMod val="50000"/>
+                  </a:schemeClr>
+                </a:solidFill>
+                <a:latin typeface="Consolas" panose="020B0609020204030204" pitchFamily="49" charset="0"/>
+              </a:rPr>
+              <a:t>verify_number</a:t>
+            </a:r>
+            <a:r>
+              <a:rPr lang="en-US" sz="1600" dirty="0">
+                <a:solidFill>
+                  <a:schemeClr val="tx1">
+                    <a:lumMod val="50000"/>
+                  </a:schemeClr>
+                </a:solidFill>
+                <a:latin typeface="Consolas" panose="020B0609020204030204" pitchFamily="49" charset="0"/>
+              </a:rPr>
+              <a:t>(</a:t>
+            </a:r>
+            <a:r>
+              <a:rPr lang="en-US" sz="1600" dirty="0">
+                <a:solidFill>
+                  <a:srgbClr val="6897BB"/>
+                </a:solidFill>
+                <a:latin typeface="Consolas" panose="020B0609020204030204" pitchFamily="49" charset="0"/>
+              </a:rPr>
+              <a:t>10</a:t>
+            </a:r>
+            <a:r>
+              <a:rPr lang="en-US" sz="1600" dirty="0">
+                <a:solidFill>
+                  <a:schemeClr val="tx1">
+                    <a:lumMod val="50000"/>
+                  </a:schemeClr>
+                </a:solidFill>
+                <a:latin typeface="Consolas" panose="020B0609020204030204" pitchFamily="49" charset="0"/>
+              </a:rPr>
+              <a:t>)</a:t>
+            </a:r>
+          </a:p>
+          <a:p>
+            <a:r>
+              <a:rPr lang="en-US" sz="1600" dirty="0" err="1">
+                <a:solidFill>
+                  <a:schemeClr val="tx1">
+                    <a:lumMod val="50000"/>
+                  </a:schemeClr>
+                </a:solidFill>
+                <a:latin typeface="Consolas" panose="020B0609020204030204" pitchFamily="49" charset="0"/>
+              </a:rPr>
+              <a:t>verify_number</a:t>
+            </a:r>
+            <a:r>
+              <a:rPr lang="en-US" sz="1600" dirty="0">
+                <a:solidFill>
+                  <a:schemeClr val="tx1">
+                    <a:lumMod val="50000"/>
+                  </a:schemeClr>
+                </a:solidFill>
+                <a:latin typeface="Consolas" panose="020B0609020204030204" pitchFamily="49" charset="0"/>
+              </a:rPr>
+              <a:t>(</a:t>
+            </a:r>
+            <a:r>
+              <a:rPr lang="en-US" sz="1600" dirty="0">
+                <a:solidFill>
+                  <a:srgbClr val="6897BB"/>
+                </a:solidFill>
+                <a:latin typeface="Consolas" panose="020B0609020204030204" pitchFamily="49" charset="0"/>
+              </a:rPr>
+              <a:t>-1</a:t>
+            </a:r>
+            <a:r>
+              <a:rPr lang="en-US" sz="1600" dirty="0">
+                <a:solidFill>
+                  <a:schemeClr val="tx1">
+                    <a:lumMod val="50000"/>
+                  </a:schemeClr>
+                </a:solidFill>
+                <a:latin typeface="Consolas" panose="020B0609020204030204" pitchFamily="49" charset="0"/>
+              </a:rPr>
+              <a:t>)</a:t>
+            </a:r>
+          </a:p>
+          <a:p>
+            <a:r>
+              <a:rPr lang="en-US" sz="1600" dirty="0" err="1">
+                <a:solidFill>
+                  <a:schemeClr val="tx1">
+                    <a:lumMod val="50000"/>
+                  </a:schemeClr>
+                </a:solidFill>
+                <a:latin typeface="Consolas" panose="020B0609020204030204" pitchFamily="49" charset="0"/>
+              </a:rPr>
+              <a:t>verify_number</a:t>
+            </a:r>
+            <a:r>
+              <a:rPr lang="en-US" sz="1600" dirty="0">
+                <a:solidFill>
+                  <a:schemeClr val="tx1">
+                    <a:lumMod val="50000"/>
+                  </a:schemeClr>
+                </a:solidFill>
+                <a:latin typeface="Consolas" panose="020B0609020204030204" pitchFamily="49" charset="0"/>
+              </a:rPr>
+              <a:t>(</a:t>
+            </a:r>
+            <a:r>
+              <a:rPr lang="en-US" sz="1600" dirty="0">
+                <a:solidFill>
+                  <a:srgbClr val="6897BB"/>
+                </a:solidFill>
+                <a:latin typeface="Consolas" panose="020B0609020204030204" pitchFamily="49" charset="0"/>
+              </a:rPr>
+              <a:t>0</a:t>
+            </a:r>
+            <a:r>
+              <a:rPr lang="en-US" sz="1600" dirty="0">
+                <a:solidFill>
+                  <a:schemeClr val="tx1">
+                    <a:lumMod val="50000"/>
+                  </a:schemeClr>
+                </a:solidFill>
+                <a:latin typeface="Consolas" panose="020B0609020204030204" pitchFamily="49" charset="0"/>
+              </a:rPr>
+              <a:t>)</a:t>
+            </a:r>
           </a:p>
         </p:txBody>
       </p:sp>
       <p:sp>
         <p:nvSpPr>
-          <p:cNvPr id="9" name="TextBox 8">
+          <p:cNvPr id="4" name="TextBox 3">
             <a:extLst>
               <a:ext uri="{FF2B5EF4-FFF2-40B4-BE49-F238E27FC236}">
-                <a16:creationId xmlns:a16="http://schemas.microsoft.com/office/drawing/2014/main" id="{B38C01D6-9A28-E479-A275-AD779E96BD1D}"/>
-              </a:ext>
-            </a:extLst>
-          </p:cNvPr>
-          <p:cNvSpPr txBox="1"/>
-          <p:nvPr/>
-        </p:nvSpPr>
-        <p:spPr>
-          <a:xfrm>
-            <a:off x="2381956" y="3897480"/>
-            <a:ext cx="4583288" cy="307777"/>
-          </a:xfrm>
-          <a:prstGeom prst="rect">
-            <a:avLst/>
-          </a:prstGeom>
-          <a:noFill/>
-        </p:spPr>
-        <p:txBody>
-          <a:bodyPr wrap="square">
-            <a:spAutoFit/>
-          </a:bodyPr>
-          <a:lstStyle/>
-          <a:p>
-            <a:r>
-              <a:rPr lang="en-US" dirty="0">
-                <a:latin typeface="Consolas" panose="020B0609020204030204" pitchFamily="49" charset="0"/>
-                <a:cs typeface="Consolas" panose="020B0609020204030204" pitchFamily="49" charset="0"/>
-              </a:rPr>
-              <a:t># Trap Disarmed!</a:t>
-            </a:r>
-          </a:p>
-        </p:txBody>
-      </p:sp>
-      <p:sp>
-        <p:nvSpPr>
-          <p:cNvPr id="11" name="TextBox 10">
-            <a:extLst>
-              <a:ext uri="{FF2B5EF4-FFF2-40B4-BE49-F238E27FC236}">
-                <a16:creationId xmlns:a16="http://schemas.microsoft.com/office/drawing/2014/main" id="{1BB66D34-B997-5B25-E8A7-6D5D5DDB226A}"/>
-              </a:ext>
-            </a:extLst>
-          </p:cNvPr>
-          <p:cNvSpPr txBox="1"/>
-          <p:nvPr/>
-        </p:nvSpPr>
-        <p:spPr>
-          <a:xfrm>
-            <a:off x="2381956" y="4081927"/>
-            <a:ext cx="4583288" cy="307777"/>
-          </a:xfrm>
-          <a:prstGeom prst="rect">
-            <a:avLst/>
-          </a:prstGeom>
-          <a:noFill/>
-        </p:spPr>
-        <p:txBody>
-          <a:bodyPr wrap="square">
-            <a:spAutoFit/>
-          </a:bodyPr>
-          <a:lstStyle/>
-          <a:p>
-            <a:r>
-              <a:rPr lang="en-US" dirty="0">
-                <a:latin typeface="Consolas" panose="020B0609020204030204" pitchFamily="49" charset="0"/>
-                <a:cs typeface="Consolas" panose="020B0609020204030204" pitchFamily="49" charset="0"/>
-              </a:rPr>
-              <a:t># As far as I am aware, no traps.</a:t>
-            </a:r>
-            <a:endParaRPr lang="en-US" dirty="0"/>
-          </a:p>
-        </p:txBody>
-      </p:sp>
-      <p:sp>
-        <p:nvSpPr>
-          <p:cNvPr id="13" name="TextBox 12">
-            <a:extLst>
-              <a:ext uri="{FF2B5EF4-FFF2-40B4-BE49-F238E27FC236}">
-                <a16:creationId xmlns:a16="http://schemas.microsoft.com/office/drawing/2014/main" id="{E9E74E44-72BB-31B2-28A5-E602725EFEC0}"/>
-              </a:ext>
-            </a:extLst>
-          </p:cNvPr>
-          <p:cNvSpPr txBox="1"/>
-          <p:nvPr/>
-        </p:nvSpPr>
-        <p:spPr>
-          <a:xfrm>
-            <a:off x="2381956" y="4280971"/>
-            <a:ext cx="4583288" cy="307777"/>
-          </a:xfrm>
-          <a:prstGeom prst="rect">
-            <a:avLst/>
-          </a:prstGeom>
-          <a:noFill/>
-        </p:spPr>
-        <p:txBody>
-          <a:bodyPr wrap="square">
-            <a:spAutoFit/>
-          </a:bodyPr>
-          <a:lstStyle/>
-          <a:p>
-            <a:r>
-              <a:rPr lang="en-US" dirty="0">
-                <a:latin typeface="Consolas" panose="020B0609020204030204" pitchFamily="49" charset="0"/>
-                <a:cs typeface="Consolas" panose="020B0609020204030204" pitchFamily="49" charset="0"/>
-              </a:rPr>
-              <a:t># Found the trap!</a:t>
-            </a:r>
-            <a:endParaRPr lang="en-US" dirty="0"/>
-          </a:p>
-        </p:txBody>
-      </p:sp>
-      <p:sp>
-        <p:nvSpPr>
-          <p:cNvPr id="14" name="TextBox 13">
-            <a:extLst>
-              <a:ext uri="{FF2B5EF4-FFF2-40B4-BE49-F238E27FC236}">
-                <a16:creationId xmlns:a16="http://schemas.microsoft.com/office/drawing/2014/main" id="{6B254190-7270-17F6-63DE-419920E26B24}"/>
+                <a16:creationId xmlns:a16="http://schemas.microsoft.com/office/drawing/2014/main" id="{E69C9ED6-B345-8EBC-966C-B3F6EC5AF1D6}"/>
               </a:ext>
             </a:extLst>
           </p:cNvPr>
@@ -20847,7 +21659,7 @@
         <p:spPr>
           <a:xfrm>
             <a:off x="6062134" y="1968015"/>
-            <a:ext cx="2542027" cy="646331"/>
+            <a:ext cx="2542027" cy="923330"/>
           </a:xfrm>
           <a:prstGeom prst="rect">
             <a:avLst/>
@@ -20867,7 +21679,15 @@
           <a:p>
             <a:r>
               <a:rPr lang="en-US" sz="1800" dirty="0"/>
-              <a:t>What is printed in each call?</a:t>
+              <a:t>How many tests are done each time we call </a:t>
+            </a:r>
+            <a:r>
+              <a:rPr lang="en-US" sz="1800" dirty="0" err="1"/>
+              <a:t>verify_number</a:t>
+            </a:r>
+            <a:r>
+              <a:rPr lang="en-US" sz="1800" dirty="0"/>
+              <a:t> now?</a:t>
             </a:r>
           </a:p>
         </p:txBody>
@@ -20875,7 +21695,7 @@
     </p:spTree>
     <p:extLst>
       <p:ext uri="{BB962C8B-B14F-4D97-AF65-F5344CB8AC3E}">
-        <p14:creationId xmlns:p14="http://schemas.microsoft.com/office/powerpoint/2010/main" val="1426773562"/>
+        <p14:creationId xmlns:p14="http://schemas.microsoft.com/office/powerpoint/2010/main" val="2302542266"/>
       </p:ext>
     </p:extLst>
   </p:cSld>
@@ -20919,142 +21739,7 @@
                                           </p:stCondLst>
                                         </p:cTn>
                                         <p:tgtEl>
-                                          <p:spTgt spid="5"/>
-                                        </p:tgtEl>
-                                        <p:attrNameLst>
-                                          <p:attrName>style.visibility</p:attrName>
-                                        </p:attrNameLst>
-                                      </p:cBhvr>
-                                      <p:to>
-                                        <p:strVal val="visible"/>
-                                      </p:to>
-                                    </p:set>
-                                  </p:childTnLst>
-                                </p:cTn>
-                              </p:par>
-                            </p:childTnLst>
-                          </p:cTn>
-                        </p:par>
-                      </p:childTnLst>
-                    </p:cTn>
-                  </p:par>
-                  <p:par>
-                    <p:cTn id="7" fill="hold">
-                      <p:stCondLst>
-                        <p:cond delay="indefinite"/>
-                      </p:stCondLst>
-                      <p:childTnLst>
-                        <p:par>
-                          <p:cTn id="8" fill="hold">
-                            <p:stCondLst>
-                              <p:cond delay="0"/>
-                            </p:stCondLst>
-                            <p:childTnLst>
-                              <p:par>
-                                <p:cTn id="9" presetID="1" presetClass="entr" presetSubtype="0" fill="hold" grpId="0" nodeType="clickEffect">
-                                  <p:stCondLst>
-                                    <p:cond delay="0"/>
-                                  </p:stCondLst>
-                                  <p:childTnLst>
-                                    <p:set>
-                                      <p:cBhvr>
-                                        <p:cTn id="10" dur="1" fill="hold">
-                                          <p:stCondLst>
-                                            <p:cond delay="0"/>
-                                          </p:stCondLst>
-                                        </p:cTn>
-                                        <p:tgtEl>
-                                          <p:spTgt spid="9"/>
-                                        </p:tgtEl>
-                                        <p:attrNameLst>
-                                          <p:attrName>style.visibility</p:attrName>
-                                        </p:attrNameLst>
-                                      </p:cBhvr>
-                                      <p:to>
-                                        <p:strVal val="visible"/>
-                                      </p:to>
-                                    </p:set>
-                                  </p:childTnLst>
-                                </p:cTn>
-                              </p:par>
-                            </p:childTnLst>
-                          </p:cTn>
-                        </p:par>
-                      </p:childTnLst>
-                    </p:cTn>
-                  </p:par>
-                  <p:par>
-                    <p:cTn id="11" fill="hold">
-                      <p:stCondLst>
-                        <p:cond delay="indefinite"/>
-                      </p:stCondLst>
-                      <p:childTnLst>
-                        <p:par>
-                          <p:cTn id="12" fill="hold">
-                            <p:stCondLst>
-                              <p:cond delay="0"/>
-                            </p:stCondLst>
-                            <p:childTnLst>
-                              <p:par>
-                                <p:cTn id="13" presetID="1" presetClass="entr" presetSubtype="0" fill="hold" grpId="0" nodeType="clickEffect">
-                                  <p:stCondLst>
-                                    <p:cond delay="0"/>
-                                  </p:stCondLst>
-                                  <p:childTnLst>
-                                    <p:set>
-                                      <p:cBhvr>
-                                        <p:cTn id="14" dur="1" fill="hold">
-                                          <p:stCondLst>
-                                            <p:cond delay="0"/>
-                                          </p:stCondLst>
-                                        </p:cTn>
-                                        <p:tgtEl>
-                                          <p:spTgt spid="11"/>
-                                        </p:tgtEl>
-                                        <p:attrNameLst>
-                                          <p:attrName>style.visibility</p:attrName>
-                                        </p:attrNameLst>
-                                      </p:cBhvr>
-                                      <p:to>
-                                        <p:strVal val="visible"/>
-                                      </p:to>
-                                    </p:set>
-                                  </p:childTnLst>
-                                </p:cTn>
-                              </p:par>
-                            </p:childTnLst>
-                          </p:cTn>
-                        </p:par>
-                      </p:childTnLst>
-                    </p:cTn>
-                  </p:par>
-                  <p:par>
-                    <p:cTn id="15" fill="hold">
-                      <p:stCondLst>
-                        <p:cond delay="indefinite"/>
-                      </p:stCondLst>
-                      <p:childTnLst>
-                        <p:par>
-                          <p:cTn id="16" fill="hold">
-                            <p:stCondLst>
-                              <p:cond delay="0"/>
-                            </p:stCondLst>
-                            <p:childTnLst>
-                              <p:par>
-                                <p:cTn id="17" presetID="1" presetClass="entr" presetSubtype="0" fill="hold" grpId="0" nodeType="clickEffect">
-                                  <p:stCondLst>
-                                    <p:cond delay="0"/>
-                                  </p:stCondLst>
-                                  <p:childTnLst>
-                                    <p:set>
-                                      <p:cBhvr>
-                                        <p:cTn id="18" dur="1" fill="hold">
-                                          <p:stCondLst>
-                                            <p:cond delay="0"/>
-                                          </p:stCondLst>
-                                        </p:cTn>
-                                        <p:tgtEl>
-                                          <p:spTgt spid="13"/>
+                                          <p:spTgt spid="4"/>
                                         </p:tgtEl>
                                         <p:attrNameLst>
                                           <p:attrName>style.visibility</p:attrName>
@@ -21095,10 +21780,7 @@
       </p:par>
     </p:tnLst>
     <p:bldLst>
-      <p:bldP spid="5" grpId="0"/>
-      <p:bldP spid="9" grpId="0"/>
-      <p:bldP spid="11" grpId="0"/>
-      <p:bldP spid="13" grpId="0"/>
+      <p:bldP spid="4" grpId="0" animBg="1"/>
     </p:bldLst>
   </p:timing>
 </p:sld>
@@ -21668,13 +22350,15 @@
 
 <file path=customXml/item1.xml><?xml version="1.0" encoding="utf-8"?>
 <p:properties xmlns:p="http://schemas.microsoft.com/office/2006/metadata/properties" xmlns:xsi="http://www.w3.org/2001/XMLSchema-instance" xmlns:pc="http://schemas.microsoft.com/office/infopath/2007/PartnerControls">
-  <documentManagement/>
+  <documentManagement>
+    <_activity xmlns="92c41bee-f0ee-4aa6-9399-a35fbb883510" xsi:nil="true"/>
+  </documentManagement>
 </p:properties>
 </file>
 
 <file path=customXml/item2.xml><?xml version="1.0" encoding="utf-8"?>
-<ct:contentTypeSchema xmlns:ct="http://schemas.microsoft.com/office/2006/metadata/contentType" xmlns:ma="http://schemas.microsoft.com/office/2006/metadata/properties/metaAttributes" ct:_="" ma:_="" ma:contentTypeName="Document" ma:contentTypeID="0x010100074387D78AC76C4289401EF66FB51FCC" ma:contentTypeVersion="14" ma:contentTypeDescription="Create a new document." ma:contentTypeScope="" ma:versionID="16aa88660fc2fdca5573e381835fe0c9">
-  <xsd:schema xmlns:xsd="http://www.w3.org/2001/XMLSchema" xmlns:xs="http://www.w3.org/2001/XMLSchema" xmlns:p="http://schemas.microsoft.com/office/2006/metadata/properties" xmlns:ns3="92c41bee-f0ee-4aa6-9399-a35fbb883510" xmlns:ns4="e06ed288-fd75-4b50-bbed-f5a5df88c31c" targetNamespace="http://schemas.microsoft.com/office/2006/metadata/properties" ma:root="true" ma:fieldsID="d08ce21c39dd96af8dcee1a6fd74aaf6" ns3:_="" ns4:_="">
+<ct:contentTypeSchema xmlns:ct="http://schemas.microsoft.com/office/2006/metadata/contentType" xmlns:ma="http://schemas.microsoft.com/office/2006/metadata/properties/metaAttributes" ct:_="" ma:_="" ma:contentTypeName="Document" ma:contentTypeID="0x010100074387D78AC76C4289401EF66FB51FCC" ma:contentTypeVersion="18" ma:contentTypeDescription="Create a new document." ma:contentTypeScope="" ma:versionID="684bb740e09a87c3c1f2cd8296ab2d11">
+  <xsd:schema xmlns:xsd="http://www.w3.org/2001/XMLSchema" xmlns:xs="http://www.w3.org/2001/XMLSchema" xmlns:p="http://schemas.microsoft.com/office/2006/metadata/properties" xmlns:ns3="92c41bee-f0ee-4aa6-9399-a35fbb883510" xmlns:ns4="e06ed288-fd75-4b50-bbed-f5a5df88c31c" targetNamespace="http://schemas.microsoft.com/office/2006/metadata/properties" ma:root="true" ma:fieldsID="edc7b30c6a7f40413d464d3789598fe7" ns3:_="" ns4:_="">
     <xsd:import namespace="92c41bee-f0ee-4aa6-9399-a35fbb883510"/>
     <xsd:import namespace="e06ed288-fd75-4b50-bbed-f5a5df88c31c"/>
     <xsd:element name="properties">
@@ -21697,6 +22381,10 @@
                 <xsd:element ref="ns3:MediaServiceDateTaken" minOccurs="0"/>
                 <xsd:element ref="ns3:MediaLengthInSeconds" minOccurs="0"/>
                 <xsd:element ref="ns3:MediaServiceLocation" minOccurs="0"/>
+                <xsd:element ref="ns3:_activity" minOccurs="0"/>
+                <xsd:element ref="ns3:MediaServiceObjectDetectorVersions" minOccurs="0"/>
+                <xsd:element ref="ns3:MediaServiceSystemTags" minOccurs="0"/>
+                <xsd:element ref="ns3:MediaServiceSearchProperties" minOccurs="0"/>
               </xsd:all>
             </xsd:complexType>
           </xsd:element>
@@ -21764,6 +22452,26 @@
     <xsd:element name="MediaServiceLocation" ma:index="21" nillable="true" ma:displayName="Location" ma:internalName="MediaServiceLocation" ma:readOnly="true">
       <xsd:simpleType>
         <xsd:restriction base="dms:Text"/>
+      </xsd:simpleType>
+    </xsd:element>
+    <xsd:element name="_activity" ma:index="22" nillable="true" ma:displayName="_activity" ma:hidden="true" ma:internalName="_activity">
+      <xsd:simpleType>
+        <xsd:restriction base="dms:Note"/>
+      </xsd:simpleType>
+    </xsd:element>
+    <xsd:element name="MediaServiceObjectDetectorVersions" ma:index="23" nillable="true" ma:displayName="MediaServiceObjectDetectorVersions" ma:description="" ma:hidden="true" ma:indexed="true" ma:internalName="MediaServiceObjectDetectorVersions" ma:readOnly="true">
+      <xsd:simpleType>
+        <xsd:restriction base="dms:Text"/>
+      </xsd:simpleType>
+    </xsd:element>
+    <xsd:element name="MediaServiceSystemTags" ma:index="24" nillable="true" ma:displayName="MediaServiceSystemTags" ma:hidden="true" ma:internalName="MediaServiceSystemTags" ma:readOnly="true">
+      <xsd:simpleType>
+        <xsd:restriction base="dms:Note"/>
+      </xsd:simpleType>
+    </xsd:element>
+    <xsd:element name="MediaServiceSearchProperties" ma:index="25" nillable="true" ma:displayName="MediaServiceSearchProperties" ma:hidden="true" ma:internalName="MediaServiceSearchProperties" ma:readOnly="true">
+      <xsd:simpleType>
+        <xsd:restriction base="dms:Note"/>
       </xsd:simpleType>
     </xsd:element>
   </xsd:schema>
@@ -21913,9 +22621,9 @@
 <file path=customXml/itemProps1.xml><?xml version="1.0" encoding="utf-8"?>
 <ds:datastoreItem xmlns:ds="http://schemas.openxmlformats.org/officeDocument/2006/customXml" ds:itemID="{05D3EE4C-68D3-4BA3-94E6-383E2DFDD168}">
   <ds:schemaRefs>
+    <ds:schemaRef ds:uri="http://www.w3.org/XML/1998/namespace"/>
+    <ds:schemaRef ds:uri="http://schemas.openxmlformats.org/package/2006/metadata/core-properties"/>
     <ds:schemaRef ds:uri="http://schemas.microsoft.com/office/2006/metadata/properties"/>
-    <ds:schemaRef ds:uri="http://schemas.openxmlformats.org/package/2006/metadata/core-properties"/>
-    <ds:schemaRef ds:uri="http://www.w3.org/XML/1998/namespace"/>
     <ds:schemaRef ds:uri="http://purl.org/dc/elements/1.1/"/>
     <ds:schemaRef ds:uri="http://purl.org/dc/dcmitype/"/>
     <ds:schemaRef ds:uri="http://schemas.microsoft.com/office/2006/documentManagement/types"/>
@@ -21928,7 +22636,7 @@
 </file>
 
 <file path=customXml/itemProps2.xml><?xml version="1.0" encoding="utf-8"?>
-<ds:datastoreItem xmlns:ds="http://schemas.openxmlformats.org/officeDocument/2006/customXml" ds:itemID="{ECE8EA35-9C42-4825-ABC6-2C345E857976}">
+<ds:datastoreItem xmlns:ds="http://schemas.openxmlformats.org/officeDocument/2006/customXml" ds:itemID="{1EEB124D-2251-49DC-B5CC-8B97C36B38CD}">
   <ds:schemaRefs>
     <ds:schemaRef ds:uri="http://schemas.microsoft.com/office/2006/metadata/contentType"/>
     <ds:schemaRef ds:uri="http://schemas.microsoft.com/office/2006/metadata/properties/metaAttributes"/>

--- a/02_02ConditionalsCS152.pptx
+++ b/02_02ConditionalsCS152.pptx
@@ -273,6 +273,38 @@
 
 <file path=ppt/changesInfos/changesInfo1.xml><?xml version="1.0" encoding="utf-8"?>
 <pc:chgInfo xmlns:a="http://schemas.openxmlformats.org/drawingml/2006/main" xmlns:r="http://schemas.openxmlformats.org/officeDocument/2006/relationships" xmlns:ac="http://schemas.microsoft.com/office/drawing/2013/main/command" xmlns:pc="http://schemas.microsoft.com/office/powerpoint/2013/main/command">
+  <pc:docChgLst>
+    <pc:chgData name="Marcia Moraes" userId="c9c67e8a-58e2-4733-9a1c-5d44fec4775b" providerId="ADAL" clId="{34639843-2421-4EDD-9B8C-1549479A2AD1}"/>
+    <pc:docChg chg="custSel modSld">
+      <pc:chgData name="Marcia Moraes" userId="c9c67e8a-58e2-4733-9a1c-5d44fec4775b" providerId="ADAL" clId="{34639843-2421-4EDD-9B8C-1549479A2AD1}" dt="2024-08-23T17:40:21.237" v="89" actId="14100"/>
+      <pc:docMkLst>
+        <pc:docMk/>
+      </pc:docMkLst>
+      <pc:sldChg chg="modSp">
+        <pc:chgData name="Marcia Moraes" userId="c9c67e8a-58e2-4733-9a1c-5d44fec4775b" providerId="ADAL" clId="{34639843-2421-4EDD-9B8C-1549479A2AD1}" dt="2024-08-23T17:40:21.237" v="89" actId="14100"/>
+        <pc:sldMkLst>
+          <pc:docMk/>
+          <pc:sldMk cId="0" sldId="286"/>
+        </pc:sldMkLst>
+        <pc:spChg chg="mod">
+          <ac:chgData name="Marcia Moraes" userId="c9c67e8a-58e2-4733-9a1c-5d44fec4775b" providerId="ADAL" clId="{34639843-2421-4EDD-9B8C-1549479A2AD1}" dt="2024-08-23T17:40:00.495" v="1" actId="1076"/>
+          <ac:spMkLst>
+            <pc:docMk/>
+            <pc:sldMk cId="0" sldId="286"/>
+            <ac:spMk id="3" creationId="{2CCE0028-C232-D079-44BA-37C465B31CC1}"/>
+          </ac:spMkLst>
+        </pc:spChg>
+        <pc:spChg chg="mod">
+          <ac:chgData name="Marcia Moraes" userId="c9c67e8a-58e2-4733-9a1c-5d44fec4775b" providerId="ADAL" clId="{34639843-2421-4EDD-9B8C-1549479A2AD1}" dt="2024-08-23T17:40:21.237" v="89" actId="14100"/>
+          <ac:spMkLst>
+            <pc:docMk/>
+            <pc:sldMk cId="0" sldId="286"/>
+            <ac:spMk id="6" creationId="{BBA84413-A189-4E45-8BC1-0BAF8D04460A}"/>
+          </ac:spMkLst>
+        </pc:spChg>
+      </pc:sldChg>
+    </pc:docChg>
+  </pc:docChgLst>
   <pc:docChgLst>
     <pc:chgData name="Marcia Moraes" userId="c9c67e8a-58e2-4733-9a1c-5d44fec4775b" providerId="ADAL" clId="{422DB548-A3AC-45DE-BA8F-503D91CD8030}"/>
     <pc:docChg chg="undo custSel addSld modSld">
@@ -18230,7 +18262,7 @@
         <p:spPr>
           <a:xfrm>
             <a:off x="489432" y="780166"/>
-            <a:ext cx="7917181" cy="1084481"/>
+            <a:ext cx="7917181" cy="1625881"/>
           </a:xfrm>
         </p:spPr>
         <p:txBody>
@@ -18252,6 +18284,12 @@
             <a:r>
               <a:rPr lang="en-US" sz="1800" dirty="0"/>
               <a:t>Identify where the functions are being called</a:t>
+            </a:r>
+          </a:p>
+          <a:p>
+            <a:r>
+              <a:rPr lang="en-US" sz="1800" dirty="0"/>
+              <a:t>Submit your answers to our Attendance assignment for today’s class</a:t>
             </a:r>
           </a:p>
           <a:p>
@@ -18274,7 +18312,7 @@
         </p:nvSpPr>
         <p:spPr>
           <a:xfrm>
-            <a:off x="762002" y="2144789"/>
+            <a:off x="762002" y="2406047"/>
             <a:ext cx="7917180" cy="2246769"/>
           </a:xfrm>
           <a:prstGeom prst="rect">
@@ -22349,14 +22387,6 @@
 </file>
 
 <file path=customXml/item1.xml><?xml version="1.0" encoding="utf-8"?>
-<p:properties xmlns:p="http://schemas.microsoft.com/office/2006/metadata/properties" xmlns:xsi="http://www.w3.org/2001/XMLSchema-instance" xmlns:pc="http://schemas.microsoft.com/office/infopath/2007/PartnerControls">
-  <documentManagement>
-    <_activity xmlns="92c41bee-f0ee-4aa6-9399-a35fbb883510" xsi:nil="true"/>
-  </documentManagement>
-</p:properties>
-</file>
-
-<file path=customXml/item2.xml><?xml version="1.0" encoding="utf-8"?>
 <ct:contentTypeSchema xmlns:ct="http://schemas.microsoft.com/office/2006/metadata/contentType" xmlns:ma="http://schemas.microsoft.com/office/2006/metadata/properties/metaAttributes" ct:_="" ma:_="" ma:contentTypeName="Document" ma:contentTypeID="0x010100074387D78AC76C4289401EF66FB51FCC" ma:contentTypeVersion="18" ma:contentTypeDescription="Create a new document." ma:contentTypeScope="" ma:versionID="684bb740e09a87c3c1f2cd8296ab2d11">
   <xsd:schema xmlns:xsd="http://www.w3.org/2001/XMLSchema" xmlns:xs="http://www.w3.org/2001/XMLSchema" xmlns:p="http://schemas.microsoft.com/office/2006/metadata/properties" xmlns:ns3="92c41bee-f0ee-4aa6-9399-a35fbb883510" xmlns:ns4="e06ed288-fd75-4b50-bbed-f5a5df88c31c" targetNamespace="http://schemas.microsoft.com/office/2006/metadata/properties" ma:root="true" ma:fieldsID="edc7b30c6a7f40413d464d3789598fe7" ns3:_="" ns4:_="">
     <xsd:import namespace="92c41bee-f0ee-4aa6-9399-a35fbb883510"/>
@@ -22609,6 +22639,14 @@
 </ct:contentTypeSchema>
 </file>
 
+<file path=customXml/item2.xml><?xml version="1.0" encoding="utf-8"?>
+<p:properties xmlns:p="http://schemas.microsoft.com/office/2006/metadata/properties" xmlns:xsi="http://www.w3.org/2001/XMLSchema-instance" xmlns:pc="http://schemas.microsoft.com/office/infopath/2007/PartnerControls">
+  <documentManagement>
+    <_activity xmlns="92c41bee-f0ee-4aa6-9399-a35fbb883510" xsi:nil="true"/>
+  </documentManagement>
+</p:properties>
+</file>
+
 <file path=customXml/item3.xml><?xml version="1.0" encoding="utf-8"?>
 <?mso-contentType ?>
 <FormTemplates xmlns="http://schemas.microsoft.com/sharepoint/v3/contenttype/forms">
@@ -22619,23 +22657,6 @@
 </file>
 
 <file path=customXml/itemProps1.xml><?xml version="1.0" encoding="utf-8"?>
-<ds:datastoreItem xmlns:ds="http://schemas.openxmlformats.org/officeDocument/2006/customXml" ds:itemID="{05D3EE4C-68D3-4BA3-94E6-383E2DFDD168}">
-  <ds:schemaRefs>
-    <ds:schemaRef ds:uri="http://www.w3.org/XML/1998/namespace"/>
-    <ds:schemaRef ds:uri="http://schemas.openxmlformats.org/package/2006/metadata/core-properties"/>
-    <ds:schemaRef ds:uri="http://schemas.microsoft.com/office/2006/metadata/properties"/>
-    <ds:schemaRef ds:uri="http://purl.org/dc/elements/1.1/"/>
-    <ds:schemaRef ds:uri="http://purl.org/dc/dcmitype/"/>
-    <ds:schemaRef ds:uri="http://schemas.microsoft.com/office/2006/documentManagement/types"/>
-    <ds:schemaRef ds:uri="http://schemas.microsoft.com/office/infopath/2007/PartnerControls"/>
-    <ds:schemaRef ds:uri="e06ed288-fd75-4b50-bbed-f5a5df88c31c"/>
-    <ds:schemaRef ds:uri="92c41bee-f0ee-4aa6-9399-a35fbb883510"/>
-    <ds:schemaRef ds:uri="http://purl.org/dc/terms/"/>
-  </ds:schemaRefs>
-</ds:datastoreItem>
-</file>
-
-<file path=customXml/itemProps2.xml><?xml version="1.0" encoding="utf-8"?>
 <ds:datastoreItem xmlns:ds="http://schemas.openxmlformats.org/officeDocument/2006/customXml" ds:itemID="{1EEB124D-2251-49DC-B5CC-8B97C36B38CD}">
   <ds:schemaRefs>
     <ds:schemaRef ds:uri="http://schemas.microsoft.com/office/2006/metadata/contentType"/>
@@ -22654,6 +22675,23 @@
 </ds:datastoreItem>
 </file>
 
+<file path=customXml/itemProps2.xml><?xml version="1.0" encoding="utf-8"?>
+<ds:datastoreItem xmlns:ds="http://schemas.openxmlformats.org/officeDocument/2006/customXml" ds:itemID="{05D3EE4C-68D3-4BA3-94E6-383E2DFDD168}">
+  <ds:schemaRefs>
+    <ds:schemaRef ds:uri="http://purl.org/dc/elements/1.1/"/>
+    <ds:schemaRef ds:uri="http://schemas.microsoft.com/office/2006/metadata/properties"/>
+    <ds:schemaRef ds:uri="http://purl.org/dc/terms/"/>
+    <ds:schemaRef ds:uri="http://purl.org/dc/dcmitype/"/>
+    <ds:schemaRef ds:uri="92c41bee-f0ee-4aa6-9399-a35fbb883510"/>
+    <ds:schemaRef ds:uri="http://schemas.microsoft.com/office/2006/documentManagement/types"/>
+    <ds:schemaRef ds:uri="http://schemas.microsoft.com/office/infopath/2007/PartnerControls"/>
+    <ds:schemaRef ds:uri="http://schemas.openxmlformats.org/package/2006/metadata/core-properties"/>
+    <ds:schemaRef ds:uri="e06ed288-fd75-4b50-bbed-f5a5df88c31c"/>
+    <ds:schemaRef ds:uri="http://www.w3.org/XML/1998/namespace"/>
+  </ds:schemaRefs>
+</ds:datastoreItem>
+</file>
+
 <file path=customXml/itemProps3.xml><?xml version="1.0" encoding="utf-8"?>
 <ds:datastoreItem xmlns:ds="http://schemas.openxmlformats.org/officeDocument/2006/customXml" ds:itemID="{ECBA097B-6123-4B8A-8BF9-8745C25437D5}">
   <ds:schemaRefs>
